--- a/Sample Workflow Dependency-V3.pptx
+++ b/Sample Workflow Dependency-V3.pptx
@@ -246,7 +246,7 @@
           <a:p>
             <a:fld id="{CB8393A8-4562-4F50-B742-6E29655ED728}" type="datetimeFigureOut">
               <a:rPr lang="en-US" smtClean="0"/>
-              <a:t>3/25/2021</a:t>
+              <a:t>3/26/2021</a:t>
             </a:fld>
             <a:endParaRPr lang="en-US"/>
           </a:p>
@@ -416,7 +416,7 @@
           <a:p>
             <a:fld id="{CB8393A8-4562-4F50-B742-6E29655ED728}" type="datetimeFigureOut">
               <a:rPr lang="en-US" smtClean="0"/>
-              <a:t>3/25/2021</a:t>
+              <a:t>3/26/2021</a:t>
             </a:fld>
             <a:endParaRPr lang="en-US"/>
           </a:p>
@@ -596,7 +596,7 @@
           <a:p>
             <a:fld id="{CB8393A8-4562-4F50-B742-6E29655ED728}" type="datetimeFigureOut">
               <a:rPr lang="en-US" smtClean="0"/>
-              <a:t>3/25/2021</a:t>
+              <a:t>3/26/2021</a:t>
             </a:fld>
             <a:endParaRPr lang="en-US"/>
           </a:p>
@@ -766,7 +766,7 @@
           <a:p>
             <a:fld id="{CB8393A8-4562-4F50-B742-6E29655ED728}" type="datetimeFigureOut">
               <a:rPr lang="en-US" smtClean="0"/>
-              <a:t>3/25/2021</a:t>
+              <a:t>3/26/2021</a:t>
             </a:fld>
             <a:endParaRPr lang="en-US"/>
           </a:p>
@@ -1012,7 +1012,7 @@
           <a:p>
             <a:fld id="{CB8393A8-4562-4F50-B742-6E29655ED728}" type="datetimeFigureOut">
               <a:rPr lang="en-US" smtClean="0"/>
-              <a:t>3/25/2021</a:t>
+              <a:t>3/26/2021</a:t>
             </a:fld>
             <a:endParaRPr lang="en-US"/>
           </a:p>
@@ -1244,7 +1244,7 @@
           <a:p>
             <a:fld id="{CB8393A8-4562-4F50-B742-6E29655ED728}" type="datetimeFigureOut">
               <a:rPr lang="en-US" smtClean="0"/>
-              <a:t>3/25/2021</a:t>
+              <a:t>3/26/2021</a:t>
             </a:fld>
             <a:endParaRPr lang="en-US"/>
           </a:p>
@@ -1611,7 +1611,7 @@
           <a:p>
             <a:fld id="{CB8393A8-4562-4F50-B742-6E29655ED728}" type="datetimeFigureOut">
               <a:rPr lang="en-US" smtClean="0"/>
-              <a:t>3/25/2021</a:t>
+              <a:t>3/26/2021</a:t>
             </a:fld>
             <a:endParaRPr lang="en-US"/>
           </a:p>
@@ -1729,7 +1729,7 @@
           <a:p>
             <a:fld id="{CB8393A8-4562-4F50-B742-6E29655ED728}" type="datetimeFigureOut">
               <a:rPr lang="en-US" smtClean="0"/>
-              <a:t>3/25/2021</a:t>
+              <a:t>3/26/2021</a:t>
             </a:fld>
             <a:endParaRPr lang="en-US"/>
           </a:p>
@@ -1824,7 +1824,7 @@
           <a:p>
             <a:fld id="{CB8393A8-4562-4F50-B742-6E29655ED728}" type="datetimeFigureOut">
               <a:rPr lang="en-US" smtClean="0"/>
-              <a:t>3/25/2021</a:t>
+              <a:t>3/26/2021</a:t>
             </a:fld>
             <a:endParaRPr lang="en-US"/>
           </a:p>
@@ -2101,7 +2101,7 @@
           <a:p>
             <a:fld id="{CB8393A8-4562-4F50-B742-6E29655ED728}" type="datetimeFigureOut">
               <a:rPr lang="en-US" smtClean="0"/>
-              <a:t>3/25/2021</a:t>
+              <a:t>3/26/2021</a:t>
             </a:fld>
             <a:endParaRPr lang="en-US"/>
           </a:p>
@@ -2358,7 +2358,7 @@
           <a:p>
             <a:fld id="{CB8393A8-4562-4F50-B742-6E29655ED728}" type="datetimeFigureOut">
               <a:rPr lang="en-US" smtClean="0"/>
-              <a:t>3/25/2021</a:t>
+              <a:t>3/26/2021</a:t>
             </a:fld>
             <a:endParaRPr lang="en-US"/>
           </a:p>
@@ -2571,7 +2571,7 @@
           <a:p>
             <a:fld id="{CB8393A8-4562-4F50-B742-6E29655ED728}" type="datetimeFigureOut">
               <a:rPr lang="en-US" smtClean="0"/>
-              <a:t>3/25/2021</a:t>
+              <a:t>3/26/2021</a:t>
             </a:fld>
             <a:endParaRPr lang="en-US"/>
           </a:p>
@@ -16896,9 +16896,9 @@
         <p:grpSpPr>
           <a:xfrm>
             <a:off x="7409254" y="1568654"/>
-            <a:ext cx="3574969" cy="4361006"/>
+            <a:ext cx="4329265" cy="4640920"/>
             <a:chOff x="7441990" y="1738860"/>
-            <a:chExt cx="3574969" cy="4361006"/>
+            <a:chExt cx="4329265" cy="4640920"/>
           </a:xfrm>
         </p:grpSpPr>
         <p:sp>
@@ -16910,7 +16910,7 @@
           <p:spPr>
             <a:xfrm>
               <a:off x="7441990" y="1738860"/>
-              <a:ext cx="3574969" cy="4361006"/>
+              <a:ext cx="4329265" cy="4640920"/>
             </a:xfrm>
             <a:prstGeom prst="roundRect">
               <a:avLst>
@@ -16956,7 +16956,7 @@
           </p:nvSpPr>
           <p:spPr>
             <a:xfrm>
-              <a:off x="7595526" y="4441678"/>
+              <a:off x="7725953" y="4716989"/>
               <a:ext cx="1389260" cy="361051"/>
             </a:xfrm>
             <a:prstGeom prst="roundRect">
@@ -17017,8 +17017,8 @@
           </p:nvCxnSpPr>
           <p:spPr>
             <a:xfrm rot="5400000">
-              <a:off x="8202169" y="4349140"/>
-              <a:ext cx="180526" cy="4551"/>
+              <a:off x="8330657" y="3928579"/>
+              <a:ext cx="878336" cy="698484"/>
             </a:xfrm>
             <a:prstGeom prst="curvedConnector3">
               <a:avLst>
@@ -17052,7 +17052,7 @@
           </p:nvSpPr>
           <p:spPr>
             <a:xfrm>
-              <a:off x="7603680" y="3327302"/>
+              <a:off x="9119066" y="2761693"/>
               <a:ext cx="1389260" cy="361051"/>
             </a:xfrm>
             <a:prstGeom prst="roundRect">
@@ -17105,8 +17105,8 @@
           </p:nvSpPr>
           <p:spPr>
             <a:xfrm>
-              <a:off x="9459592" y="3307694"/>
-              <a:ext cx="1389260" cy="361051"/>
+              <a:off x="8495095" y="5343632"/>
+              <a:ext cx="1389260" cy="355933"/>
             </a:xfrm>
             <a:prstGeom prst="roundRect">
               <a:avLst/>
@@ -17221,7 +17221,7 @@
           </p:nvSpPr>
           <p:spPr>
             <a:xfrm>
-              <a:off x="7600077" y="3900101"/>
+              <a:off x="8424437" y="3477602"/>
               <a:ext cx="1389260" cy="361051"/>
             </a:xfrm>
             <a:prstGeom prst="roundRect">
@@ -17277,8 +17277,8 @@
           </p:nvCxnSpPr>
           <p:spPr>
             <a:xfrm rot="5400000">
-              <a:off x="8785472" y="1958551"/>
-              <a:ext cx="881589" cy="1855912"/>
+              <a:off x="9825969" y="2433440"/>
+              <a:ext cx="315980" cy="340526"/>
             </a:xfrm>
             <a:prstGeom prst="curvedConnector3">
               <a:avLst/>
@@ -17313,8 +17313,8 @@
           </p:nvCxnSpPr>
           <p:spPr>
             <a:xfrm rot="5400000">
-              <a:off x="8190635" y="3792426"/>
-              <a:ext cx="211748" cy="3603"/>
+              <a:off x="9288953" y="2952859"/>
+              <a:ext cx="354858" cy="694629"/>
             </a:xfrm>
             <a:prstGeom prst="curvedConnector3">
               <a:avLst>
@@ -17342,55 +17342,18 @@
         </p:cxnSp>
         <p:cxnSp>
           <p:nvCxnSpPr>
-            <p:cNvPr id="79" name="Curved Connector 78"/>
+            <p:cNvPr id="80" name="Curved Connector 79"/>
             <p:cNvCxnSpPr>
-              <a:stCxn id="57" idx="2"/>
+              <a:cxnSpLocks/>
+              <a:stCxn id="59" idx="2"/>
               <a:endCxn id="56" idx="0"/>
             </p:cNvCxnSpPr>
             <p:nvPr/>
           </p:nvCxnSpPr>
           <p:spPr>
-            <a:xfrm rot="5400000">
-              <a:off x="9723232" y="2876703"/>
-              <a:ext cx="861981" cy="12700"/>
-            </a:xfrm>
-            <a:prstGeom prst="curvedConnector3">
-              <a:avLst>
-                <a:gd name="adj1" fmla="val 50000"/>
-              </a:avLst>
-            </a:prstGeom>
-            <a:ln>
-              <a:tailEnd type="triangle"/>
-            </a:ln>
-          </p:spPr>
-          <p:style>
-            <a:lnRef idx="1">
-              <a:schemeClr val="accent1"/>
-            </a:lnRef>
-            <a:fillRef idx="0">
-              <a:schemeClr val="accent1"/>
-            </a:fillRef>
-            <a:effectRef idx="0">
-              <a:schemeClr val="accent1"/>
-            </a:effectRef>
-            <a:fontRef idx="minor">
-              <a:schemeClr val="tx1"/>
-            </a:fontRef>
-          </p:style>
-        </p:cxnSp>
-        <p:cxnSp>
-          <p:nvCxnSpPr>
-            <p:cNvPr id="80" name="Curved Connector 79"/>
-            <p:cNvCxnSpPr>
-              <a:stCxn id="59" idx="3"/>
-              <a:endCxn id="56" idx="1"/>
-            </p:cNvCxnSpPr>
-            <p:nvPr/>
-          </p:nvCxnSpPr>
-          <p:spPr>
-            <a:xfrm flipV="1">
-              <a:off x="8989337" y="3488220"/>
-              <a:ext cx="470255" cy="592407"/>
+            <a:xfrm rot="16200000" flipH="1">
+              <a:off x="8401907" y="4555813"/>
+              <a:ext cx="1504979" cy="70658"/>
             </a:xfrm>
             <a:prstGeom prst="curvedConnector3">
               <a:avLst>
@@ -17424,7 +17387,7 @@
           </p:nvSpPr>
           <p:spPr>
             <a:xfrm>
-              <a:off x="9459592" y="5630649"/>
+              <a:off x="9344982" y="5871323"/>
               <a:ext cx="1389260" cy="361051"/>
             </a:xfrm>
             <a:prstGeom prst="roundRect">
@@ -17482,7 +17445,7 @@
           </p:nvSpPr>
           <p:spPr>
             <a:xfrm>
-              <a:off x="8644811" y="4958022"/>
+              <a:off x="10349236" y="4957247"/>
               <a:ext cx="1389260" cy="361051"/>
             </a:xfrm>
             <a:prstGeom prst="roundRect">
@@ -17540,7 +17503,7 @@
           </p:nvSpPr>
           <p:spPr>
             <a:xfrm>
-              <a:off x="9465943" y="3991249"/>
+              <a:off x="9444214" y="4170418"/>
               <a:ext cx="1389260" cy="361051"/>
             </a:xfrm>
             <a:prstGeom prst="roundRect">
@@ -17594,15 +17557,16 @@
           <p:nvCxnSpPr>
             <p:cNvPr id="94" name="Curved Connector 93"/>
             <p:cNvCxnSpPr>
-              <a:stCxn id="56" idx="2"/>
+              <a:cxnSpLocks/>
+              <a:stCxn id="54" idx="2"/>
               <a:endCxn id="85" idx="0"/>
             </p:cNvCxnSpPr>
             <p:nvPr/>
           </p:nvCxnSpPr>
           <p:spPr>
             <a:xfrm rot="16200000" flipH="1">
-              <a:off x="9996145" y="3826821"/>
-              <a:ext cx="322504" cy="6351"/>
+              <a:off x="9452433" y="3484007"/>
+              <a:ext cx="1047674" cy="325148"/>
             </a:xfrm>
             <a:prstGeom prst="curvedConnector3">
               <a:avLst/>
@@ -17636,9 +17600,9 @@
             <p:nvPr/>
           </p:nvCxnSpPr>
           <p:spPr>
-            <a:xfrm rot="16200000" flipH="1">
-              <a:off x="9591043" y="5067470"/>
-              <a:ext cx="311576" cy="814781"/>
+            <a:xfrm rot="5400000">
+              <a:off x="10265227" y="5092683"/>
+              <a:ext cx="553025" cy="1004254"/>
             </a:xfrm>
             <a:prstGeom prst="curvedConnector3">
               <a:avLst>
@@ -17675,8 +17639,8 @@
           </p:nvCxnSpPr>
           <p:spPr>
             <a:xfrm rot="5400000">
-              <a:off x="9518224" y="4988299"/>
-              <a:ext cx="1278349" cy="6351"/>
+              <a:off x="9419301" y="5151780"/>
+              <a:ext cx="1339854" cy="99232"/>
             </a:xfrm>
             <a:prstGeom prst="curvedConnector3">
               <a:avLst>
@@ -21671,8 +21635,8 @@
         </p:nvCxnSpPr>
         <p:spPr>
           <a:xfrm flipV="1">
-            <a:off x="7149887" y="3337622"/>
-            <a:ext cx="421057" cy="312341"/>
+            <a:off x="7149887" y="2772013"/>
+            <a:ext cx="1936443" cy="877950"/>
           </a:xfrm>
           <a:prstGeom prst="curvedConnector3">
             <a:avLst/>
@@ -21706,9 +21670,9 @@
           <p:nvPr/>
         </p:nvCxnSpPr>
         <p:spPr>
-          <a:xfrm flipV="1">
-            <a:off x="7147853" y="5640969"/>
-            <a:ext cx="2279003" cy="9993"/>
+          <a:xfrm>
+            <a:off x="7147853" y="5650962"/>
+            <a:ext cx="2164393" cy="230681"/>
           </a:xfrm>
           <a:prstGeom prst="curvedConnector3">
             <a:avLst>
@@ -22055,7 +22019,7 @@
         </p:nvGrpSpPr>
         <p:grpSpPr>
           <a:xfrm>
-            <a:off x="7712280" y="6211348"/>
+            <a:off x="7712280" y="6415892"/>
             <a:ext cx="3260492" cy="1735859"/>
             <a:chOff x="8393988" y="6143883"/>
             <a:chExt cx="3260492" cy="1735859"/>
@@ -22465,8 +22429,8 @@
         </p:nvCxnSpPr>
         <p:spPr>
           <a:xfrm rot="16200000" flipH="1">
-            <a:off x="10385746" y="7517049"/>
-            <a:ext cx="551908" cy="1169017"/>
+            <a:off x="10488018" y="7619321"/>
+            <a:ext cx="347364" cy="1169017"/>
           </a:xfrm>
           <a:prstGeom prst="curvedConnector2">
             <a:avLst/>
@@ -23122,9 +23086,9 @@
           <p:nvPr/>
         </p:nvCxnSpPr>
         <p:spPr>
-          <a:xfrm rot="5400000">
-            <a:off x="9864048" y="6063554"/>
-            <a:ext cx="499498" cy="15378"/>
+          <a:xfrm rot="16200000" flipH="1">
+            <a:off x="9824808" y="6244236"/>
+            <a:ext cx="463368" cy="99232"/>
           </a:xfrm>
           <a:prstGeom prst="curvedConnector3">
             <a:avLst>
@@ -23161,8 +23125,8 @@
         </p:nvCxnSpPr>
         <p:spPr>
           <a:xfrm rot="16200000" flipH="1">
-            <a:off x="7576389" y="5313554"/>
-            <a:ext cx="1688469" cy="326406"/>
+            <a:off x="7676985" y="5618695"/>
+            <a:ext cx="1617702" cy="195979"/>
           </a:xfrm>
           <a:prstGeom prst="curvedConnector3">
             <a:avLst>
@@ -23235,8 +23199,8 @@
         </p:nvCxnSpPr>
         <p:spPr>
           <a:xfrm flipV="1">
-            <a:off x="7147853" y="3910421"/>
-            <a:ext cx="419488" cy="485122"/>
+            <a:off x="7147853" y="3487922"/>
+            <a:ext cx="1243848" cy="907621"/>
           </a:xfrm>
           <a:prstGeom prst="curvedConnector3">
             <a:avLst>
@@ -23273,8 +23237,8 @@
         </p:nvCxnSpPr>
         <p:spPr>
           <a:xfrm flipV="1">
-            <a:off x="7168950" y="4968342"/>
-            <a:ext cx="1443125" cy="7615"/>
+            <a:off x="7168950" y="4967567"/>
+            <a:ext cx="3147550" cy="8390"/>
           </a:xfrm>
           <a:prstGeom prst="curvedConnector3">
             <a:avLst>
@@ -23556,6 +23520,139 @@
           <a:prstGeom prst="curvedConnector3">
             <a:avLst>
               <a:gd name="adj1" fmla="val 39420"/>
+            </a:avLst>
+          </a:prstGeom>
+          <a:ln>
+            <a:tailEnd type="triangle"/>
+          </a:ln>
+        </p:spPr>
+        <p:style>
+          <a:lnRef idx="1">
+            <a:schemeClr val="accent1"/>
+          </a:lnRef>
+          <a:fillRef idx="0">
+            <a:schemeClr val="accent1"/>
+          </a:fillRef>
+          <a:effectRef idx="0">
+            <a:schemeClr val="accent1"/>
+          </a:effectRef>
+          <a:fontRef idx="minor">
+            <a:schemeClr val="tx1"/>
+          </a:fontRef>
+        </p:style>
+      </p:cxnSp>
+      <p:cxnSp>
+        <p:nvCxnSpPr>
+          <p:cNvPr id="176" name="Curved Connector 93">
+            <a:extLst>
+              <a:ext uri="{FF2B5EF4-FFF2-40B4-BE49-F238E27FC236}">
+                <a16:creationId xmlns:a16="http://schemas.microsoft.com/office/drawing/2014/main" id="{77980E59-4FF4-44B4-AB3A-30A4667CF8DC}"/>
+              </a:ext>
+            </a:extLst>
+          </p:cNvPr>
+          <p:cNvCxnSpPr>
+            <a:cxnSpLocks/>
+            <a:stCxn id="54" idx="3"/>
+            <a:endCxn id="83" idx="0"/>
+          </p:cNvCxnSpPr>
+          <p:nvPr/>
+        </p:nvCxnSpPr>
+        <p:spPr>
+          <a:xfrm>
+            <a:off x="10475590" y="2772013"/>
+            <a:ext cx="535540" cy="2015028"/>
+          </a:xfrm>
+          <a:prstGeom prst="curvedConnector2">
+            <a:avLst/>
+          </a:prstGeom>
+          <a:ln>
+            <a:tailEnd type="triangle"/>
+          </a:ln>
+        </p:spPr>
+        <p:style>
+          <a:lnRef idx="1">
+            <a:schemeClr val="accent1"/>
+          </a:lnRef>
+          <a:fillRef idx="0">
+            <a:schemeClr val="accent1"/>
+          </a:fillRef>
+          <a:effectRef idx="0">
+            <a:schemeClr val="accent1"/>
+          </a:effectRef>
+          <a:fontRef idx="minor">
+            <a:schemeClr val="tx1"/>
+          </a:fontRef>
+        </p:style>
+      </p:cxnSp>
+      <p:cxnSp>
+        <p:nvCxnSpPr>
+          <p:cNvPr id="177" name="Curved Connector 96">
+            <a:extLst>
+              <a:ext uri="{FF2B5EF4-FFF2-40B4-BE49-F238E27FC236}">
+                <a16:creationId xmlns:a16="http://schemas.microsoft.com/office/drawing/2014/main" id="{910EFAE1-265D-471D-8A81-9481293875B0}"/>
+              </a:ext>
+            </a:extLst>
+          </p:cNvPr>
+          <p:cNvCxnSpPr>
+            <a:cxnSpLocks/>
+            <a:stCxn id="56" idx="2"/>
+            <a:endCxn id="82" idx="0"/>
+          </p:cNvCxnSpPr>
+          <p:nvPr/>
+        </p:nvCxnSpPr>
+        <p:spPr>
+          <a:xfrm rot="16200000" flipH="1">
+            <a:off x="9496053" y="5190294"/>
+            <a:ext cx="171758" cy="849887"/>
+          </a:xfrm>
+          <a:prstGeom prst="curvedConnector3">
+            <a:avLst>
+              <a:gd name="adj1" fmla="val 50000"/>
+            </a:avLst>
+          </a:prstGeom>
+          <a:ln>
+            <a:tailEnd type="triangle"/>
+          </a:ln>
+        </p:spPr>
+        <p:style>
+          <a:lnRef idx="1">
+            <a:schemeClr val="accent1"/>
+          </a:lnRef>
+          <a:fillRef idx="0">
+            <a:schemeClr val="accent1"/>
+          </a:fillRef>
+          <a:effectRef idx="0">
+            <a:schemeClr val="accent1"/>
+          </a:effectRef>
+          <a:fontRef idx="minor">
+            <a:schemeClr val="tx1"/>
+          </a:fontRef>
+        </p:style>
+      </p:cxnSp>
+      <p:cxnSp>
+        <p:nvCxnSpPr>
+          <p:cNvPr id="239" name="Curved Connector 102">
+            <a:extLst>
+              <a:ext uri="{FF2B5EF4-FFF2-40B4-BE49-F238E27FC236}">
+                <a16:creationId xmlns:a16="http://schemas.microsoft.com/office/drawing/2014/main" id="{B6D5DC58-4B87-4B47-9E9B-C60022F0CBCC}"/>
+              </a:ext>
+            </a:extLst>
+          </p:cNvPr>
+          <p:cNvCxnSpPr>
+            <a:cxnSpLocks/>
+            <a:stCxn id="104" idx="3"/>
+            <a:endCxn id="85" idx="1"/>
+          </p:cNvCxnSpPr>
+          <p:nvPr/>
+        </p:nvCxnSpPr>
+        <p:spPr>
+          <a:xfrm flipV="1">
+            <a:off x="7147853" y="4180738"/>
+            <a:ext cx="2263625" cy="214805"/>
+          </a:xfrm>
+          <a:prstGeom prst="curvedConnector3">
+            <a:avLst>
+              <a:gd name="adj1" fmla="val 50000"/>
             </a:avLst>
           </a:prstGeom>
           <a:ln>

--- a/Sample Workflow Dependency-V3.pptx
+++ b/Sample Workflow Dependency-V3.pptx
@@ -7,8 +7,7 @@
   <p:sldIdLst>
     <p:sldId id="259" r:id="rId2"/>
     <p:sldId id="258" r:id="rId3"/>
-    <p:sldId id="260" r:id="rId4"/>
-    <p:sldId id="261" r:id="rId5"/>
+    <p:sldId id="261" r:id="rId4"/>
   </p:sldIdLst>
   <p:sldSz cx="18288000" cy="9144000"/>
   <p:notesSz cx="6858000" cy="9144000"/>
@@ -246,7 +245,7 @@
           <a:p>
             <a:fld id="{CB8393A8-4562-4F50-B742-6E29655ED728}" type="datetimeFigureOut">
               <a:rPr lang="en-US" smtClean="0"/>
-              <a:t>3/26/2021</a:t>
+              <a:t>3/30/2021</a:t>
             </a:fld>
             <a:endParaRPr lang="en-US"/>
           </a:p>
@@ -416,7 +415,7 @@
           <a:p>
             <a:fld id="{CB8393A8-4562-4F50-B742-6E29655ED728}" type="datetimeFigureOut">
               <a:rPr lang="en-US" smtClean="0"/>
-              <a:t>3/26/2021</a:t>
+              <a:t>3/30/2021</a:t>
             </a:fld>
             <a:endParaRPr lang="en-US"/>
           </a:p>
@@ -596,7 +595,7 @@
           <a:p>
             <a:fld id="{CB8393A8-4562-4F50-B742-6E29655ED728}" type="datetimeFigureOut">
               <a:rPr lang="en-US" smtClean="0"/>
-              <a:t>3/26/2021</a:t>
+              <a:t>3/30/2021</a:t>
             </a:fld>
             <a:endParaRPr lang="en-US"/>
           </a:p>
@@ -766,7 +765,7 @@
           <a:p>
             <a:fld id="{CB8393A8-4562-4F50-B742-6E29655ED728}" type="datetimeFigureOut">
               <a:rPr lang="en-US" smtClean="0"/>
-              <a:t>3/26/2021</a:t>
+              <a:t>3/30/2021</a:t>
             </a:fld>
             <a:endParaRPr lang="en-US"/>
           </a:p>
@@ -1012,7 +1011,7 @@
           <a:p>
             <a:fld id="{CB8393A8-4562-4F50-B742-6E29655ED728}" type="datetimeFigureOut">
               <a:rPr lang="en-US" smtClean="0"/>
-              <a:t>3/26/2021</a:t>
+              <a:t>3/30/2021</a:t>
             </a:fld>
             <a:endParaRPr lang="en-US"/>
           </a:p>
@@ -1244,7 +1243,7 @@
           <a:p>
             <a:fld id="{CB8393A8-4562-4F50-B742-6E29655ED728}" type="datetimeFigureOut">
               <a:rPr lang="en-US" smtClean="0"/>
-              <a:t>3/26/2021</a:t>
+              <a:t>3/30/2021</a:t>
             </a:fld>
             <a:endParaRPr lang="en-US"/>
           </a:p>
@@ -1611,7 +1610,7 @@
           <a:p>
             <a:fld id="{CB8393A8-4562-4F50-B742-6E29655ED728}" type="datetimeFigureOut">
               <a:rPr lang="en-US" smtClean="0"/>
-              <a:t>3/26/2021</a:t>
+              <a:t>3/30/2021</a:t>
             </a:fld>
             <a:endParaRPr lang="en-US"/>
           </a:p>
@@ -1729,7 +1728,7 @@
           <a:p>
             <a:fld id="{CB8393A8-4562-4F50-B742-6E29655ED728}" type="datetimeFigureOut">
               <a:rPr lang="en-US" smtClean="0"/>
-              <a:t>3/26/2021</a:t>
+              <a:t>3/30/2021</a:t>
             </a:fld>
             <a:endParaRPr lang="en-US"/>
           </a:p>
@@ -1824,7 +1823,7 @@
           <a:p>
             <a:fld id="{CB8393A8-4562-4F50-B742-6E29655ED728}" type="datetimeFigureOut">
               <a:rPr lang="en-US" smtClean="0"/>
-              <a:t>3/26/2021</a:t>
+              <a:t>3/30/2021</a:t>
             </a:fld>
             <a:endParaRPr lang="en-US"/>
           </a:p>
@@ -2101,7 +2100,7 @@
           <a:p>
             <a:fld id="{CB8393A8-4562-4F50-B742-6E29655ED728}" type="datetimeFigureOut">
               <a:rPr lang="en-US" smtClean="0"/>
-              <a:t>3/26/2021</a:t>
+              <a:t>3/30/2021</a:t>
             </a:fld>
             <a:endParaRPr lang="en-US"/>
           </a:p>
@@ -2358,7 +2357,7 @@
           <a:p>
             <a:fld id="{CB8393A8-4562-4F50-B742-6E29655ED728}" type="datetimeFigureOut">
               <a:rPr lang="en-US" smtClean="0"/>
-              <a:t>3/26/2021</a:t>
+              <a:t>3/30/2021</a:t>
             </a:fld>
             <a:endParaRPr lang="en-US"/>
           </a:p>
@@ -2571,7 +2570,7 @@
           <a:p>
             <a:fld id="{CB8393A8-4562-4F50-B742-6E29655ED728}" type="datetimeFigureOut">
               <a:rPr lang="en-US" smtClean="0"/>
-              <a:t>3/26/2021</a:t>
+              <a:t>3/30/2021</a:t>
             </a:fld>
             <a:endParaRPr lang="en-US"/>
           </a:p>
@@ -9675,7 +9674,7 @@
         </p:nvSpPr>
         <p:spPr>
           <a:xfrm>
-            <a:off x="9462211" y="452503"/>
+            <a:off x="9419167" y="441213"/>
             <a:ext cx="1389260" cy="361051"/>
           </a:xfrm>
           <a:prstGeom prst="roundRect">
@@ -9842,9 +9841,9 @@
         <p:grpSpPr>
           <a:xfrm>
             <a:off x="7409254" y="1568654"/>
-            <a:ext cx="3574969" cy="4361006"/>
+            <a:ext cx="4329265" cy="4640920"/>
             <a:chOff x="7441990" y="1738860"/>
-            <a:chExt cx="3574969" cy="4361006"/>
+            <a:chExt cx="4329265" cy="4640920"/>
           </a:xfrm>
         </p:grpSpPr>
         <p:sp>
@@ -9856,7 +9855,7 @@
           <p:spPr>
             <a:xfrm>
               <a:off x="7441990" y="1738860"/>
-              <a:ext cx="3574969" cy="4361006"/>
+              <a:ext cx="4329265" cy="4640920"/>
             </a:xfrm>
             <a:prstGeom prst="roundRect">
               <a:avLst>
@@ -9902,7 +9901,7 @@
           </p:nvSpPr>
           <p:spPr>
             <a:xfrm>
-              <a:off x="7595526" y="4441678"/>
+              <a:off x="7725953" y="4716989"/>
               <a:ext cx="1389260" cy="361051"/>
             </a:xfrm>
             <a:prstGeom prst="roundRect">
@@ -9963,8 +9962,8 @@
           </p:nvCxnSpPr>
           <p:spPr>
             <a:xfrm rot="5400000">
-              <a:off x="8202169" y="4349140"/>
-              <a:ext cx="180526" cy="4551"/>
+              <a:off x="8330657" y="3928579"/>
+              <a:ext cx="878336" cy="698484"/>
             </a:xfrm>
             <a:prstGeom prst="curvedConnector3">
               <a:avLst>
@@ -9998,7 +9997,7 @@
           </p:nvSpPr>
           <p:spPr>
             <a:xfrm>
-              <a:off x="7603680" y="3327302"/>
+              <a:off x="9119066" y="2761693"/>
               <a:ext cx="1389260" cy="361051"/>
             </a:xfrm>
             <a:prstGeom prst="roundRect">
@@ -10051,8 +10050,8 @@
           </p:nvSpPr>
           <p:spPr>
             <a:xfrm>
-              <a:off x="9459592" y="3307694"/>
-              <a:ext cx="1389260" cy="361051"/>
+              <a:off x="8495095" y="5343632"/>
+              <a:ext cx="1389260" cy="355933"/>
             </a:xfrm>
             <a:prstGeom prst="roundRect">
               <a:avLst/>
@@ -10167,7 +10166,7 @@
           </p:nvSpPr>
           <p:spPr>
             <a:xfrm>
-              <a:off x="7600077" y="3900101"/>
+              <a:off x="8424437" y="3477602"/>
               <a:ext cx="1389260" cy="361051"/>
             </a:xfrm>
             <a:prstGeom prst="roundRect">
@@ -10223,8 +10222,8 @@
           </p:nvCxnSpPr>
           <p:spPr>
             <a:xfrm rot="5400000">
-              <a:off x="8785472" y="1958551"/>
-              <a:ext cx="881589" cy="1855912"/>
+              <a:off x="9825969" y="2433440"/>
+              <a:ext cx="315980" cy="340526"/>
             </a:xfrm>
             <a:prstGeom prst="curvedConnector3">
               <a:avLst/>
@@ -10259,8 +10258,8 @@
           </p:nvCxnSpPr>
           <p:spPr>
             <a:xfrm rot="5400000">
-              <a:off x="8190635" y="3792426"/>
-              <a:ext cx="211748" cy="3603"/>
+              <a:off x="9288953" y="2952859"/>
+              <a:ext cx="354858" cy="694629"/>
             </a:xfrm>
             <a:prstGeom prst="curvedConnector3">
               <a:avLst>
@@ -10288,55 +10287,18 @@
         </p:cxnSp>
         <p:cxnSp>
           <p:nvCxnSpPr>
-            <p:cNvPr id="79" name="Curved Connector 78"/>
+            <p:cNvPr id="80" name="Curved Connector 79"/>
             <p:cNvCxnSpPr>
-              <a:stCxn id="57" idx="2"/>
+              <a:cxnSpLocks/>
+              <a:stCxn id="59" idx="2"/>
               <a:endCxn id="56" idx="0"/>
             </p:cNvCxnSpPr>
             <p:nvPr/>
           </p:nvCxnSpPr>
           <p:spPr>
-            <a:xfrm rot="5400000">
-              <a:off x="9723232" y="2876703"/>
-              <a:ext cx="861981" cy="12700"/>
-            </a:xfrm>
-            <a:prstGeom prst="curvedConnector3">
-              <a:avLst>
-                <a:gd name="adj1" fmla="val 50000"/>
-              </a:avLst>
-            </a:prstGeom>
-            <a:ln>
-              <a:tailEnd type="triangle"/>
-            </a:ln>
-          </p:spPr>
-          <p:style>
-            <a:lnRef idx="1">
-              <a:schemeClr val="accent1"/>
-            </a:lnRef>
-            <a:fillRef idx="0">
-              <a:schemeClr val="accent1"/>
-            </a:fillRef>
-            <a:effectRef idx="0">
-              <a:schemeClr val="accent1"/>
-            </a:effectRef>
-            <a:fontRef idx="minor">
-              <a:schemeClr val="tx1"/>
-            </a:fontRef>
-          </p:style>
-        </p:cxnSp>
-        <p:cxnSp>
-          <p:nvCxnSpPr>
-            <p:cNvPr id="80" name="Curved Connector 79"/>
-            <p:cNvCxnSpPr>
-              <a:stCxn id="59" idx="3"/>
-              <a:endCxn id="56" idx="1"/>
-            </p:cNvCxnSpPr>
-            <p:nvPr/>
-          </p:nvCxnSpPr>
-          <p:spPr>
-            <a:xfrm flipV="1">
-              <a:off x="8989337" y="3488220"/>
-              <a:ext cx="470255" cy="592407"/>
+            <a:xfrm rot="16200000" flipH="1">
+              <a:off x="8401907" y="4555813"/>
+              <a:ext cx="1504979" cy="70658"/>
             </a:xfrm>
             <a:prstGeom prst="curvedConnector3">
               <a:avLst>
@@ -10370,7 +10332,7 @@
           </p:nvSpPr>
           <p:spPr>
             <a:xfrm>
-              <a:off x="9459592" y="5630649"/>
+              <a:off x="9344982" y="5871323"/>
               <a:ext cx="1389260" cy="361051"/>
             </a:xfrm>
             <a:prstGeom prst="roundRect">
@@ -10428,7 +10390,7 @@
           </p:nvSpPr>
           <p:spPr>
             <a:xfrm>
-              <a:off x="8644811" y="4958022"/>
+              <a:off x="10349236" y="4957247"/>
               <a:ext cx="1389260" cy="361051"/>
             </a:xfrm>
             <a:prstGeom prst="roundRect">
@@ -10486,7 +10448,7 @@
           </p:nvSpPr>
           <p:spPr>
             <a:xfrm>
-              <a:off x="9465943" y="3991249"/>
+              <a:off x="9444214" y="4170418"/>
               <a:ext cx="1389260" cy="361051"/>
             </a:xfrm>
             <a:prstGeom prst="roundRect">
@@ -10540,15 +10502,16 @@
           <p:nvCxnSpPr>
             <p:cNvPr id="94" name="Curved Connector 93"/>
             <p:cNvCxnSpPr>
-              <a:stCxn id="56" idx="2"/>
+              <a:cxnSpLocks/>
+              <a:stCxn id="54" idx="2"/>
               <a:endCxn id="85" idx="0"/>
             </p:cNvCxnSpPr>
             <p:nvPr/>
           </p:nvCxnSpPr>
           <p:spPr>
             <a:xfrm rot="16200000" flipH="1">
-              <a:off x="9996145" y="3826821"/>
-              <a:ext cx="322504" cy="6351"/>
+              <a:off x="9452433" y="3484007"/>
+              <a:ext cx="1047674" cy="325148"/>
             </a:xfrm>
             <a:prstGeom prst="curvedConnector3">
               <a:avLst/>
@@ -10582,9 +10545,9 @@
             <p:nvPr/>
           </p:nvCxnSpPr>
           <p:spPr>
-            <a:xfrm rot="16200000" flipH="1">
-              <a:off x="9591043" y="5067470"/>
-              <a:ext cx="311576" cy="814781"/>
+            <a:xfrm rot="5400000">
+              <a:off x="10265227" y="5092683"/>
+              <a:ext cx="553025" cy="1004254"/>
             </a:xfrm>
             <a:prstGeom prst="curvedConnector3">
               <a:avLst>
@@ -10621,8 +10584,8 @@
           </p:nvCxnSpPr>
           <p:spPr>
             <a:xfrm rot="5400000">
-              <a:off x="9518224" y="4988299"/>
-              <a:ext cx="1278349" cy="6351"/>
+              <a:off x="9419301" y="5151780"/>
+              <a:ext cx="1339854" cy="99232"/>
             </a:xfrm>
             <a:prstGeom prst="curvedConnector3">
               <a:avLst>
@@ -12396,7 +12359,7 @@
         </p:nvSpPr>
         <p:spPr>
           <a:xfrm>
-            <a:off x="6996211" y="1066759"/>
+            <a:off x="5325288" y="1126381"/>
             <a:ext cx="1529299" cy="361051"/>
           </a:xfrm>
           <a:prstGeom prst="roundRect">
@@ -12520,8 +12483,8 @@
         </p:nvCxnSpPr>
         <p:spPr>
           <a:xfrm rot="16200000" flipH="1">
-            <a:off x="6296373" y="-397730"/>
-            <a:ext cx="309697" cy="2619279"/>
+            <a:off x="5431101" y="467543"/>
+            <a:ext cx="369319" cy="948356"/>
           </a:xfrm>
           <a:prstGeom prst="curvedConnector3">
             <a:avLst>
@@ -12623,7 +12586,7 @@
         </p:nvSpPr>
         <p:spPr>
           <a:xfrm>
-            <a:off x="7508959" y="1784903"/>
+            <a:off x="5848539" y="1882393"/>
             <a:ext cx="1389260" cy="361051"/>
           </a:xfrm>
           <a:prstGeom prst="roundRect">
@@ -12680,18 +12643,19 @@
           <p:cNvPr id="448" name="Curved Connector 447"/>
           <p:cNvCxnSpPr>
             <a:stCxn id="172" idx="2"/>
-            <a:endCxn id="174" idx="0"/>
+            <a:endCxn id="174" idx="1"/>
           </p:cNvCxnSpPr>
           <p:nvPr/>
         </p:nvCxnSpPr>
         <p:spPr>
-          <a:xfrm rot="16200000" flipH="1">
-            <a:off x="7803679" y="1384992"/>
-            <a:ext cx="357093" cy="442728"/>
-          </a:xfrm>
-          <a:prstGeom prst="curvedConnector3">
+          <a:xfrm rot="5400000">
+            <a:off x="5681496" y="1654476"/>
+            <a:ext cx="575487" cy="241399"/>
+          </a:xfrm>
+          <a:prstGeom prst="curvedConnector4">
             <a:avLst>
-              <a:gd name="adj1" fmla="val 50000"/>
+              <a:gd name="adj1" fmla="val 34315"/>
+              <a:gd name="adj2" fmla="val 194698"/>
             </a:avLst>
           </a:prstGeom>
           <a:ln>
@@ -14616,7025 +14580,6 @@
         </p:nvCxnSpPr>
         <p:spPr>
           <a:xfrm flipV="1">
-            <a:off x="7149887" y="3337622"/>
-            <a:ext cx="421057" cy="312341"/>
-          </a:xfrm>
-          <a:prstGeom prst="curvedConnector3">
-            <a:avLst/>
-          </a:prstGeom>
-          <a:ln>
-            <a:tailEnd type="triangle"/>
-          </a:ln>
-        </p:spPr>
-        <p:style>
-          <a:lnRef idx="1">
-            <a:schemeClr val="accent1"/>
-          </a:lnRef>
-          <a:fillRef idx="0">
-            <a:schemeClr val="accent1"/>
-          </a:fillRef>
-          <a:effectRef idx="0">
-            <a:schemeClr val="accent1"/>
-          </a:effectRef>
-          <a:fontRef idx="minor">
-            <a:schemeClr val="tx1"/>
-          </a:fontRef>
-        </p:style>
-      </p:cxnSp>
-      <p:cxnSp>
-        <p:nvCxnSpPr>
-          <p:cNvPr id="231" name="Curved Connector 230"/>
-          <p:cNvCxnSpPr>
-            <a:stCxn id="578" idx="3"/>
-            <a:endCxn id="82" idx="1"/>
-          </p:cNvCxnSpPr>
-          <p:nvPr/>
-        </p:nvCxnSpPr>
-        <p:spPr>
-          <a:xfrm flipV="1">
-            <a:off x="7147853" y="5640969"/>
-            <a:ext cx="2279003" cy="9993"/>
-          </a:xfrm>
-          <a:prstGeom prst="curvedConnector3">
-            <a:avLst>
-              <a:gd name="adj1" fmla="val 50000"/>
-            </a:avLst>
-          </a:prstGeom>
-          <a:ln>
-            <a:tailEnd type="triangle"/>
-          </a:ln>
-        </p:spPr>
-        <p:style>
-          <a:lnRef idx="1">
-            <a:schemeClr val="accent1"/>
-          </a:lnRef>
-          <a:fillRef idx="0">
-            <a:schemeClr val="accent1"/>
-          </a:fillRef>
-          <a:effectRef idx="0">
-            <a:schemeClr val="accent1"/>
-          </a:effectRef>
-          <a:fontRef idx="minor">
-            <a:schemeClr val="tx1"/>
-          </a:fontRef>
-        </p:style>
-      </p:cxnSp>
-      <p:cxnSp>
-        <p:nvCxnSpPr>
-          <p:cNvPr id="365" name="Curved Connector 364"/>
-          <p:cNvCxnSpPr>
-            <a:stCxn id="1013" idx="3"/>
-            <a:endCxn id="167" idx="1"/>
-          </p:cNvCxnSpPr>
-          <p:nvPr/>
-        </p:nvCxnSpPr>
-        <p:spPr>
-          <a:xfrm flipV="1">
-            <a:off x="12635469" y="5442098"/>
-            <a:ext cx="717760" cy="2935414"/>
-          </a:xfrm>
-          <a:prstGeom prst="curvedConnector3">
-            <a:avLst/>
-          </a:prstGeom>
-          <a:ln>
-            <a:tailEnd type="triangle"/>
-          </a:ln>
-        </p:spPr>
-        <p:style>
-          <a:lnRef idx="1">
-            <a:schemeClr val="accent1"/>
-          </a:lnRef>
-          <a:fillRef idx="0">
-            <a:schemeClr val="accent1"/>
-          </a:fillRef>
-          <a:effectRef idx="0">
-            <a:schemeClr val="accent1"/>
-          </a:effectRef>
-          <a:fontRef idx="minor">
-            <a:schemeClr val="tx1"/>
-          </a:fontRef>
-        </p:style>
-      </p:cxnSp>
-      <p:sp>
-        <p:nvSpPr>
-          <p:cNvPr id="577" name="Rounded Rectangle 576"/>
-          <p:cNvSpPr/>
-          <p:nvPr/>
-        </p:nvSpPr>
-        <p:spPr>
-          <a:xfrm>
-            <a:off x="5779690" y="4795431"/>
-            <a:ext cx="1389260" cy="361051"/>
-          </a:xfrm>
-          <a:prstGeom prst="roundRect">
-            <a:avLst/>
-          </a:prstGeom>
-          <a:solidFill>
-            <a:schemeClr val="accent6">
-              <a:lumMod val="20000"/>
-              <a:lumOff val="80000"/>
-            </a:schemeClr>
-          </a:solidFill>
-        </p:spPr>
-        <p:style>
-          <a:lnRef idx="2">
-            <a:schemeClr val="accent1">
-              <a:shade val="50000"/>
-            </a:schemeClr>
-          </a:lnRef>
-          <a:fillRef idx="1">
-            <a:schemeClr val="accent1"/>
-          </a:fillRef>
-          <a:effectRef idx="0">
-            <a:schemeClr val="accent1"/>
-          </a:effectRef>
-          <a:fontRef idx="minor">
-            <a:schemeClr val="lt1"/>
-          </a:fontRef>
-        </p:style>
-        <p:txBody>
-          <a:bodyPr rtlCol="0" anchor="ctr"/>
-          <a:lstStyle/>
-          <a:p>
-            <a:pPr algn="ctr"/>
-            <a:r>
-              <a:rPr lang="en-US" sz="1200" dirty="0">
-                <a:solidFill>
-                  <a:schemeClr val="tx1"/>
-                </a:solidFill>
-              </a:rPr>
-              <a:t>Segmentations</a:t>
-            </a:r>
-          </a:p>
-        </p:txBody>
-      </p:sp>
-      <p:cxnSp>
-        <p:nvCxnSpPr>
-          <p:cNvPr id="368" name="Curved Connector 367"/>
-          <p:cNvCxnSpPr>
-            <a:stCxn id="278" idx="3"/>
-            <a:endCxn id="577" idx="1"/>
-          </p:cNvCxnSpPr>
-          <p:nvPr/>
-        </p:nvCxnSpPr>
-        <p:spPr>
-          <a:xfrm flipV="1">
-            <a:off x="4194734" y="4975957"/>
-            <a:ext cx="1584956" cy="2575982"/>
-          </a:xfrm>
-          <a:prstGeom prst="curvedConnector3">
-            <a:avLst/>
-          </a:prstGeom>
-          <a:ln>
-            <a:tailEnd type="triangle"/>
-          </a:ln>
-        </p:spPr>
-        <p:style>
-          <a:lnRef idx="1">
-            <a:schemeClr val="accent1"/>
-          </a:lnRef>
-          <a:fillRef idx="0">
-            <a:schemeClr val="accent1"/>
-          </a:fillRef>
-          <a:effectRef idx="0">
-            <a:schemeClr val="accent1"/>
-          </a:effectRef>
-          <a:fontRef idx="minor">
-            <a:schemeClr val="tx1"/>
-          </a:fontRef>
-        </p:style>
-      </p:cxnSp>
-      <p:sp>
-        <p:nvSpPr>
-          <p:cNvPr id="578" name="Rounded Rectangle 577"/>
-          <p:cNvSpPr/>
-          <p:nvPr/>
-        </p:nvSpPr>
-        <p:spPr>
-          <a:xfrm>
-            <a:off x="5758593" y="5470436"/>
-            <a:ext cx="1389260" cy="361051"/>
-          </a:xfrm>
-          <a:prstGeom prst="roundRect">
-            <a:avLst/>
-          </a:prstGeom>
-          <a:solidFill>
-            <a:schemeClr val="accent6">
-              <a:lumMod val="20000"/>
-              <a:lumOff val="80000"/>
-            </a:schemeClr>
-          </a:solidFill>
-        </p:spPr>
-        <p:style>
-          <a:lnRef idx="2">
-            <a:schemeClr val="accent1">
-              <a:shade val="50000"/>
-            </a:schemeClr>
-          </a:lnRef>
-          <a:fillRef idx="1">
-            <a:schemeClr val="accent1"/>
-          </a:fillRef>
-          <a:effectRef idx="0">
-            <a:schemeClr val="accent1"/>
-          </a:effectRef>
-          <a:fontRef idx="minor">
-            <a:schemeClr val="lt1"/>
-          </a:fontRef>
-        </p:style>
-        <p:txBody>
-          <a:bodyPr rtlCol="0" anchor="ctr"/>
-          <a:lstStyle/>
-          <a:p>
-            <a:pPr algn="ctr"/>
-            <a:r>
-              <a:rPr lang="en-US" sz="1200" dirty="0">
-                <a:solidFill>
-                  <a:schemeClr val="tx1"/>
-                </a:solidFill>
-              </a:rPr>
-              <a:t>Object catalogs</a:t>
-            </a:r>
-          </a:p>
-        </p:txBody>
-      </p:sp>
-      <p:cxnSp>
-        <p:nvCxnSpPr>
-          <p:cNvPr id="598" name="Curved Connector 597"/>
-          <p:cNvCxnSpPr>
-            <a:stCxn id="278" idx="3"/>
-            <a:endCxn id="578" idx="1"/>
-          </p:cNvCxnSpPr>
-          <p:nvPr/>
-        </p:nvCxnSpPr>
-        <p:spPr>
-          <a:xfrm flipV="1">
-            <a:off x="4194734" y="5650962"/>
-            <a:ext cx="1563859" cy="1900977"/>
-          </a:xfrm>
-          <a:prstGeom prst="curvedConnector3">
-            <a:avLst>
-              <a:gd name="adj1" fmla="val 60024"/>
-            </a:avLst>
-          </a:prstGeom>
-          <a:ln>
-            <a:tailEnd type="triangle"/>
-          </a:ln>
-        </p:spPr>
-        <p:style>
-          <a:lnRef idx="1">
-            <a:schemeClr val="accent1"/>
-          </a:lnRef>
-          <a:fillRef idx="0">
-            <a:schemeClr val="accent1"/>
-          </a:fillRef>
-          <a:effectRef idx="0">
-            <a:schemeClr val="accent1"/>
-          </a:effectRef>
-          <a:fontRef idx="minor">
-            <a:schemeClr val="tx1"/>
-          </a:fontRef>
-        </p:style>
-      </p:cxnSp>
-      <p:cxnSp>
-        <p:nvCxnSpPr>
-          <p:cNvPr id="739" name="Curved Connector 738"/>
-          <p:cNvCxnSpPr>
-            <a:stCxn id="50" idx="2"/>
-            <a:endCxn id="238" idx="3"/>
-          </p:cNvCxnSpPr>
-          <p:nvPr/>
-        </p:nvCxnSpPr>
-        <p:spPr>
-          <a:xfrm rot="5400000">
-            <a:off x="2197664" y="2721316"/>
-            <a:ext cx="4908173" cy="979665"/>
-          </a:xfrm>
-          <a:prstGeom prst="curvedConnector2">
-            <a:avLst/>
-          </a:prstGeom>
-          <a:ln>
-            <a:tailEnd type="triangle"/>
-          </a:ln>
-        </p:spPr>
-        <p:style>
-          <a:lnRef idx="1">
-            <a:schemeClr val="accent1"/>
-          </a:lnRef>
-          <a:fillRef idx="0">
-            <a:schemeClr val="accent1"/>
-          </a:fillRef>
-          <a:effectRef idx="0">
-            <a:schemeClr val="accent1"/>
-          </a:effectRef>
-          <a:fontRef idx="minor">
-            <a:schemeClr val="tx1"/>
-          </a:fontRef>
-        </p:style>
-      </p:cxnSp>
-      <p:sp>
-        <p:nvSpPr>
-          <p:cNvPr id="1013" name="Rounded Rectangle 1012"/>
-          <p:cNvSpPr/>
-          <p:nvPr/>
-        </p:nvSpPr>
-        <p:spPr>
-          <a:xfrm>
-            <a:off x="11246209" y="8196986"/>
-            <a:ext cx="1389260" cy="361051"/>
-          </a:xfrm>
-          <a:prstGeom prst="roundRect">
-            <a:avLst/>
-          </a:prstGeom>
-          <a:solidFill>
-            <a:schemeClr val="accent6">
-              <a:lumMod val="20000"/>
-              <a:lumOff val="80000"/>
-            </a:schemeClr>
-          </a:solidFill>
-        </p:spPr>
-        <p:style>
-          <a:lnRef idx="2">
-            <a:schemeClr val="accent1">
-              <a:shade val="50000"/>
-            </a:schemeClr>
-          </a:lnRef>
-          <a:fillRef idx="1">
-            <a:schemeClr val="accent1"/>
-          </a:fillRef>
-          <a:effectRef idx="0">
-            <a:schemeClr val="accent1"/>
-          </a:effectRef>
-          <a:fontRef idx="minor">
-            <a:schemeClr val="lt1"/>
-          </a:fontRef>
-        </p:style>
-        <p:txBody>
-          <a:bodyPr rtlCol="0" anchor="ctr"/>
-          <a:lstStyle/>
-          <a:p>
-            <a:pPr algn="ctr"/>
-            <a:r>
-              <a:rPr lang="en-US" sz="1200" dirty="0" err="1">
-                <a:solidFill>
-                  <a:schemeClr val="tx1"/>
-                </a:solidFill>
-              </a:rPr>
-              <a:t>SampleDB</a:t>
-            </a:r>
-            <a:r>
-              <a:rPr lang="en-US" sz="1200" dirty="0">
-                <a:solidFill>
-                  <a:schemeClr val="tx1"/>
-                </a:solidFill>
-              </a:rPr>
-              <a:t>(n)</a:t>
-            </a:r>
-          </a:p>
-        </p:txBody>
-      </p:sp>
-      <p:grpSp>
-        <p:nvGrpSpPr>
-          <p:cNvPr id="1166" name="Group 1165"/>
-          <p:cNvGrpSpPr/>
-          <p:nvPr/>
-        </p:nvGrpSpPr>
-        <p:grpSpPr>
-          <a:xfrm>
-            <a:off x="7712280" y="6211348"/>
-            <a:ext cx="3260492" cy="1735859"/>
-            <a:chOff x="8393988" y="6143883"/>
-            <a:chExt cx="3260492" cy="1735859"/>
-          </a:xfrm>
-        </p:grpSpPr>
-        <p:sp>
-          <p:nvSpPr>
-            <p:cNvPr id="1040" name="Rounded Rectangle 1039"/>
-            <p:cNvSpPr/>
-            <p:nvPr/>
-          </p:nvSpPr>
-          <p:spPr>
-            <a:xfrm>
-              <a:off x="8393988" y="6143883"/>
-              <a:ext cx="3260492" cy="1735859"/>
-            </a:xfrm>
-            <a:prstGeom prst="roundRect">
-              <a:avLst>
-                <a:gd name="adj" fmla="val 5054"/>
-              </a:avLst>
-            </a:prstGeom>
-            <a:solidFill>
-              <a:schemeClr val="bg1">
-                <a:lumMod val="85000"/>
-              </a:schemeClr>
-            </a:solidFill>
-          </p:spPr>
-          <p:style>
-            <a:lnRef idx="2">
-              <a:schemeClr val="accent1">
-                <a:shade val="50000"/>
-              </a:schemeClr>
-            </a:lnRef>
-            <a:fillRef idx="1">
-              <a:schemeClr val="accent1"/>
-            </a:fillRef>
-            <a:effectRef idx="0">
-              <a:schemeClr val="accent1"/>
-            </a:effectRef>
-            <a:fontRef idx="minor">
-              <a:schemeClr val="lt1"/>
-            </a:fontRef>
-          </p:style>
-          <p:txBody>
-            <a:bodyPr rtlCol="0" anchor="ctr"/>
-            <a:lstStyle/>
-            <a:p>
-              <a:pPr algn="ctr"/>
-              <a:endParaRPr lang="en-US"/>
-            </a:p>
-          </p:txBody>
-        </p:sp>
-        <p:sp>
-          <p:nvSpPr>
-            <p:cNvPr id="68" name="Rounded Rectangle 67"/>
-            <p:cNvSpPr/>
-            <p:nvPr/>
-          </p:nvSpPr>
-          <p:spPr>
-            <a:xfrm>
-              <a:off x="8570904" y="6253527"/>
-              <a:ext cx="1389260" cy="361051"/>
-            </a:xfrm>
-            <a:prstGeom prst="roundRect">
-              <a:avLst/>
-            </a:prstGeom>
-            <a:solidFill>
-              <a:schemeClr val="accent1">
-                <a:lumMod val="20000"/>
-                <a:lumOff val="80000"/>
-              </a:schemeClr>
-            </a:solidFill>
-          </p:spPr>
-          <p:style>
-            <a:lnRef idx="2">
-              <a:schemeClr val="accent1">
-                <a:shade val="50000"/>
-              </a:schemeClr>
-            </a:lnRef>
-            <a:fillRef idx="1">
-              <a:schemeClr val="accent1"/>
-            </a:fillRef>
-            <a:effectRef idx="0">
-              <a:schemeClr val="accent1"/>
-            </a:effectRef>
-            <a:fontRef idx="minor">
-              <a:schemeClr val="lt1"/>
-            </a:fontRef>
-          </p:style>
-          <p:txBody>
-            <a:bodyPr rtlCol="0" anchor="ctr"/>
-            <a:lstStyle/>
-            <a:p>
-              <a:pPr algn="ctr"/>
-              <a:r>
-                <a:rPr lang="en-US" sz="1200" dirty="0" err="1">
-                  <a:solidFill>
-                    <a:schemeClr val="tx1"/>
-                  </a:solidFill>
-                </a:rPr>
-                <a:t>loadzoom</a:t>
-              </a:r>
-              <a:endParaRPr lang="en-US" sz="1200" dirty="0">
-                <a:solidFill>
-                  <a:schemeClr val="tx1"/>
-                </a:solidFill>
-              </a:endParaRPr>
-            </a:p>
-          </p:txBody>
-        </p:sp>
-        <p:cxnSp>
-          <p:nvCxnSpPr>
-            <p:cNvPr id="71" name="Curved Connector 70"/>
-            <p:cNvCxnSpPr>
-              <a:stCxn id="68" idx="2"/>
-              <a:endCxn id="99" idx="1"/>
-            </p:cNvCxnSpPr>
-            <p:nvPr/>
-          </p:nvCxnSpPr>
-          <p:spPr>
-            <a:xfrm rot="16200000" flipH="1">
-              <a:off x="9468911" y="6411200"/>
-              <a:ext cx="399658" cy="806413"/>
-            </a:xfrm>
-            <a:prstGeom prst="curvedConnector2">
-              <a:avLst/>
-            </a:prstGeom>
-            <a:ln>
-              <a:tailEnd type="triangle"/>
-            </a:ln>
-          </p:spPr>
-          <p:style>
-            <a:lnRef idx="1">
-              <a:schemeClr val="accent1"/>
-            </a:lnRef>
-            <a:fillRef idx="0">
-              <a:schemeClr val="accent1"/>
-            </a:fillRef>
-            <a:effectRef idx="0">
-              <a:schemeClr val="accent1"/>
-            </a:effectRef>
-            <a:fontRef idx="minor">
-              <a:schemeClr val="tx1"/>
-            </a:fontRef>
-          </p:style>
-        </p:cxnSp>
-        <p:sp>
-          <p:nvSpPr>
-            <p:cNvPr id="81" name="Rounded Rectangle 80"/>
-            <p:cNvSpPr/>
-            <p:nvPr/>
-          </p:nvSpPr>
-          <p:spPr>
-            <a:xfrm>
-              <a:off x="10093186" y="6253527"/>
-              <a:ext cx="1389260" cy="361051"/>
-            </a:xfrm>
-            <a:prstGeom prst="roundRect">
-              <a:avLst/>
-            </a:prstGeom>
-            <a:solidFill>
-              <a:schemeClr val="accent1">
-                <a:lumMod val="20000"/>
-                <a:lumOff val="80000"/>
-              </a:schemeClr>
-            </a:solidFill>
-          </p:spPr>
-          <p:style>
-            <a:lnRef idx="2">
-              <a:schemeClr val="accent1">
-                <a:shade val="50000"/>
-              </a:schemeClr>
-            </a:lnRef>
-            <a:fillRef idx="1">
-              <a:schemeClr val="accent1"/>
-            </a:fillRef>
-            <a:effectRef idx="0">
-              <a:schemeClr val="accent1"/>
-            </a:effectRef>
-            <a:fontRef idx="minor">
-              <a:schemeClr val="lt1"/>
-            </a:fontRef>
-          </p:style>
-          <p:txBody>
-            <a:bodyPr rtlCol="0" anchor="ctr"/>
-            <a:lstStyle/>
-            <a:p>
-              <a:pPr algn="ctr"/>
-              <a:r>
-                <a:rPr lang="en-US" sz="1200" dirty="0" err="1">
-                  <a:solidFill>
-                    <a:schemeClr val="tx1"/>
-                  </a:solidFill>
-                </a:rPr>
-                <a:t>dbload</a:t>
-              </a:r>
-              <a:endParaRPr lang="en-US" sz="1200" dirty="0">
-                <a:solidFill>
-                  <a:schemeClr val="tx1"/>
-                </a:solidFill>
-              </a:endParaRPr>
-            </a:p>
-          </p:txBody>
-        </p:sp>
-        <p:sp>
-          <p:nvSpPr>
-            <p:cNvPr id="99" name="Rounded Rectangle 98"/>
-            <p:cNvSpPr/>
-            <p:nvPr/>
-          </p:nvSpPr>
-          <p:spPr>
-            <a:xfrm>
-              <a:off x="10071947" y="6833710"/>
-              <a:ext cx="1389260" cy="361051"/>
-            </a:xfrm>
-            <a:prstGeom prst="roundRect">
-              <a:avLst/>
-            </a:prstGeom>
-            <a:solidFill>
-              <a:schemeClr val="accent6">
-                <a:lumMod val="20000"/>
-                <a:lumOff val="80000"/>
-              </a:schemeClr>
-            </a:solidFill>
-          </p:spPr>
-          <p:style>
-            <a:lnRef idx="2">
-              <a:schemeClr val="accent1">
-                <a:shade val="50000"/>
-              </a:schemeClr>
-            </a:lnRef>
-            <a:fillRef idx="1">
-              <a:schemeClr val="accent1"/>
-            </a:fillRef>
-            <a:effectRef idx="0">
-              <a:schemeClr val="accent1"/>
-            </a:effectRef>
-            <a:fontRef idx="minor">
-              <a:schemeClr val="lt1"/>
-            </a:fontRef>
-          </p:style>
-          <p:txBody>
-            <a:bodyPr rtlCol="0" anchor="ctr"/>
-            <a:lstStyle/>
-            <a:p>
-              <a:pPr algn="ctr"/>
-              <a:r>
-                <a:rPr lang="en-US" sz="1200" dirty="0" err="1">
-                  <a:solidFill>
-                    <a:schemeClr val="tx1"/>
-                  </a:solidFill>
-                </a:rPr>
-                <a:t>SampleDB</a:t>
-              </a:r>
-              <a:endParaRPr lang="en-US" sz="1200" dirty="0">
-                <a:solidFill>
-                  <a:schemeClr val="tx1"/>
-                </a:solidFill>
-              </a:endParaRPr>
-            </a:p>
-          </p:txBody>
-        </p:sp>
-        <p:cxnSp>
-          <p:nvCxnSpPr>
-            <p:cNvPr id="100" name="Curved Connector 99"/>
-            <p:cNvCxnSpPr>
-              <a:stCxn id="81" idx="2"/>
-              <a:endCxn id="99" idx="0"/>
-            </p:cNvCxnSpPr>
-            <p:nvPr/>
-          </p:nvCxnSpPr>
-          <p:spPr>
-            <a:xfrm rot="5400000">
-              <a:off x="10667631" y="6713525"/>
-              <a:ext cx="219132" cy="21239"/>
-            </a:xfrm>
-            <a:prstGeom prst="curvedConnector3">
-              <a:avLst>
-                <a:gd name="adj1" fmla="val 50000"/>
-              </a:avLst>
-            </a:prstGeom>
-            <a:ln>
-              <a:tailEnd type="triangle"/>
-            </a:ln>
-          </p:spPr>
-          <p:style>
-            <a:lnRef idx="1">
-              <a:schemeClr val="accent1"/>
-            </a:lnRef>
-            <a:fillRef idx="0">
-              <a:schemeClr val="accent1"/>
-            </a:fillRef>
-            <a:effectRef idx="0">
-              <a:schemeClr val="accent1"/>
-            </a:effectRef>
-            <a:fontRef idx="minor">
-              <a:schemeClr val="tx1"/>
-            </a:fontRef>
-          </p:style>
-        </p:cxnSp>
-        <p:sp>
-          <p:nvSpPr>
-            <p:cNvPr id="1017" name="Rounded Rectangle 1016"/>
-            <p:cNvSpPr/>
-            <p:nvPr/>
-          </p:nvSpPr>
-          <p:spPr>
-            <a:xfrm>
-              <a:off x="10064270" y="7397088"/>
-              <a:ext cx="1389260" cy="361051"/>
-            </a:xfrm>
-            <a:prstGeom prst="roundRect">
-              <a:avLst/>
-            </a:prstGeom>
-            <a:solidFill>
-              <a:srgbClr val="FFFF99"/>
-            </a:solidFill>
-          </p:spPr>
-          <p:style>
-            <a:lnRef idx="2">
-              <a:schemeClr val="accent1">
-                <a:shade val="50000"/>
-              </a:schemeClr>
-            </a:lnRef>
-            <a:fillRef idx="1">
-              <a:schemeClr val="accent1"/>
-            </a:fillRef>
-            <a:effectRef idx="0">
-              <a:schemeClr val="accent1"/>
-            </a:effectRef>
-            <a:fontRef idx="minor">
-              <a:schemeClr val="lt1"/>
-            </a:fontRef>
-          </p:style>
-          <p:txBody>
-            <a:bodyPr rtlCol="0" anchor="ctr"/>
-            <a:lstStyle/>
-            <a:p>
-              <a:pPr algn="ctr"/>
-              <a:r>
-                <a:rPr lang="en-US" sz="1200" dirty="0">
-                  <a:solidFill>
-                    <a:schemeClr val="tx1"/>
-                  </a:solidFill>
-                </a:rPr>
-                <a:t>Geometries</a:t>
-              </a:r>
-            </a:p>
-            <a:p>
-              <a:pPr algn="ctr"/>
-              <a:r>
-                <a:rPr lang="en-US" sz="1200" dirty="0">
-                  <a:solidFill>
-                    <a:schemeClr val="tx1"/>
-                  </a:solidFill>
-                </a:rPr>
-                <a:t>Duplicates (SQL)</a:t>
-              </a:r>
-            </a:p>
-          </p:txBody>
-        </p:sp>
-        <p:cxnSp>
-          <p:nvCxnSpPr>
-            <p:cNvPr id="1025" name="Curved Connector 1024"/>
-            <p:cNvCxnSpPr>
-              <a:stCxn id="99" idx="2"/>
-              <a:endCxn id="1017" idx="0"/>
-            </p:cNvCxnSpPr>
-            <p:nvPr/>
-          </p:nvCxnSpPr>
-          <p:spPr>
-            <a:xfrm rot="5400000">
-              <a:off x="10661576" y="7292086"/>
-              <a:ext cx="202327" cy="7677"/>
-            </a:xfrm>
-            <a:prstGeom prst="curvedConnector3">
-              <a:avLst/>
-            </a:prstGeom>
-            <a:ln>
-              <a:tailEnd type="triangle"/>
-            </a:ln>
-          </p:spPr>
-          <p:style>
-            <a:lnRef idx="1">
-              <a:schemeClr val="accent1"/>
-            </a:lnRef>
-            <a:fillRef idx="0">
-              <a:schemeClr val="accent1"/>
-            </a:fillRef>
-            <a:effectRef idx="0">
-              <a:schemeClr val="accent1"/>
-            </a:effectRef>
-            <a:fontRef idx="minor">
-              <a:schemeClr val="tx1"/>
-            </a:fontRef>
-          </p:style>
-        </p:cxnSp>
-      </p:grpSp>
-      <p:cxnSp>
-        <p:nvCxnSpPr>
-          <p:cNvPr id="1027" name="Curved Connector 1026"/>
-          <p:cNvCxnSpPr>
-            <a:stCxn id="1017" idx="2"/>
-            <a:endCxn id="1013" idx="1"/>
-          </p:cNvCxnSpPr>
-          <p:nvPr/>
-        </p:nvCxnSpPr>
-        <p:spPr>
-          <a:xfrm rot="16200000" flipH="1">
-            <a:off x="10385746" y="7517049"/>
-            <a:ext cx="551908" cy="1169017"/>
-          </a:xfrm>
-          <a:prstGeom prst="curvedConnector2">
-            <a:avLst/>
-          </a:prstGeom>
-          <a:ln>
-            <a:tailEnd type="triangle"/>
-          </a:ln>
-        </p:spPr>
-        <p:style>
-          <a:lnRef idx="1">
-            <a:schemeClr val="accent1"/>
-          </a:lnRef>
-          <a:fillRef idx="0">
-            <a:schemeClr val="accent1"/>
-          </a:fillRef>
-          <a:effectRef idx="0">
-            <a:schemeClr val="accent1"/>
-          </a:effectRef>
-          <a:fontRef idx="minor">
-            <a:schemeClr val="tx1"/>
-          </a:fontRef>
-        </p:style>
-      </p:cxnSp>
-      <p:cxnSp>
-        <p:nvCxnSpPr>
-          <p:cNvPr id="148" name="Curved Connector 147"/>
-          <p:cNvCxnSpPr>
-            <a:stCxn id="167" idx="3"/>
-            <a:endCxn id="141" idx="1"/>
-          </p:cNvCxnSpPr>
-          <p:nvPr/>
-        </p:nvCxnSpPr>
-        <p:spPr>
-          <a:xfrm flipV="1">
-            <a:off x="14724829" y="3710039"/>
-            <a:ext cx="1047268" cy="1732059"/>
-          </a:xfrm>
-          <a:prstGeom prst="curvedConnector3">
-            <a:avLst>
-              <a:gd name="adj1" fmla="val 50000"/>
-            </a:avLst>
-          </a:prstGeom>
-          <a:ln>
-            <a:tailEnd type="triangle"/>
-          </a:ln>
-        </p:spPr>
-        <p:style>
-          <a:lnRef idx="1">
-            <a:schemeClr val="accent1"/>
-          </a:lnRef>
-          <a:fillRef idx="0">
-            <a:schemeClr val="accent1"/>
-          </a:fillRef>
-          <a:effectRef idx="0">
-            <a:schemeClr val="accent1"/>
-          </a:effectRef>
-          <a:fontRef idx="minor">
-            <a:schemeClr val="tx1"/>
-          </a:fontRef>
-        </p:style>
-      </p:cxnSp>
-      <p:cxnSp>
-        <p:nvCxnSpPr>
-          <p:cNvPr id="149" name="Curved Connector 148"/>
-          <p:cNvCxnSpPr>
-            <a:stCxn id="137" idx="2"/>
-            <a:endCxn id="141" idx="3"/>
-          </p:cNvCxnSpPr>
-          <p:nvPr/>
-        </p:nvCxnSpPr>
-        <p:spPr>
-          <a:xfrm rot="5400000">
-            <a:off x="15779635" y="2195277"/>
-            <a:ext cx="2896485" cy="133039"/>
-          </a:xfrm>
-          <a:prstGeom prst="curvedConnector2">
-            <a:avLst/>
-          </a:prstGeom>
-          <a:ln>
-            <a:tailEnd type="triangle"/>
-          </a:ln>
-        </p:spPr>
-        <p:style>
-          <a:lnRef idx="1">
-            <a:schemeClr val="accent1"/>
-          </a:lnRef>
-          <a:fillRef idx="0">
-            <a:schemeClr val="accent1"/>
-          </a:fillRef>
-          <a:effectRef idx="0">
-            <a:schemeClr val="accent1"/>
-          </a:effectRef>
-          <a:fontRef idx="minor">
-            <a:schemeClr val="tx1"/>
-          </a:fontRef>
-        </p:style>
-      </p:cxnSp>
-      <p:cxnSp>
-        <p:nvCxnSpPr>
-          <p:cNvPr id="142" name="Curved Connector 141"/>
-          <p:cNvCxnSpPr>
-            <a:stCxn id="164" idx="2"/>
-            <a:endCxn id="138" idx="0"/>
-          </p:cNvCxnSpPr>
-          <p:nvPr/>
-        </p:nvCxnSpPr>
-        <p:spPr>
-          <a:xfrm rot="16200000" flipH="1">
-            <a:off x="15043243" y="1286921"/>
-            <a:ext cx="575488" cy="335434"/>
-          </a:xfrm>
-          <a:prstGeom prst="curvedConnector3">
-            <a:avLst/>
-          </a:prstGeom>
-          <a:ln>
-            <a:tailEnd type="triangle"/>
-          </a:ln>
-        </p:spPr>
-        <p:style>
-          <a:lnRef idx="1">
-            <a:schemeClr val="accent1"/>
-          </a:lnRef>
-          <a:fillRef idx="0">
-            <a:schemeClr val="accent1"/>
-          </a:fillRef>
-          <a:effectRef idx="0">
-            <a:schemeClr val="accent1"/>
-          </a:effectRef>
-          <a:fontRef idx="minor">
-            <a:schemeClr val="tx1"/>
-          </a:fontRef>
-        </p:style>
-      </p:cxnSp>
-      <p:grpSp>
-        <p:nvGrpSpPr>
-          <p:cNvPr id="1041" name="Group 1040"/>
-          <p:cNvGrpSpPr/>
-          <p:nvPr/>
-        </p:nvGrpSpPr>
-        <p:grpSpPr>
-          <a:xfrm>
-            <a:off x="15148407" y="7903777"/>
-            <a:ext cx="2859669" cy="1123447"/>
-            <a:chOff x="6608355" y="7843778"/>
-            <a:chExt cx="2859669" cy="1123447"/>
-          </a:xfrm>
-        </p:grpSpPr>
-        <p:sp>
-          <p:nvSpPr>
-            <p:cNvPr id="203" name="Rectangle 202"/>
-            <p:cNvSpPr/>
-            <p:nvPr/>
-          </p:nvSpPr>
-          <p:spPr>
-            <a:xfrm>
-              <a:off x="6608355" y="7843778"/>
-              <a:ext cx="2859669" cy="1123447"/>
-            </a:xfrm>
-            <a:prstGeom prst="rect">
-              <a:avLst/>
-            </a:prstGeom>
-          </p:spPr>
-          <p:style>
-            <a:lnRef idx="2">
-              <a:schemeClr val="dk1"/>
-            </a:lnRef>
-            <a:fillRef idx="1">
-              <a:schemeClr val="lt1"/>
-            </a:fillRef>
-            <a:effectRef idx="0">
-              <a:schemeClr val="dk1"/>
-            </a:effectRef>
-            <a:fontRef idx="minor">
-              <a:schemeClr val="dk1"/>
-            </a:fontRef>
-          </p:style>
-          <p:txBody>
-            <a:bodyPr rtlCol="0" anchor="ctr"/>
-            <a:lstStyle/>
-            <a:p>
-              <a:pPr algn="ctr"/>
-              <a:endParaRPr lang="en-US" sz="2034"/>
-            </a:p>
-          </p:txBody>
-        </p:sp>
-        <p:sp>
-          <p:nvSpPr>
-            <p:cNvPr id="217" name="Rounded Rectangle 216"/>
-            <p:cNvSpPr/>
-            <p:nvPr/>
-          </p:nvSpPr>
-          <p:spPr>
-            <a:xfrm>
-              <a:off x="6689216" y="7937741"/>
-              <a:ext cx="1287124" cy="277638"/>
-            </a:xfrm>
-            <a:prstGeom prst="roundRect">
-              <a:avLst/>
-            </a:prstGeom>
-            <a:solidFill>
-              <a:schemeClr val="accent4">
-                <a:lumMod val="20000"/>
-                <a:lumOff val="80000"/>
-              </a:schemeClr>
-            </a:solidFill>
-            <a:ln>
-              <a:solidFill>
-                <a:schemeClr val="accent6">
-                  <a:lumMod val="50000"/>
-                </a:schemeClr>
-              </a:solidFill>
-            </a:ln>
-          </p:spPr>
-          <p:style>
-            <a:lnRef idx="2">
-              <a:schemeClr val="accent1">
-                <a:shade val="50000"/>
-              </a:schemeClr>
-            </a:lnRef>
-            <a:fillRef idx="1">
-              <a:schemeClr val="accent1"/>
-            </a:fillRef>
-            <a:effectRef idx="0">
-              <a:schemeClr val="accent1"/>
-            </a:effectRef>
-            <a:fontRef idx="minor">
-              <a:schemeClr val="lt1"/>
-            </a:fontRef>
-          </p:style>
-          <p:txBody>
-            <a:bodyPr rtlCol="0" anchor="ctr"/>
-            <a:lstStyle/>
-            <a:p>
-              <a:pPr algn="ctr"/>
-              <a:r>
-                <a:rPr lang="en-US" sz="1200" dirty="0">
-                  <a:solidFill>
-                    <a:schemeClr val="tx1"/>
-                  </a:solidFill>
-                </a:rPr>
-                <a:t>In development</a:t>
-              </a:r>
-            </a:p>
-          </p:txBody>
-        </p:sp>
-        <p:sp>
-          <p:nvSpPr>
-            <p:cNvPr id="218" name="Rounded Rectangle 217"/>
-            <p:cNvSpPr/>
-            <p:nvPr/>
-          </p:nvSpPr>
-          <p:spPr>
-            <a:xfrm>
-              <a:off x="6702038" y="8290211"/>
-              <a:ext cx="1280683" cy="261062"/>
-            </a:xfrm>
-            <a:prstGeom prst="roundRect">
-              <a:avLst/>
-            </a:prstGeom>
-            <a:solidFill>
-              <a:schemeClr val="accent6">
-                <a:lumMod val="20000"/>
-                <a:lumOff val="80000"/>
-              </a:schemeClr>
-            </a:solidFill>
-            <a:ln>
-              <a:solidFill>
-                <a:schemeClr val="accent6">
-                  <a:lumMod val="50000"/>
-                </a:schemeClr>
-              </a:solidFill>
-            </a:ln>
-          </p:spPr>
-          <p:style>
-            <a:lnRef idx="2">
-              <a:schemeClr val="accent1">
-                <a:shade val="50000"/>
-              </a:schemeClr>
-            </a:lnRef>
-            <a:fillRef idx="1">
-              <a:schemeClr val="accent1"/>
-            </a:fillRef>
-            <a:effectRef idx="0">
-              <a:schemeClr val="accent1"/>
-            </a:effectRef>
-            <a:fontRef idx="minor">
-              <a:schemeClr val="lt1"/>
-            </a:fontRef>
-          </p:style>
-          <p:txBody>
-            <a:bodyPr rtlCol="0" anchor="ctr"/>
-            <a:lstStyle/>
-            <a:p>
-              <a:pPr algn="ctr"/>
-              <a:r>
-                <a:rPr lang="en-US" sz="1200" dirty="0">
-                  <a:solidFill>
-                    <a:schemeClr val="tx1"/>
-                  </a:solidFill>
-                </a:rPr>
-                <a:t>Input\ output</a:t>
-              </a:r>
-            </a:p>
-          </p:txBody>
-        </p:sp>
-        <p:sp>
-          <p:nvSpPr>
-            <p:cNvPr id="219" name="Rounded Rectangle 218"/>
-            <p:cNvSpPr/>
-            <p:nvPr/>
-          </p:nvSpPr>
-          <p:spPr>
-            <a:xfrm>
-              <a:off x="8057686" y="8318120"/>
-              <a:ext cx="1289979" cy="228413"/>
-            </a:xfrm>
-            <a:prstGeom prst="roundRect">
-              <a:avLst/>
-            </a:prstGeom>
-            <a:solidFill>
-              <a:schemeClr val="accent1">
-                <a:lumMod val="20000"/>
-                <a:lumOff val="80000"/>
-              </a:schemeClr>
-            </a:solidFill>
-          </p:spPr>
-          <p:style>
-            <a:lnRef idx="2">
-              <a:schemeClr val="accent1">
-                <a:shade val="50000"/>
-              </a:schemeClr>
-            </a:lnRef>
-            <a:fillRef idx="1">
-              <a:schemeClr val="accent1"/>
-            </a:fillRef>
-            <a:effectRef idx="0">
-              <a:schemeClr val="accent1"/>
-            </a:effectRef>
-            <a:fontRef idx="minor">
-              <a:schemeClr val="lt1"/>
-            </a:fontRef>
-          </p:style>
-          <p:txBody>
-            <a:bodyPr rtlCol="0" anchor="ctr"/>
-            <a:lstStyle/>
-            <a:p>
-              <a:pPr algn="ctr"/>
-              <a:r>
-                <a:rPr lang="en-US" sz="1200" dirty="0" err="1">
-                  <a:solidFill>
-                    <a:schemeClr val="tx1"/>
-                  </a:solidFill>
-                </a:rPr>
-                <a:t>matlab</a:t>
-              </a:r>
-              <a:endParaRPr lang="en-US" sz="1200" dirty="0">
-                <a:solidFill>
-                  <a:schemeClr val="tx1"/>
-                </a:solidFill>
-              </a:endParaRPr>
-            </a:p>
-          </p:txBody>
-        </p:sp>
-        <p:sp>
-          <p:nvSpPr>
-            <p:cNvPr id="220" name="Rounded Rectangle 219"/>
-            <p:cNvSpPr/>
-            <p:nvPr/>
-          </p:nvSpPr>
-          <p:spPr>
-            <a:xfrm>
-              <a:off x="6713020" y="8651648"/>
-              <a:ext cx="1264514" cy="203813"/>
-            </a:xfrm>
-            <a:prstGeom prst="roundRect">
-              <a:avLst/>
-            </a:prstGeom>
-            <a:solidFill>
-              <a:schemeClr val="accent3">
-                <a:lumMod val="40000"/>
-                <a:lumOff val="60000"/>
-              </a:schemeClr>
-            </a:solidFill>
-            <a:ln>
-              <a:solidFill>
-                <a:schemeClr val="accent1">
-                  <a:lumMod val="75000"/>
-                </a:schemeClr>
-              </a:solidFill>
-            </a:ln>
-          </p:spPr>
-          <p:style>
-            <a:lnRef idx="2">
-              <a:schemeClr val="accent1">
-                <a:shade val="50000"/>
-              </a:schemeClr>
-            </a:lnRef>
-            <a:fillRef idx="1">
-              <a:schemeClr val="accent1"/>
-            </a:fillRef>
-            <a:effectRef idx="0">
-              <a:schemeClr val="accent1"/>
-            </a:effectRef>
-            <a:fontRef idx="minor">
-              <a:schemeClr val="lt1"/>
-            </a:fontRef>
-          </p:style>
-          <p:txBody>
-            <a:bodyPr rtlCol="0" anchor="ctr"/>
-            <a:lstStyle/>
-            <a:p>
-              <a:pPr algn="ctr"/>
-              <a:r>
-                <a:rPr lang="en-US" sz="1200" dirty="0" err="1">
-                  <a:solidFill>
-                    <a:schemeClr val="tx1"/>
-                  </a:solidFill>
-                </a:rPr>
-                <a:t>Powershell</a:t>
-              </a:r>
-              <a:endParaRPr lang="en-US" sz="1200" dirty="0">
-                <a:solidFill>
-                  <a:schemeClr val="tx1"/>
-                </a:solidFill>
-              </a:endParaRPr>
-            </a:p>
-          </p:txBody>
-        </p:sp>
-        <p:sp>
-          <p:nvSpPr>
-            <p:cNvPr id="221" name="Rounded Rectangle 220"/>
-            <p:cNvSpPr/>
-            <p:nvPr/>
-          </p:nvSpPr>
-          <p:spPr>
-            <a:xfrm>
-              <a:off x="8059095" y="8621171"/>
-              <a:ext cx="1280683" cy="234289"/>
-            </a:xfrm>
-            <a:prstGeom prst="roundRect">
-              <a:avLst/>
-            </a:prstGeom>
-            <a:solidFill>
-              <a:schemeClr val="accent2">
-                <a:lumMod val="20000"/>
-                <a:lumOff val="80000"/>
-              </a:schemeClr>
-            </a:solidFill>
-          </p:spPr>
-          <p:style>
-            <a:lnRef idx="2">
-              <a:schemeClr val="accent1">
-                <a:shade val="50000"/>
-              </a:schemeClr>
-            </a:lnRef>
-            <a:fillRef idx="1">
-              <a:schemeClr val="accent1"/>
-            </a:fillRef>
-            <a:effectRef idx="0">
-              <a:schemeClr val="accent1"/>
-            </a:effectRef>
-            <a:fontRef idx="minor">
-              <a:schemeClr val="lt1"/>
-            </a:fontRef>
-          </p:style>
-          <p:txBody>
-            <a:bodyPr rtlCol="0" anchor="ctr"/>
-            <a:lstStyle/>
-            <a:p>
-              <a:pPr algn="ctr"/>
-              <a:r>
-                <a:rPr lang="en-US" sz="1200" dirty="0">
-                  <a:solidFill>
-                    <a:schemeClr val="tx1"/>
-                  </a:solidFill>
-                </a:rPr>
-                <a:t>Python</a:t>
-              </a:r>
-            </a:p>
-          </p:txBody>
-        </p:sp>
-        <p:sp>
-          <p:nvSpPr>
-            <p:cNvPr id="1037" name="Rounded Rectangle 1036"/>
-            <p:cNvSpPr/>
-            <p:nvPr/>
-          </p:nvSpPr>
-          <p:spPr>
-            <a:xfrm>
-              <a:off x="8057686" y="7976567"/>
-              <a:ext cx="1289979" cy="228413"/>
-            </a:xfrm>
-            <a:prstGeom prst="roundRect">
-              <a:avLst/>
-            </a:prstGeom>
-            <a:solidFill>
-              <a:srgbClr val="FFFF99"/>
-            </a:solidFill>
-          </p:spPr>
-          <p:style>
-            <a:lnRef idx="2">
-              <a:schemeClr val="accent1">
-                <a:shade val="50000"/>
-              </a:schemeClr>
-            </a:lnRef>
-            <a:fillRef idx="1">
-              <a:schemeClr val="accent1"/>
-            </a:fillRef>
-            <a:effectRef idx="0">
-              <a:schemeClr val="accent1"/>
-            </a:effectRef>
-            <a:fontRef idx="minor">
-              <a:schemeClr val="lt1"/>
-            </a:fontRef>
-          </p:style>
-          <p:txBody>
-            <a:bodyPr rtlCol="0" anchor="ctr"/>
-            <a:lstStyle/>
-            <a:p>
-              <a:pPr algn="ctr"/>
-              <a:r>
-                <a:rPr lang="en-US" sz="1200" dirty="0">
-                  <a:solidFill>
-                    <a:schemeClr val="tx1"/>
-                  </a:solidFill>
-                </a:rPr>
-                <a:t>SQL</a:t>
-              </a:r>
-            </a:p>
-          </p:txBody>
-        </p:sp>
-      </p:grpSp>
-      <p:cxnSp>
-        <p:nvCxnSpPr>
-          <p:cNvPr id="550" name="Curved Connector 549"/>
-          <p:cNvCxnSpPr>
-            <a:stCxn id="88" idx="2"/>
-            <a:endCxn id="277" idx="1"/>
-          </p:cNvCxnSpPr>
-          <p:nvPr/>
-        </p:nvCxnSpPr>
-        <p:spPr>
-          <a:xfrm rot="16200000" flipH="1">
-            <a:off x="2111290" y="4491823"/>
-            <a:ext cx="669929" cy="659055"/>
-          </a:xfrm>
-          <a:prstGeom prst="curvedConnector2">
-            <a:avLst/>
-          </a:prstGeom>
-          <a:ln>
-            <a:tailEnd type="triangle"/>
-          </a:ln>
-        </p:spPr>
-        <p:style>
-          <a:lnRef idx="1">
-            <a:schemeClr val="accent1"/>
-          </a:lnRef>
-          <a:fillRef idx="0">
-            <a:schemeClr val="accent1"/>
-          </a:fillRef>
-          <a:effectRef idx="0">
-            <a:schemeClr val="accent1"/>
-          </a:effectRef>
-          <a:fontRef idx="minor">
-            <a:schemeClr val="tx1"/>
-          </a:fontRef>
-        </p:style>
-      </p:cxnSp>
-      <p:cxnSp>
-        <p:nvCxnSpPr>
-          <p:cNvPr id="538" name="Curved Connector 537"/>
-          <p:cNvCxnSpPr>
-            <a:stCxn id="279" idx="3"/>
-            <a:endCxn id="277" idx="0"/>
-          </p:cNvCxnSpPr>
-          <p:nvPr/>
-        </p:nvCxnSpPr>
-        <p:spPr>
-          <a:xfrm flipH="1">
-            <a:off x="3391316" y="1982979"/>
-            <a:ext cx="483269" cy="2997344"/>
-          </a:xfrm>
-          <a:prstGeom prst="curvedConnector4">
-            <a:avLst>
-              <a:gd name="adj1" fmla="val -47303"/>
-              <a:gd name="adj2" fmla="val 75964"/>
-            </a:avLst>
-          </a:prstGeom>
-          <a:ln>
-            <a:tailEnd type="triangle"/>
-          </a:ln>
-        </p:spPr>
-        <p:style>
-          <a:lnRef idx="1">
-            <a:schemeClr val="accent1"/>
-          </a:lnRef>
-          <a:fillRef idx="0">
-            <a:schemeClr val="accent1"/>
-          </a:fillRef>
-          <a:effectRef idx="0">
-            <a:schemeClr val="accent1"/>
-          </a:effectRef>
-          <a:fontRef idx="minor">
-            <a:schemeClr val="tx1"/>
-          </a:fontRef>
-        </p:style>
-      </p:cxnSp>
-      <p:cxnSp>
-        <p:nvCxnSpPr>
-          <p:cNvPr id="450" name="Curved Connector 449"/>
-          <p:cNvCxnSpPr>
-            <a:stCxn id="277" idx="3"/>
-            <a:endCxn id="173" idx="1"/>
-          </p:cNvCxnSpPr>
-          <p:nvPr/>
-        </p:nvCxnSpPr>
-        <p:spPr>
-          <a:xfrm flipV="1">
-            <a:off x="4006849" y="3649963"/>
-            <a:ext cx="1753778" cy="1506353"/>
-          </a:xfrm>
-          <a:prstGeom prst="curvedConnector3">
-            <a:avLst>
-              <a:gd name="adj1" fmla="val 50000"/>
-            </a:avLst>
-          </a:prstGeom>
-          <a:ln>
-            <a:tailEnd type="triangle"/>
-          </a:ln>
-        </p:spPr>
-        <p:style>
-          <a:lnRef idx="1">
-            <a:schemeClr val="accent1"/>
-          </a:lnRef>
-          <a:fillRef idx="0">
-            <a:schemeClr val="accent1"/>
-          </a:fillRef>
-          <a:effectRef idx="0">
-            <a:schemeClr val="accent1"/>
-          </a:effectRef>
-          <a:fontRef idx="minor">
-            <a:schemeClr val="tx1"/>
-          </a:fontRef>
-        </p:style>
-      </p:cxnSp>
-      <p:cxnSp>
-        <p:nvCxnSpPr>
-          <p:cNvPr id="98" name="Curved Connector 97"/>
-          <p:cNvCxnSpPr>
-            <a:stCxn id="82" idx="2"/>
-            <a:endCxn id="81" idx="0"/>
-          </p:cNvCxnSpPr>
-          <p:nvPr/>
-        </p:nvCxnSpPr>
-        <p:spPr>
-          <a:xfrm rot="5400000">
-            <a:off x="9864048" y="6063554"/>
-            <a:ext cx="499498" cy="15378"/>
-          </a:xfrm>
-          <a:prstGeom prst="curvedConnector3">
-            <a:avLst>
-              <a:gd name="adj1" fmla="val 50000"/>
-            </a:avLst>
-          </a:prstGeom>
-          <a:ln>
-            <a:tailEnd type="triangle"/>
-          </a:ln>
-        </p:spPr>
-        <p:style>
-          <a:lnRef idx="1">
-            <a:schemeClr val="accent1"/>
-          </a:lnRef>
-          <a:fillRef idx="0">
-            <a:schemeClr val="accent1"/>
-          </a:fillRef>
-          <a:effectRef idx="0">
-            <a:schemeClr val="accent1"/>
-          </a:effectRef>
-          <a:fontRef idx="minor">
-            <a:schemeClr val="tx1"/>
-          </a:fontRef>
-        </p:style>
-      </p:cxnSp>
-      <p:cxnSp>
-        <p:nvCxnSpPr>
-          <p:cNvPr id="175" name="Curved Connector 174"/>
-          <p:cNvCxnSpPr>
-            <a:stCxn id="65" idx="2"/>
-            <a:endCxn id="68" idx="0"/>
-          </p:cNvCxnSpPr>
-          <p:nvPr/>
-        </p:nvCxnSpPr>
-        <p:spPr>
-          <a:xfrm rot="16200000" flipH="1">
-            <a:off x="7576389" y="5313554"/>
-            <a:ext cx="1688469" cy="326406"/>
-          </a:xfrm>
-          <a:prstGeom prst="curvedConnector3">
-            <a:avLst>
-              <a:gd name="adj1" fmla="val 50000"/>
-            </a:avLst>
-          </a:prstGeom>
-          <a:ln>
-            <a:tailEnd type="triangle"/>
-          </a:ln>
-        </p:spPr>
-        <p:style>
-          <a:lnRef idx="1">
-            <a:schemeClr val="accent1"/>
-          </a:lnRef>
-          <a:fillRef idx="0">
-            <a:schemeClr val="accent1"/>
-          </a:fillRef>
-          <a:effectRef idx="0">
-            <a:schemeClr val="accent1"/>
-          </a:effectRef>
-          <a:fontRef idx="minor">
-            <a:schemeClr val="tx1"/>
-          </a:fontRef>
-        </p:style>
-      </p:cxnSp>
-      <p:cxnSp>
-        <p:nvCxnSpPr>
-          <p:cNvPr id="63" name="Curved Connector 62"/>
-          <p:cNvCxnSpPr>
-            <a:stCxn id="55" idx="2"/>
-            <a:endCxn id="57" idx="0"/>
-          </p:cNvCxnSpPr>
-          <p:nvPr/>
-        </p:nvCxnSpPr>
-        <p:spPr>
-          <a:xfrm rot="5400000">
-            <a:off x="9588713" y="1346328"/>
-            <a:ext cx="1100902" cy="35355"/>
-          </a:xfrm>
-          <a:prstGeom prst="curvedConnector3">
-            <a:avLst/>
-          </a:prstGeom>
-          <a:ln>
-            <a:tailEnd type="triangle"/>
-          </a:ln>
-        </p:spPr>
-        <p:style>
-          <a:lnRef idx="1">
-            <a:schemeClr val="accent1"/>
-          </a:lnRef>
-          <a:fillRef idx="0">
-            <a:schemeClr val="accent1"/>
-          </a:fillRef>
-          <a:effectRef idx="0">
-            <a:schemeClr val="accent1"/>
-          </a:effectRef>
-          <a:fontRef idx="minor">
-            <a:schemeClr val="tx1"/>
-          </a:fontRef>
-        </p:style>
-      </p:cxnSp>
-      <p:cxnSp>
-        <p:nvCxnSpPr>
-          <p:cNvPr id="103" name="Curved Connector 102"/>
-          <p:cNvCxnSpPr>
-            <a:stCxn id="104" idx="3"/>
-            <a:endCxn id="59" idx="1"/>
-          </p:cNvCxnSpPr>
-          <p:nvPr/>
-        </p:nvCxnSpPr>
-        <p:spPr>
-          <a:xfrm flipV="1">
-            <a:off x="7147853" y="3910421"/>
-            <a:ext cx="419488" cy="485122"/>
-          </a:xfrm>
-          <a:prstGeom prst="curvedConnector3">
-            <a:avLst>
-              <a:gd name="adj1" fmla="val 50000"/>
-            </a:avLst>
-          </a:prstGeom>
-          <a:ln>
-            <a:tailEnd type="triangle"/>
-          </a:ln>
-        </p:spPr>
-        <p:style>
-          <a:lnRef idx="1">
-            <a:schemeClr val="accent1"/>
-          </a:lnRef>
-          <a:fillRef idx="0">
-            <a:schemeClr val="accent1"/>
-          </a:fillRef>
-          <a:effectRef idx="0">
-            <a:schemeClr val="accent1"/>
-          </a:effectRef>
-          <a:fontRef idx="minor">
-            <a:schemeClr val="tx1"/>
-          </a:fontRef>
-        </p:style>
-      </p:cxnSp>
-      <p:cxnSp>
-        <p:nvCxnSpPr>
-          <p:cNvPr id="105" name="Curved Connector 104"/>
-          <p:cNvCxnSpPr>
-            <a:stCxn id="577" idx="3"/>
-            <a:endCxn id="83" idx="1"/>
-          </p:cNvCxnSpPr>
-          <p:nvPr/>
-        </p:nvCxnSpPr>
-        <p:spPr>
-          <a:xfrm flipV="1">
-            <a:off x="7168950" y="4968342"/>
-            <a:ext cx="1443125" cy="7615"/>
-          </a:xfrm>
-          <a:prstGeom prst="curvedConnector3">
-            <a:avLst>
-              <a:gd name="adj1" fmla="val 50000"/>
-            </a:avLst>
-          </a:prstGeom>
-          <a:ln>
-            <a:tailEnd type="triangle"/>
-          </a:ln>
-        </p:spPr>
-        <p:style>
-          <a:lnRef idx="1">
-            <a:schemeClr val="accent1"/>
-          </a:lnRef>
-          <a:fillRef idx="0">
-            <a:schemeClr val="accent1"/>
-          </a:fillRef>
-          <a:effectRef idx="0">
-            <a:schemeClr val="accent1"/>
-          </a:effectRef>
-          <a:fontRef idx="minor">
-            <a:schemeClr val="tx1"/>
-          </a:fontRef>
-        </p:style>
-      </p:cxnSp>
-      <p:cxnSp>
-        <p:nvCxnSpPr>
-          <p:cNvPr id="62" name="Curved Connector 61"/>
-          <p:cNvCxnSpPr>
-            <a:stCxn id="174" idx="3"/>
-            <a:endCxn id="57" idx="1"/>
-          </p:cNvCxnSpPr>
-          <p:nvPr/>
-        </p:nvCxnSpPr>
-        <p:spPr>
-          <a:xfrm>
-            <a:off x="8898219" y="1965429"/>
-            <a:ext cx="528637" cy="129553"/>
-          </a:xfrm>
-          <a:prstGeom prst="curvedConnector3">
-            <a:avLst>
-              <a:gd name="adj1" fmla="val 50000"/>
-            </a:avLst>
-          </a:prstGeom>
-          <a:ln>
-            <a:tailEnd type="triangle"/>
-          </a:ln>
-        </p:spPr>
-        <p:style>
-          <a:lnRef idx="1">
-            <a:schemeClr val="accent1"/>
-          </a:lnRef>
-          <a:fillRef idx="0">
-            <a:schemeClr val="accent1"/>
-          </a:fillRef>
-          <a:effectRef idx="0">
-            <a:schemeClr val="accent1"/>
-          </a:effectRef>
-          <a:fontRef idx="minor">
-            <a:schemeClr val="tx1"/>
-          </a:fontRef>
-        </p:style>
-      </p:cxnSp>
-      <p:cxnSp>
-        <p:nvCxnSpPr>
-          <p:cNvPr id="73" name="Curved Connector 72"/>
-          <p:cNvCxnSpPr>
-            <a:stCxn id="66" idx="2"/>
-            <a:endCxn id="74" idx="0"/>
-          </p:cNvCxnSpPr>
-          <p:nvPr/>
-        </p:nvCxnSpPr>
-        <p:spPr>
-          <a:xfrm rot="5400000">
-            <a:off x="465374" y="1537694"/>
-            <a:ext cx="1478191" cy="3062"/>
-          </a:xfrm>
-          <a:prstGeom prst="curvedConnector3">
-            <a:avLst>
-              <a:gd name="adj1" fmla="val 50000"/>
-            </a:avLst>
-          </a:prstGeom>
-          <a:ln>
-            <a:tailEnd type="triangle"/>
-          </a:ln>
-        </p:spPr>
-        <p:style>
-          <a:lnRef idx="1">
-            <a:schemeClr val="accent1"/>
-          </a:lnRef>
-          <a:fillRef idx="0">
-            <a:schemeClr val="accent1"/>
-          </a:fillRef>
-          <a:effectRef idx="0">
-            <a:schemeClr val="accent1"/>
-          </a:effectRef>
-          <a:fontRef idx="minor">
-            <a:schemeClr val="tx1"/>
-          </a:fontRef>
-        </p:style>
-      </p:cxnSp>
-      <p:cxnSp>
-        <p:nvCxnSpPr>
-          <p:cNvPr id="160" name="Curved Connector 159"/>
-          <p:cNvCxnSpPr>
-            <a:stCxn id="158" idx="2"/>
-            <a:endCxn id="157" idx="0"/>
-          </p:cNvCxnSpPr>
-          <p:nvPr/>
-        </p:nvCxnSpPr>
-        <p:spPr>
-          <a:xfrm rot="16200000" flipH="1">
-            <a:off x="16734027" y="5979431"/>
-            <a:ext cx="872942" cy="459983"/>
-          </a:xfrm>
-          <a:prstGeom prst="curvedConnector3">
-            <a:avLst/>
-          </a:prstGeom>
-          <a:ln>
-            <a:tailEnd type="triangle"/>
-          </a:ln>
-        </p:spPr>
-        <p:style>
-          <a:lnRef idx="1">
-            <a:schemeClr val="accent1"/>
-          </a:lnRef>
-          <a:fillRef idx="0">
-            <a:schemeClr val="accent1"/>
-          </a:fillRef>
-          <a:effectRef idx="0">
-            <a:schemeClr val="accent1"/>
-          </a:effectRef>
-          <a:fontRef idx="minor">
-            <a:schemeClr val="tx1"/>
-          </a:fontRef>
-        </p:style>
-      </p:cxnSp>
-      <p:sp>
-        <p:nvSpPr>
-          <p:cNvPr id="166" name="Rounded Rectangle 165"/>
-          <p:cNvSpPr/>
-          <p:nvPr/>
-        </p:nvSpPr>
-        <p:spPr>
-          <a:xfrm>
-            <a:off x="15772096" y="7272180"/>
-            <a:ext cx="1389260" cy="361051"/>
-          </a:xfrm>
-          <a:prstGeom prst="roundRect">
-            <a:avLst/>
-          </a:prstGeom>
-          <a:solidFill>
-            <a:srgbClr val="FFFF99"/>
-          </a:solidFill>
-        </p:spPr>
-        <p:style>
-          <a:lnRef idx="2">
-            <a:schemeClr val="accent1">
-              <a:shade val="50000"/>
-            </a:schemeClr>
-          </a:lnRef>
-          <a:fillRef idx="1">
-            <a:schemeClr val="accent1"/>
-          </a:fillRef>
-          <a:effectRef idx="0">
-            <a:schemeClr val="accent1"/>
-          </a:effectRef>
-          <a:fontRef idx="minor">
-            <a:schemeClr val="lt1"/>
-          </a:fontRef>
-        </p:style>
-        <p:txBody>
-          <a:bodyPr rtlCol="0" anchor="ctr"/>
-          <a:lstStyle/>
-          <a:p>
-            <a:pPr algn="ctr"/>
-            <a:r>
-              <a:rPr lang="en-US" sz="1200" dirty="0" err="1">
-                <a:solidFill>
-                  <a:schemeClr val="tx1"/>
-                </a:solidFill>
-              </a:rPr>
-              <a:t>linkzoom</a:t>
-            </a:r>
-            <a:endParaRPr lang="en-US" sz="1200" dirty="0">
-              <a:solidFill>
-                <a:schemeClr val="tx1"/>
-              </a:solidFill>
-            </a:endParaRPr>
-          </a:p>
-        </p:txBody>
-      </p:sp>
-      <p:cxnSp>
-        <p:nvCxnSpPr>
-          <p:cNvPr id="5" name="Curved Connector 4"/>
-          <p:cNvCxnSpPr>
-            <a:stCxn id="225" idx="2"/>
-            <a:endCxn id="166" idx="1"/>
-          </p:cNvCxnSpPr>
-          <p:nvPr/>
-        </p:nvCxnSpPr>
-        <p:spPr>
-          <a:xfrm rot="16200000" flipH="1">
-            <a:off x="15414468" y="7095077"/>
-            <a:ext cx="441865" cy="273392"/>
-          </a:xfrm>
-          <a:prstGeom prst="curvedConnector2">
-            <a:avLst/>
-          </a:prstGeom>
-          <a:ln>
-            <a:tailEnd type="triangle"/>
-          </a:ln>
-        </p:spPr>
-        <p:style>
-          <a:lnRef idx="1">
-            <a:schemeClr val="accent1"/>
-          </a:lnRef>
-          <a:fillRef idx="0">
-            <a:schemeClr val="accent1"/>
-          </a:fillRef>
-          <a:effectRef idx="0">
-            <a:schemeClr val="accent1"/>
-          </a:effectRef>
-          <a:fontRef idx="minor">
-            <a:schemeClr val="tx1"/>
-          </a:fontRef>
-        </p:style>
-      </p:cxnSp>
-      <p:cxnSp>
-        <p:nvCxnSpPr>
-          <p:cNvPr id="7" name="Curved Connector 6"/>
-          <p:cNvCxnSpPr>
-            <a:stCxn id="157" idx="2"/>
-            <a:endCxn id="166" idx="3"/>
-          </p:cNvCxnSpPr>
-          <p:nvPr/>
-        </p:nvCxnSpPr>
-        <p:spPr>
-          <a:xfrm rot="5400000">
-            <a:off x="17058043" y="7110258"/>
-            <a:ext cx="445761" cy="239134"/>
-          </a:xfrm>
-          <a:prstGeom prst="curvedConnector2">
-            <a:avLst/>
-          </a:prstGeom>
-          <a:ln>
-            <a:tailEnd type="triangle"/>
-          </a:ln>
-        </p:spPr>
-        <p:style>
-          <a:lnRef idx="1">
-            <a:schemeClr val="accent1"/>
-          </a:lnRef>
-          <a:fillRef idx="0">
-            <a:schemeClr val="accent1"/>
-          </a:fillRef>
-          <a:effectRef idx="0">
-            <a:schemeClr val="accent1"/>
-          </a:effectRef>
-          <a:fontRef idx="minor">
-            <a:schemeClr val="tx1"/>
-          </a:fontRef>
-        </p:style>
-      </p:cxnSp>
-      <p:cxnSp>
-        <p:nvCxnSpPr>
-          <p:cNvPr id="93" name="Curved Connector 92"/>
-          <p:cNvCxnSpPr>
-            <a:stCxn id="278" idx="3"/>
-            <a:endCxn id="104" idx="1"/>
-          </p:cNvCxnSpPr>
-          <p:nvPr/>
-        </p:nvCxnSpPr>
-        <p:spPr>
-          <a:xfrm flipV="1">
-            <a:off x="4194734" y="4395543"/>
-            <a:ext cx="1563859" cy="3156396"/>
-          </a:xfrm>
-          <a:prstGeom prst="curvedConnector3">
-            <a:avLst>
-              <a:gd name="adj1" fmla="val 39420"/>
-            </a:avLst>
-          </a:prstGeom>
-          <a:ln>
-            <a:tailEnd type="triangle"/>
-          </a:ln>
-        </p:spPr>
-        <p:style>
-          <a:lnRef idx="1">
-            <a:schemeClr val="accent1"/>
-          </a:lnRef>
-          <a:fillRef idx="0">
-            <a:schemeClr val="accent1"/>
-          </a:fillRef>
-          <a:effectRef idx="0">
-            <a:schemeClr val="accent1"/>
-          </a:effectRef>
-          <a:fontRef idx="minor">
-            <a:schemeClr val="tx1"/>
-          </a:fontRef>
-        </p:style>
-      </p:cxnSp>
-    </p:spTree>
-    <p:extLst>
-      <p:ext uri="{BB962C8B-B14F-4D97-AF65-F5344CB8AC3E}">
-        <p14:creationId xmlns:p14="http://schemas.microsoft.com/office/powerpoint/2010/main" val="3763509385"/>
-      </p:ext>
-    </p:extLst>
-  </p:cSld>
-  <p:clrMapOvr>
-    <a:masterClrMapping/>
-  </p:clrMapOvr>
-</p:sld>
-</file>
-
-<file path=ppt/slides/slide4.xml><?xml version="1.0" encoding="utf-8"?>
-<p:sld xmlns:a="http://schemas.openxmlformats.org/drawingml/2006/main" xmlns:r="http://schemas.openxmlformats.org/officeDocument/2006/relationships" xmlns:p="http://schemas.openxmlformats.org/presentationml/2006/main">
-  <p:cSld>
-    <p:spTree>
-      <p:nvGrpSpPr>
-        <p:cNvPr id="1" name=""/>
-        <p:cNvGrpSpPr/>
-        <p:nvPr/>
-      </p:nvGrpSpPr>
-      <p:grpSpPr>
-        <a:xfrm>
-          <a:off x="0" y="0"/>
-          <a:ext cx="0" cy="0"/>
-          <a:chOff x="0" y="0"/>
-          <a:chExt cx="0" cy="0"/>
-        </a:xfrm>
-      </p:grpSpPr>
-      <p:sp>
-        <p:nvSpPr>
-          <p:cNvPr id="706" name="Rounded Rectangle 705"/>
-          <p:cNvSpPr/>
-          <p:nvPr/>
-        </p:nvSpPr>
-        <p:spPr>
-          <a:xfrm>
-            <a:off x="160467" y="1080289"/>
-            <a:ext cx="4116221" cy="3505359"/>
-          </a:xfrm>
-          <a:prstGeom prst="roundRect">
-            <a:avLst>
-              <a:gd name="adj" fmla="val 2694"/>
-            </a:avLst>
-          </a:prstGeom>
-          <a:solidFill>
-            <a:schemeClr val="bg1">
-              <a:lumMod val="85000"/>
-            </a:schemeClr>
-          </a:solidFill>
-        </p:spPr>
-        <p:style>
-          <a:lnRef idx="2">
-            <a:schemeClr val="accent1">
-              <a:shade val="50000"/>
-            </a:schemeClr>
-          </a:lnRef>
-          <a:fillRef idx="1">
-            <a:schemeClr val="accent1"/>
-          </a:fillRef>
-          <a:effectRef idx="0">
-            <a:schemeClr val="accent1"/>
-          </a:effectRef>
-          <a:fontRef idx="minor">
-            <a:schemeClr val="lt1"/>
-          </a:fontRef>
-        </p:style>
-        <p:txBody>
-          <a:bodyPr rtlCol="0" anchor="ctr"/>
-          <a:lstStyle/>
-          <a:p>
-            <a:pPr algn="ctr"/>
-            <a:endParaRPr lang="en-US"/>
-          </a:p>
-        </p:txBody>
-      </p:sp>
-      <p:cxnSp>
-        <p:nvCxnSpPr>
-          <p:cNvPr id="256" name="Straight Connector 255"/>
-          <p:cNvCxnSpPr/>
-          <p:nvPr/>
-        </p:nvCxnSpPr>
-        <p:spPr>
-          <a:xfrm flipH="1">
-            <a:off x="6407701" y="1606246"/>
-            <a:ext cx="29949" cy="7207307"/>
-          </a:xfrm>
-          <a:prstGeom prst="line">
-            <a:avLst/>
-          </a:prstGeom>
-          <a:ln w="38100"/>
-        </p:spPr>
-        <p:style>
-          <a:lnRef idx="1">
-            <a:schemeClr val="dk1"/>
-          </a:lnRef>
-          <a:fillRef idx="0">
-            <a:schemeClr val="dk1"/>
-          </a:fillRef>
-          <a:effectRef idx="0">
-            <a:schemeClr val="dk1"/>
-          </a:effectRef>
-          <a:fontRef idx="minor">
-            <a:schemeClr val="tx1"/>
-          </a:fontRef>
-        </p:style>
-      </p:cxnSp>
-      <p:cxnSp>
-        <p:nvCxnSpPr>
-          <p:cNvPr id="576" name="Straight Connector 575"/>
-          <p:cNvCxnSpPr/>
-          <p:nvPr/>
-        </p:nvCxnSpPr>
-        <p:spPr>
-          <a:xfrm flipH="1">
-            <a:off x="11997894" y="1477784"/>
-            <a:ext cx="50613" cy="7437675"/>
-          </a:xfrm>
-          <a:prstGeom prst="line">
-            <a:avLst/>
-          </a:prstGeom>
-          <a:ln w="38100"/>
-        </p:spPr>
-        <p:style>
-          <a:lnRef idx="1">
-            <a:schemeClr val="dk1"/>
-          </a:lnRef>
-          <a:fillRef idx="0">
-            <a:schemeClr val="dk1"/>
-          </a:fillRef>
-          <a:effectRef idx="0">
-            <a:schemeClr val="dk1"/>
-          </a:effectRef>
-          <a:fontRef idx="minor">
-            <a:schemeClr val="tx1"/>
-          </a:fontRef>
-        </p:style>
-      </p:cxnSp>
-      <p:sp>
-        <p:nvSpPr>
-          <p:cNvPr id="50" name="Rounded Rectangle 49"/>
-          <p:cNvSpPr/>
-          <p:nvPr/>
-        </p:nvSpPr>
-        <p:spPr>
-          <a:xfrm>
-            <a:off x="4446952" y="396011"/>
-            <a:ext cx="1389260" cy="361051"/>
-          </a:xfrm>
-          <a:prstGeom prst="roundRect">
-            <a:avLst/>
-          </a:prstGeom>
-          <a:solidFill>
-            <a:schemeClr val="accent6">
-              <a:lumMod val="20000"/>
-              <a:lumOff val="80000"/>
-            </a:schemeClr>
-          </a:solidFill>
-          <a:ln>
-            <a:solidFill>
-              <a:schemeClr val="accent6">
-                <a:lumMod val="50000"/>
-              </a:schemeClr>
-            </a:solidFill>
-          </a:ln>
-        </p:spPr>
-        <p:style>
-          <a:lnRef idx="2">
-            <a:schemeClr val="accent1">
-              <a:shade val="50000"/>
-            </a:schemeClr>
-          </a:lnRef>
-          <a:fillRef idx="1">
-            <a:schemeClr val="accent1"/>
-          </a:fillRef>
-          <a:effectRef idx="0">
-            <a:schemeClr val="accent1"/>
-          </a:effectRef>
-          <a:fontRef idx="minor">
-            <a:schemeClr val="lt1"/>
-          </a:fontRef>
-        </p:style>
-        <p:txBody>
-          <a:bodyPr rtlCol="0" anchor="ctr"/>
-          <a:lstStyle/>
-          <a:p>
-            <a:pPr algn="ctr"/>
-            <a:r>
-              <a:rPr lang="en-US" sz="1200" dirty="0">
-                <a:solidFill>
-                  <a:schemeClr val="tx1"/>
-                </a:solidFill>
-              </a:rPr>
-              <a:t>im3 files</a:t>
-            </a:r>
-          </a:p>
-        </p:txBody>
-      </p:sp>
-      <p:sp>
-        <p:nvSpPr>
-          <p:cNvPr id="55" name="Rounded Rectangle 54"/>
-          <p:cNvSpPr/>
-          <p:nvPr/>
-        </p:nvSpPr>
-        <p:spPr>
-          <a:xfrm>
-            <a:off x="9419167" y="441213"/>
-            <a:ext cx="1389260" cy="361051"/>
-          </a:xfrm>
-          <a:prstGeom prst="roundRect">
-            <a:avLst/>
-          </a:prstGeom>
-          <a:solidFill>
-            <a:schemeClr val="accent6">
-              <a:lumMod val="20000"/>
-              <a:lumOff val="80000"/>
-            </a:schemeClr>
-          </a:solidFill>
-        </p:spPr>
-        <p:style>
-          <a:lnRef idx="2">
-            <a:schemeClr val="accent1">
-              <a:shade val="50000"/>
-            </a:schemeClr>
-          </a:lnRef>
-          <a:fillRef idx="1">
-            <a:schemeClr val="accent1"/>
-          </a:fillRef>
-          <a:effectRef idx="0">
-            <a:schemeClr val="accent1"/>
-          </a:effectRef>
-          <a:fontRef idx="minor">
-            <a:schemeClr val="lt1"/>
-          </a:fontRef>
-        </p:style>
-        <p:txBody>
-          <a:bodyPr rtlCol="0" anchor="ctr"/>
-          <a:lstStyle/>
-          <a:p>
-            <a:pPr algn="ctr"/>
-            <a:r>
-              <a:rPr lang="en-US" sz="1200" dirty="0">
-                <a:solidFill>
-                  <a:schemeClr val="tx1"/>
-                </a:solidFill>
-              </a:rPr>
-              <a:t>annotations</a:t>
-            </a:r>
-          </a:p>
-        </p:txBody>
-      </p:sp>
-      <p:sp>
-        <p:nvSpPr>
-          <p:cNvPr id="104" name="Rounded Rectangle 103"/>
-          <p:cNvSpPr/>
-          <p:nvPr/>
-        </p:nvSpPr>
-        <p:spPr>
-          <a:xfrm>
-            <a:off x="5758593" y="4215017"/>
-            <a:ext cx="1389260" cy="361051"/>
-          </a:xfrm>
-          <a:prstGeom prst="roundRect">
-            <a:avLst/>
-          </a:prstGeom>
-          <a:solidFill>
-            <a:schemeClr val="accent6">
-              <a:lumMod val="20000"/>
-              <a:lumOff val="80000"/>
-            </a:schemeClr>
-          </a:solidFill>
-        </p:spPr>
-        <p:style>
-          <a:lnRef idx="2">
-            <a:schemeClr val="accent1">
-              <a:shade val="50000"/>
-            </a:schemeClr>
-          </a:lnRef>
-          <a:fillRef idx="1">
-            <a:schemeClr val="accent1"/>
-          </a:fillRef>
-          <a:effectRef idx="0">
-            <a:schemeClr val="accent1"/>
-          </a:effectRef>
-          <a:fontRef idx="minor">
-            <a:schemeClr val="lt1"/>
-          </a:fontRef>
-        </p:style>
-        <p:txBody>
-          <a:bodyPr rtlCol="0" anchor="ctr"/>
-          <a:lstStyle/>
-          <a:p>
-            <a:pPr algn="ctr"/>
-            <a:r>
-              <a:rPr lang="en-US" sz="1200" dirty="0">
-                <a:solidFill>
-                  <a:schemeClr val="tx1"/>
-                </a:solidFill>
-              </a:rPr>
-              <a:t>Component tiffs</a:t>
-            </a:r>
-          </a:p>
-        </p:txBody>
-      </p:sp>
-      <p:sp>
-        <p:nvSpPr>
-          <p:cNvPr id="66" name="Rounded Rectangle 65"/>
-          <p:cNvSpPr/>
-          <p:nvPr/>
-        </p:nvSpPr>
-        <p:spPr>
-          <a:xfrm>
-            <a:off x="337278" y="396011"/>
-            <a:ext cx="1737444" cy="404119"/>
-          </a:xfrm>
-          <a:prstGeom prst="roundRect">
-            <a:avLst/>
-          </a:prstGeom>
-          <a:solidFill>
-            <a:schemeClr val="accent6">
-              <a:lumMod val="20000"/>
-              <a:lumOff val="80000"/>
-            </a:schemeClr>
-          </a:solidFill>
-          <a:ln>
-            <a:solidFill>
-              <a:schemeClr val="accent6">
-                <a:lumMod val="50000"/>
-              </a:schemeClr>
-            </a:solidFill>
-          </a:ln>
-        </p:spPr>
-        <p:style>
-          <a:lnRef idx="2">
-            <a:schemeClr val="accent1">
-              <a:shade val="50000"/>
-            </a:schemeClr>
-          </a:lnRef>
-          <a:fillRef idx="1">
-            <a:schemeClr val="accent1"/>
-          </a:fillRef>
-          <a:effectRef idx="0">
-            <a:schemeClr val="accent1"/>
-          </a:effectRef>
-          <a:fontRef idx="minor">
-            <a:schemeClr val="lt1"/>
-          </a:fontRef>
-        </p:style>
-        <p:txBody>
-          <a:bodyPr rtlCol="0" anchor="ctr"/>
-          <a:lstStyle/>
-          <a:p>
-            <a:pPr algn="ctr"/>
-            <a:r>
-              <a:rPr lang="en-US" sz="1200" dirty="0">
-                <a:solidFill>
-                  <a:schemeClr val="tx1"/>
-                </a:solidFill>
-              </a:rPr>
-              <a:t>Received Microscope, Microscope Change</a:t>
-            </a:r>
-          </a:p>
-        </p:txBody>
-      </p:sp>
-      <p:grpSp>
-        <p:nvGrpSpPr>
-          <p:cNvPr id="1165" name="Group 1164"/>
-          <p:cNvGrpSpPr/>
-          <p:nvPr/>
-        </p:nvGrpSpPr>
-        <p:grpSpPr>
-          <a:xfrm>
-            <a:off x="7409254" y="1568654"/>
-            <a:ext cx="4329265" cy="4640920"/>
-            <a:chOff x="7441990" y="1738860"/>
-            <a:chExt cx="4329265" cy="4640920"/>
-          </a:xfrm>
-        </p:grpSpPr>
-        <p:sp>
-          <p:nvSpPr>
-            <p:cNvPr id="1092" name="Rounded Rectangle 1091"/>
-            <p:cNvSpPr/>
-            <p:nvPr/>
-          </p:nvSpPr>
-          <p:spPr>
-            <a:xfrm>
-              <a:off x="7441990" y="1738860"/>
-              <a:ext cx="4329265" cy="4640920"/>
-            </a:xfrm>
-            <a:prstGeom prst="roundRect">
-              <a:avLst>
-                <a:gd name="adj" fmla="val 2278"/>
-              </a:avLst>
-            </a:prstGeom>
-            <a:solidFill>
-              <a:schemeClr val="bg1">
-                <a:lumMod val="85000"/>
-              </a:schemeClr>
-            </a:solidFill>
-          </p:spPr>
-          <p:style>
-            <a:lnRef idx="2">
-              <a:schemeClr val="accent1">
-                <a:shade val="50000"/>
-              </a:schemeClr>
-            </a:lnRef>
-            <a:fillRef idx="1">
-              <a:schemeClr val="accent1"/>
-            </a:fillRef>
-            <a:effectRef idx="0">
-              <a:schemeClr val="accent1"/>
-            </a:effectRef>
-            <a:fontRef idx="minor">
-              <a:schemeClr val="lt1"/>
-            </a:fontRef>
-          </p:style>
-          <p:txBody>
-            <a:bodyPr rtlCol="0" anchor="ctr"/>
-            <a:lstStyle/>
-            <a:p>
-              <a:pPr algn="ctr"/>
-              <a:endParaRPr lang="en-US"/>
-            </a:p>
-          </p:txBody>
-        </p:sp>
-        <p:sp>
-          <p:nvSpPr>
-            <p:cNvPr id="65" name="Rounded Rectangle 64"/>
-            <p:cNvSpPr/>
-            <p:nvPr/>
-          </p:nvSpPr>
-          <p:spPr>
-            <a:xfrm>
-              <a:off x="7725953" y="4716989"/>
-              <a:ext cx="1389260" cy="361051"/>
-            </a:xfrm>
-            <a:prstGeom prst="roundRect">
-              <a:avLst/>
-            </a:prstGeom>
-            <a:solidFill>
-              <a:schemeClr val="accent1">
-                <a:lumMod val="20000"/>
-                <a:lumOff val="80000"/>
-              </a:schemeClr>
-            </a:solidFill>
-          </p:spPr>
-          <p:style>
-            <a:lnRef idx="2">
-              <a:schemeClr val="accent1">
-                <a:shade val="50000"/>
-              </a:schemeClr>
-            </a:lnRef>
-            <a:fillRef idx="1">
-              <a:schemeClr val="accent1"/>
-            </a:fillRef>
-            <a:effectRef idx="0">
-              <a:schemeClr val="accent1"/>
-            </a:effectRef>
-            <a:fontRef idx="minor">
-              <a:schemeClr val="lt1"/>
-            </a:fontRef>
-          </p:style>
-          <p:txBody>
-            <a:bodyPr rtlCol="0" anchor="ctr"/>
-            <a:lstStyle/>
-            <a:p>
-              <a:pPr algn="ctr"/>
-              <a:r>
-                <a:rPr lang="en-US" sz="1200" dirty="0" err="1">
-                  <a:solidFill>
-                    <a:schemeClr val="tx1"/>
-                  </a:solidFill>
-                </a:rPr>
-                <a:t>deepzoom</a:t>
-              </a:r>
-              <a:endParaRPr lang="en-US" sz="1200" dirty="0">
-                <a:solidFill>
-                  <a:schemeClr val="tx1"/>
-                </a:solidFill>
-              </a:endParaRPr>
-            </a:p>
-          </p:txBody>
-        </p:sp>
-        <p:cxnSp>
-          <p:nvCxnSpPr>
-            <p:cNvPr id="67" name="Curved Connector 66"/>
-            <p:cNvCxnSpPr>
-              <a:stCxn id="59" idx="2"/>
-              <a:endCxn id="65" idx="0"/>
-            </p:cNvCxnSpPr>
-            <p:nvPr/>
-          </p:nvCxnSpPr>
-          <p:spPr>
-            <a:xfrm rot="5400000">
-              <a:off x="8330657" y="3928579"/>
-              <a:ext cx="878336" cy="698484"/>
-            </a:xfrm>
-            <a:prstGeom prst="curvedConnector3">
-              <a:avLst>
-                <a:gd name="adj1" fmla="val 50000"/>
-              </a:avLst>
-            </a:prstGeom>
-            <a:ln>
-              <a:tailEnd type="triangle"/>
-            </a:ln>
-          </p:spPr>
-          <p:style>
-            <a:lnRef idx="1">
-              <a:schemeClr val="accent1"/>
-            </a:lnRef>
-            <a:fillRef idx="0">
-              <a:schemeClr val="accent1"/>
-            </a:fillRef>
-            <a:effectRef idx="0">
-              <a:schemeClr val="accent1"/>
-            </a:effectRef>
-            <a:fontRef idx="minor">
-              <a:schemeClr val="tx1"/>
-            </a:fontRef>
-          </p:style>
-        </p:cxnSp>
-        <p:sp>
-          <p:nvSpPr>
-            <p:cNvPr id="54" name="Rounded Rectangle 53"/>
-            <p:cNvSpPr/>
-            <p:nvPr/>
-          </p:nvSpPr>
-          <p:spPr>
-            <a:xfrm>
-              <a:off x="9119066" y="2761693"/>
-              <a:ext cx="1389260" cy="361051"/>
-            </a:xfrm>
-            <a:prstGeom prst="roundRect">
-              <a:avLst/>
-            </a:prstGeom>
-            <a:solidFill>
-              <a:schemeClr val="accent2">
-                <a:lumMod val="20000"/>
-                <a:lumOff val="80000"/>
-              </a:schemeClr>
-            </a:solidFill>
-          </p:spPr>
-          <p:style>
-            <a:lnRef idx="2">
-              <a:schemeClr val="accent1">
-                <a:shade val="50000"/>
-              </a:schemeClr>
-            </a:lnRef>
-            <a:fillRef idx="1">
-              <a:schemeClr val="accent1"/>
-            </a:fillRef>
-            <a:effectRef idx="0">
-              <a:schemeClr val="accent1"/>
-            </a:effectRef>
-            <a:fontRef idx="minor">
-              <a:schemeClr val="lt1"/>
-            </a:fontRef>
-          </p:style>
-          <p:txBody>
-            <a:bodyPr rtlCol="0" anchor="ctr"/>
-            <a:lstStyle/>
-            <a:p>
-              <a:pPr algn="ctr"/>
-              <a:r>
-                <a:rPr lang="en-US" sz="1200" dirty="0">
-                  <a:solidFill>
-                    <a:schemeClr val="tx1"/>
-                  </a:solidFill>
-                </a:rPr>
-                <a:t>align</a:t>
-              </a:r>
-            </a:p>
-          </p:txBody>
-        </p:sp>
-        <p:sp>
-          <p:nvSpPr>
-            <p:cNvPr id="56" name="Rounded Rectangle 55"/>
-            <p:cNvSpPr/>
-            <p:nvPr/>
-          </p:nvSpPr>
-          <p:spPr>
-            <a:xfrm>
-              <a:off x="8495095" y="5343632"/>
-              <a:ext cx="1389260" cy="355933"/>
-            </a:xfrm>
-            <a:prstGeom prst="roundRect">
-              <a:avLst/>
-            </a:prstGeom>
-            <a:solidFill>
-              <a:schemeClr val="accent1">
-                <a:lumMod val="20000"/>
-                <a:lumOff val="80000"/>
-              </a:schemeClr>
-            </a:solidFill>
-          </p:spPr>
-          <p:style>
-            <a:lnRef idx="2">
-              <a:schemeClr val="accent1">
-                <a:shade val="50000"/>
-              </a:schemeClr>
-            </a:lnRef>
-            <a:fillRef idx="1">
-              <a:schemeClr val="accent1"/>
-            </a:fillRef>
-            <a:effectRef idx="0">
-              <a:schemeClr val="accent1"/>
-            </a:effectRef>
-            <a:fontRef idx="minor">
-              <a:schemeClr val="lt1"/>
-            </a:fontRef>
-          </p:style>
-          <p:txBody>
-            <a:bodyPr rtlCol="0" anchor="ctr"/>
-            <a:lstStyle/>
-            <a:p>
-              <a:pPr algn="ctr"/>
-              <a:r>
-                <a:rPr lang="en-US" sz="1200" dirty="0" err="1">
-                  <a:solidFill>
-                    <a:schemeClr val="tx1"/>
-                  </a:solidFill>
-                </a:rPr>
-                <a:t>annowarp</a:t>
-              </a:r>
-              <a:endParaRPr lang="en-US" sz="1200" dirty="0">
-                <a:solidFill>
-                  <a:schemeClr val="tx1"/>
-                </a:solidFill>
-              </a:endParaRPr>
-            </a:p>
-          </p:txBody>
-        </p:sp>
-        <p:sp>
-          <p:nvSpPr>
-            <p:cNvPr id="57" name="Rounded Rectangle 56"/>
-            <p:cNvSpPr/>
-            <p:nvPr/>
-          </p:nvSpPr>
-          <p:spPr>
-            <a:xfrm>
-              <a:off x="9459592" y="2084662"/>
-              <a:ext cx="1389260" cy="361051"/>
-            </a:xfrm>
-            <a:prstGeom prst="roundRect">
-              <a:avLst/>
-            </a:prstGeom>
-            <a:solidFill>
-              <a:schemeClr val="accent1">
-                <a:lumMod val="20000"/>
-                <a:lumOff val="80000"/>
-              </a:schemeClr>
-            </a:solidFill>
-          </p:spPr>
-          <p:style>
-            <a:lnRef idx="2">
-              <a:schemeClr val="accent1">
-                <a:shade val="50000"/>
-              </a:schemeClr>
-            </a:lnRef>
-            <a:fillRef idx="1">
-              <a:schemeClr val="accent1"/>
-            </a:fillRef>
-            <a:effectRef idx="0">
-              <a:schemeClr val="accent1"/>
-            </a:effectRef>
-            <a:fontRef idx="minor">
-              <a:schemeClr val="lt1"/>
-            </a:fontRef>
-          </p:style>
-          <p:txBody>
-            <a:bodyPr rtlCol="0" anchor="ctr"/>
-            <a:lstStyle/>
-            <a:p>
-              <a:pPr algn="ctr"/>
-              <a:r>
-                <a:rPr lang="en-US" sz="1200" dirty="0" err="1">
-                  <a:solidFill>
-                    <a:schemeClr val="tx1"/>
-                  </a:solidFill>
-                </a:rPr>
-                <a:t>prepdb</a:t>
-              </a:r>
-              <a:endParaRPr lang="en-US" sz="1200" dirty="0">
-                <a:solidFill>
-                  <a:schemeClr val="tx1"/>
-                </a:solidFill>
-              </a:endParaRPr>
-            </a:p>
-          </p:txBody>
-        </p:sp>
-        <p:sp>
-          <p:nvSpPr>
-            <p:cNvPr id="59" name="Rounded Rectangle 58"/>
-            <p:cNvSpPr/>
-            <p:nvPr/>
-          </p:nvSpPr>
-          <p:spPr>
-            <a:xfrm>
-              <a:off x="8424437" y="3477602"/>
-              <a:ext cx="1389260" cy="361051"/>
-            </a:xfrm>
-            <a:prstGeom prst="roundRect">
-              <a:avLst/>
-            </a:prstGeom>
-            <a:solidFill>
-              <a:schemeClr val="accent2">
-                <a:lumMod val="20000"/>
-                <a:lumOff val="80000"/>
-              </a:schemeClr>
-            </a:solidFill>
-          </p:spPr>
-          <p:style>
-            <a:lnRef idx="2">
-              <a:schemeClr val="accent1">
-                <a:shade val="50000"/>
-              </a:schemeClr>
-            </a:lnRef>
-            <a:fillRef idx="1">
-              <a:schemeClr val="accent1"/>
-            </a:fillRef>
-            <a:effectRef idx="0">
-              <a:schemeClr val="accent1"/>
-            </a:effectRef>
-            <a:fontRef idx="minor">
-              <a:schemeClr val="lt1"/>
-            </a:fontRef>
-          </p:style>
-          <p:txBody>
-            <a:bodyPr rtlCol="0" anchor="ctr"/>
-            <a:lstStyle/>
-            <a:p>
-              <a:pPr algn="ctr"/>
-              <a:r>
-                <a:rPr lang="en-US" sz="1200" dirty="0">
-                  <a:solidFill>
-                    <a:schemeClr val="tx1"/>
-                  </a:solidFill>
-                </a:rPr>
-                <a:t>zoom</a:t>
-              </a:r>
-            </a:p>
-          </p:txBody>
-        </p:sp>
-        <p:cxnSp>
-          <p:nvCxnSpPr>
-            <p:cNvPr id="77" name="Curved Connector 76"/>
-            <p:cNvCxnSpPr>
-              <a:stCxn id="57" idx="2"/>
-              <a:endCxn id="54" idx="0"/>
-            </p:cNvCxnSpPr>
-            <p:nvPr/>
-          </p:nvCxnSpPr>
-          <p:spPr>
-            <a:xfrm rot="5400000">
-              <a:off x="9825969" y="2433440"/>
-              <a:ext cx="315980" cy="340526"/>
-            </a:xfrm>
-            <a:prstGeom prst="curvedConnector3">
-              <a:avLst/>
-            </a:prstGeom>
-            <a:ln>
-              <a:tailEnd type="triangle"/>
-            </a:ln>
-          </p:spPr>
-          <p:style>
-            <a:lnRef idx="1">
-              <a:schemeClr val="accent1"/>
-            </a:lnRef>
-            <a:fillRef idx="0">
-              <a:schemeClr val="accent1"/>
-            </a:fillRef>
-            <a:effectRef idx="0">
-              <a:schemeClr val="accent1"/>
-            </a:effectRef>
-            <a:fontRef idx="minor">
-              <a:schemeClr val="tx1"/>
-            </a:fontRef>
-          </p:style>
-        </p:cxnSp>
-        <p:cxnSp>
-          <p:nvCxnSpPr>
-            <p:cNvPr id="78" name="Curved Connector 77"/>
-            <p:cNvCxnSpPr>
-              <a:stCxn id="54" idx="2"/>
-              <a:endCxn id="59" idx="0"/>
-            </p:cNvCxnSpPr>
-            <p:nvPr/>
-          </p:nvCxnSpPr>
-          <p:spPr>
-            <a:xfrm rot="5400000">
-              <a:off x="9288953" y="2952859"/>
-              <a:ext cx="354858" cy="694629"/>
-            </a:xfrm>
-            <a:prstGeom prst="curvedConnector3">
-              <a:avLst>
-                <a:gd name="adj1" fmla="val 50000"/>
-              </a:avLst>
-            </a:prstGeom>
-            <a:ln>
-              <a:tailEnd type="triangle"/>
-            </a:ln>
-          </p:spPr>
-          <p:style>
-            <a:lnRef idx="1">
-              <a:schemeClr val="accent1"/>
-            </a:lnRef>
-            <a:fillRef idx="0">
-              <a:schemeClr val="accent1"/>
-            </a:fillRef>
-            <a:effectRef idx="0">
-              <a:schemeClr val="accent1"/>
-            </a:effectRef>
-            <a:fontRef idx="minor">
-              <a:schemeClr val="tx1"/>
-            </a:fontRef>
-          </p:style>
-        </p:cxnSp>
-        <p:cxnSp>
-          <p:nvCxnSpPr>
-            <p:cNvPr id="80" name="Curved Connector 79"/>
-            <p:cNvCxnSpPr>
-              <a:cxnSpLocks/>
-              <a:stCxn id="59" idx="2"/>
-              <a:endCxn id="56" idx="0"/>
-            </p:cNvCxnSpPr>
-            <p:nvPr/>
-          </p:nvCxnSpPr>
-          <p:spPr>
-            <a:xfrm rot="16200000" flipH="1">
-              <a:off x="8401907" y="4555813"/>
-              <a:ext cx="1504979" cy="70658"/>
-            </a:xfrm>
-            <a:prstGeom prst="curvedConnector3">
-              <a:avLst>
-                <a:gd name="adj1" fmla="val 50000"/>
-              </a:avLst>
-            </a:prstGeom>
-            <a:ln>
-              <a:tailEnd type="triangle"/>
-            </a:ln>
-          </p:spPr>
-          <p:style>
-            <a:lnRef idx="1">
-              <a:schemeClr val="accent1"/>
-            </a:lnRef>
-            <a:fillRef idx="0">
-              <a:schemeClr val="accent1"/>
-            </a:fillRef>
-            <a:effectRef idx="0">
-              <a:schemeClr val="accent1"/>
-            </a:effectRef>
-            <a:fontRef idx="minor">
-              <a:schemeClr val="tx1"/>
-            </a:fontRef>
-          </p:style>
-        </p:cxnSp>
-        <p:sp>
-          <p:nvSpPr>
-            <p:cNvPr id="82" name="Rounded Rectangle 81"/>
-            <p:cNvSpPr/>
-            <p:nvPr/>
-          </p:nvSpPr>
-          <p:spPr>
-            <a:xfrm>
-              <a:off x="9344982" y="5871323"/>
-              <a:ext cx="1389260" cy="361051"/>
-            </a:xfrm>
-            <a:prstGeom prst="roundRect">
-              <a:avLst/>
-            </a:prstGeom>
-            <a:solidFill>
-              <a:schemeClr val="accent1">
-                <a:lumMod val="20000"/>
-                <a:lumOff val="80000"/>
-              </a:schemeClr>
-            </a:solidFill>
-          </p:spPr>
-          <p:style>
-            <a:lnRef idx="2">
-              <a:schemeClr val="accent1">
-                <a:shade val="50000"/>
-              </a:schemeClr>
-            </a:lnRef>
-            <a:fillRef idx="1">
-              <a:schemeClr val="accent1"/>
-            </a:fillRef>
-            <a:effectRef idx="0">
-              <a:schemeClr val="accent1"/>
-            </a:effectRef>
-            <a:fontRef idx="minor">
-              <a:schemeClr val="lt1"/>
-            </a:fontRef>
-          </p:style>
-          <p:txBody>
-            <a:bodyPr rtlCol="0" anchor="ctr"/>
-            <a:lstStyle/>
-            <a:p>
-              <a:pPr algn="ctr"/>
-              <a:r>
-                <a:rPr lang="en-US" sz="1200" dirty="0" err="1">
-                  <a:solidFill>
-                    <a:schemeClr val="tx1"/>
-                  </a:solidFill>
-                </a:rPr>
-                <a:t>csvscan</a:t>
-              </a:r>
-              <a:endParaRPr lang="en-US" sz="1200" dirty="0">
-                <a:solidFill>
-                  <a:schemeClr val="tx1"/>
-                </a:solidFill>
-              </a:endParaRPr>
-            </a:p>
-          </p:txBody>
-        </p:sp>
-        <p:sp>
-          <p:nvSpPr>
-            <p:cNvPr id="83" name="Rounded Rectangle 82"/>
-            <p:cNvSpPr/>
-            <p:nvPr/>
-          </p:nvSpPr>
-          <p:spPr>
-            <a:xfrm>
-              <a:off x="10349236" y="4957247"/>
-              <a:ext cx="1389260" cy="361051"/>
-            </a:xfrm>
-            <a:prstGeom prst="roundRect">
-              <a:avLst/>
-            </a:prstGeom>
-            <a:solidFill>
-              <a:schemeClr val="accent1">
-                <a:lumMod val="20000"/>
-                <a:lumOff val="80000"/>
-              </a:schemeClr>
-            </a:solidFill>
-          </p:spPr>
-          <p:style>
-            <a:lnRef idx="2">
-              <a:schemeClr val="accent1">
-                <a:shade val="50000"/>
-              </a:schemeClr>
-            </a:lnRef>
-            <a:fillRef idx="1">
-              <a:schemeClr val="accent1"/>
-            </a:fillRef>
-            <a:effectRef idx="0">
-              <a:schemeClr val="accent1"/>
-            </a:effectRef>
-            <a:fontRef idx="minor">
-              <a:schemeClr val="lt1"/>
-            </a:fontRef>
-          </p:style>
-          <p:txBody>
-            <a:bodyPr rtlCol="0" anchor="ctr"/>
-            <a:lstStyle/>
-            <a:p>
-              <a:pPr algn="ctr"/>
-              <a:r>
-                <a:rPr lang="en-US" sz="1200" dirty="0" err="1">
-                  <a:solidFill>
-                    <a:schemeClr val="tx1"/>
-                  </a:solidFill>
-                </a:rPr>
-                <a:t>geomcell</a:t>
-              </a:r>
-              <a:endParaRPr lang="en-US" sz="1200" dirty="0">
-                <a:solidFill>
-                  <a:schemeClr val="tx1"/>
-                </a:solidFill>
-              </a:endParaRPr>
-            </a:p>
-          </p:txBody>
-        </p:sp>
-        <p:sp>
-          <p:nvSpPr>
-            <p:cNvPr id="85" name="Rounded Rectangle 84"/>
-            <p:cNvSpPr/>
-            <p:nvPr/>
-          </p:nvSpPr>
-          <p:spPr>
-            <a:xfrm>
-              <a:off x="9444214" y="4170418"/>
-              <a:ext cx="1389260" cy="361051"/>
-            </a:xfrm>
-            <a:prstGeom prst="roundRect">
-              <a:avLst/>
-            </a:prstGeom>
-            <a:solidFill>
-              <a:schemeClr val="accent1">
-                <a:lumMod val="20000"/>
-                <a:lumOff val="80000"/>
-              </a:schemeClr>
-            </a:solidFill>
-          </p:spPr>
-          <p:style>
-            <a:lnRef idx="2">
-              <a:schemeClr val="accent1">
-                <a:shade val="50000"/>
-              </a:schemeClr>
-            </a:lnRef>
-            <a:fillRef idx="1">
-              <a:schemeClr val="accent1"/>
-            </a:fillRef>
-            <a:effectRef idx="0">
-              <a:schemeClr val="accent1"/>
-            </a:effectRef>
-            <a:fontRef idx="minor">
-              <a:schemeClr val="lt1"/>
-            </a:fontRef>
-          </p:style>
-          <p:txBody>
-            <a:bodyPr rtlCol="0" anchor="ctr"/>
-            <a:lstStyle/>
-            <a:p>
-              <a:pPr algn="ctr"/>
-              <a:r>
-                <a:rPr lang="en-US" sz="1200" dirty="0" err="1">
-                  <a:solidFill>
-                    <a:schemeClr val="tx1"/>
-                  </a:solidFill>
-                </a:rPr>
-                <a:t>geom</a:t>
-              </a:r>
-              <a:endParaRPr lang="en-US" sz="1200" dirty="0">
-                <a:solidFill>
-                  <a:schemeClr val="tx1"/>
-                </a:solidFill>
-              </a:endParaRPr>
-            </a:p>
-          </p:txBody>
-        </p:sp>
-        <p:cxnSp>
-          <p:nvCxnSpPr>
-            <p:cNvPr id="94" name="Curved Connector 93"/>
-            <p:cNvCxnSpPr>
-              <a:cxnSpLocks/>
-              <a:stCxn id="54" idx="2"/>
-              <a:endCxn id="85" idx="0"/>
-            </p:cNvCxnSpPr>
-            <p:nvPr/>
-          </p:nvCxnSpPr>
-          <p:spPr>
-            <a:xfrm rot="16200000" flipH="1">
-              <a:off x="9452433" y="3484007"/>
-              <a:ext cx="1047674" cy="325148"/>
-            </a:xfrm>
-            <a:prstGeom prst="curvedConnector3">
-              <a:avLst/>
-            </a:prstGeom>
-            <a:ln>
-              <a:tailEnd type="triangle"/>
-            </a:ln>
-          </p:spPr>
-          <p:style>
-            <a:lnRef idx="1">
-              <a:schemeClr val="accent1"/>
-            </a:lnRef>
-            <a:fillRef idx="0">
-              <a:schemeClr val="accent1"/>
-            </a:fillRef>
-            <a:effectRef idx="0">
-              <a:schemeClr val="accent1"/>
-            </a:effectRef>
-            <a:fontRef idx="minor">
-              <a:schemeClr val="tx1"/>
-            </a:fontRef>
-          </p:style>
-        </p:cxnSp>
-        <p:cxnSp>
-          <p:nvCxnSpPr>
-            <p:cNvPr id="96" name="Curved Connector 95"/>
-            <p:cNvCxnSpPr>
-              <a:stCxn id="83" idx="2"/>
-              <a:endCxn id="82" idx="0"/>
-            </p:cNvCxnSpPr>
-            <p:nvPr/>
-          </p:nvCxnSpPr>
-          <p:spPr>
-            <a:xfrm rot="5400000">
-              <a:off x="10265227" y="5092683"/>
-              <a:ext cx="553025" cy="1004254"/>
-            </a:xfrm>
-            <a:prstGeom prst="curvedConnector3">
-              <a:avLst>
-                <a:gd name="adj1" fmla="val 50000"/>
-              </a:avLst>
-            </a:prstGeom>
-            <a:ln>
-              <a:tailEnd type="triangle"/>
-            </a:ln>
-          </p:spPr>
-          <p:style>
-            <a:lnRef idx="1">
-              <a:schemeClr val="accent1"/>
-            </a:lnRef>
-            <a:fillRef idx="0">
-              <a:schemeClr val="accent1"/>
-            </a:fillRef>
-            <a:effectRef idx="0">
-              <a:schemeClr val="accent1"/>
-            </a:effectRef>
-            <a:fontRef idx="minor">
-              <a:schemeClr val="tx1"/>
-            </a:fontRef>
-          </p:style>
-        </p:cxnSp>
-        <p:cxnSp>
-          <p:nvCxnSpPr>
-            <p:cNvPr id="97" name="Curved Connector 96"/>
-            <p:cNvCxnSpPr>
-              <a:stCxn id="85" idx="2"/>
-              <a:endCxn id="82" idx="0"/>
-            </p:cNvCxnSpPr>
-            <p:nvPr/>
-          </p:nvCxnSpPr>
-          <p:spPr>
-            <a:xfrm rot="5400000">
-              <a:off x="9419301" y="5151780"/>
-              <a:ext cx="1339854" cy="99232"/>
-            </a:xfrm>
-            <a:prstGeom prst="curvedConnector3">
-              <a:avLst>
-                <a:gd name="adj1" fmla="val 50000"/>
-              </a:avLst>
-            </a:prstGeom>
-            <a:ln>
-              <a:tailEnd type="triangle"/>
-            </a:ln>
-          </p:spPr>
-          <p:style>
-            <a:lnRef idx="1">
-              <a:schemeClr val="accent1"/>
-            </a:lnRef>
-            <a:fillRef idx="0">
-              <a:schemeClr val="accent1"/>
-            </a:fillRef>
-            <a:effectRef idx="0">
-              <a:schemeClr val="accent1"/>
-            </a:effectRef>
-            <a:fontRef idx="minor">
-              <a:schemeClr val="tx1"/>
-            </a:fontRef>
-          </p:style>
-        </p:cxnSp>
-        <p:sp>
-          <p:nvSpPr>
-            <p:cNvPr id="189" name="Rectangle 188"/>
-            <p:cNvSpPr/>
-            <p:nvPr/>
-          </p:nvSpPr>
-          <p:spPr>
-            <a:xfrm>
-              <a:off x="9468918" y="2077941"/>
-              <a:ext cx="756754" cy="361050"/>
-            </a:xfrm>
-            <a:prstGeom prst="rect">
-              <a:avLst/>
-            </a:prstGeom>
-            <a:solidFill>
-              <a:srgbClr val="FBE5D6">
-                <a:alpha val="61176"/>
-              </a:srgbClr>
-            </a:solidFill>
-          </p:spPr>
-          <p:style>
-            <a:lnRef idx="2">
-              <a:schemeClr val="accent1">
-                <a:shade val="50000"/>
-              </a:schemeClr>
-            </a:lnRef>
-            <a:fillRef idx="1">
-              <a:schemeClr val="accent1"/>
-            </a:fillRef>
-            <a:effectRef idx="0">
-              <a:schemeClr val="accent1"/>
-            </a:effectRef>
-            <a:fontRef idx="minor">
-              <a:schemeClr val="lt1"/>
-            </a:fontRef>
-          </p:style>
-          <p:txBody>
-            <a:bodyPr rtlCol="0" anchor="ctr"/>
-            <a:lstStyle/>
-            <a:p>
-              <a:pPr algn="ctr"/>
-              <a:endParaRPr lang="en-US" sz="2034"/>
-            </a:p>
-          </p:txBody>
-        </p:sp>
-      </p:grpSp>
-      <p:sp>
-        <p:nvSpPr>
-          <p:cNvPr id="246" name="Rounded Rectangle 245"/>
-          <p:cNvSpPr/>
-          <p:nvPr/>
-        </p:nvSpPr>
-        <p:spPr>
-          <a:xfrm>
-            <a:off x="5784931" y="2887852"/>
-            <a:ext cx="1336335" cy="363392"/>
-          </a:xfrm>
-          <a:prstGeom prst="roundRect">
-            <a:avLst/>
-          </a:prstGeom>
-          <a:solidFill>
-            <a:schemeClr val="accent6">
-              <a:lumMod val="20000"/>
-              <a:lumOff val="80000"/>
-            </a:schemeClr>
-          </a:solidFill>
-        </p:spPr>
-        <p:style>
-          <a:lnRef idx="2">
-            <a:schemeClr val="accent1">
-              <a:shade val="50000"/>
-            </a:schemeClr>
-          </a:lnRef>
-          <a:fillRef idx="1">
-            <a:schemeClr val="accent1"/>
-          </a:fillRef>
-          <a:effectRef idx="0">
-            <a:schemeClr val="accent1"/>
-          </a:effectRef>
-          <a:fontRef idx="minor">
-            <a:schemeClr val="lt1"/>
-          </a:fontRef>
-        </p:style>
-        <p:txBody>
-          <a:bodyPr rtlCol="0" anchor="ctr"/>
-          <a:lstStyle/>
-          <a:p>
-            <a:pPr algn="ctr"/>
-            <a:r>
-              <a:rPr lang="en-US" sz="1200" dirty="0">
-                <a:solidFill>
-                  <a:schemeClr val="tx1"/>
-                </a:solidFill>
-              </a:rPr>
-              <a:t>image masks</a:t>
-            </a:r>
-          </a:p>
-        </p:txBody>
-      </p:sp>
-      <p:cxnSp>
-        <p:nvCxnSpPr>
-          <p:cNvPr id="247" name="Curved Connector 246"/>
-          <p:cNvCxnSpPr>
-            <a:stCxn id="116" idx="3"/>
-            <a:endCxn id="246" idx="1"/>
-          </p:cNvCxnSpPr>
-          <p:nvPr/>
-        </p:nvCxnSpPr>
-        <p:spPr>
-          <a:xfrm>
-            <a:off x="3970169" y="2795541"/>
-            <a:ext cx="1814762" cy="274007"/>
-          </a:xfrm>
-          <a:prstGeom prst="curvedConnector3">
-            <a:avLst>
-              <a:gd name="adj1" fmla="val 50000"/>
-            </a:avLst>
-          </a:prstGeom>
-          <a:ln>
-            <a:tailEnd type="triangle"/>
-          </a:ln>
-        </p:spPr>
-        <p:style>
-          <a:lnRef idx="1">
-            <a:schemeClr val="accent1"/>
-          </a:lnRef>
-          <a:fillRef idx="0">
-            <a:schemeClr val="accent1"/>
-          </a:fillRef>
-          <a:effectRef idx="0">
-            <a:schemeClr val="accent1"/>
-          </a:effectRef>
-          <a:fontRef idx="minor">
-            <a:schemeClr val="tx1"/>
-          </a:fontRef>
-        </p:style>
-      </p:cxnSp>
-      <p:cxnSp>
-        <p:nvCxnSpPr>
-          <p:cNvPr id="255" name="Curved Connector 254"/>
-          <p:cNvCxnSpPr>
-            <a:stCxn id="246" idx="3"/>
-            <a:endCxn id="189" idx="1"/>
-          </p:cNvCxnSpPr>
-          <p:nvPr/>
-        </p:nvCxnSpPr>
-        <p:spPr>
-          <a:xfrm flipV="1">
-            <a:off x="7121266" y="2088260"/>
-            <a:ext cx="2314916" cy="981288"/>
-          </a:xfrm>
-          <a:prstGeom prst="curvedConnector3">
-            <a:avLst>
-              <a:gd name="adj1" fmla="val 60910"/>
-            </a:avLst>
-          </a:prstGeom>
-          <a:ln>
-            <a:tailEnd type="triangle"/>
-          </a:ln>
-        </p:spPr>
-        <p:style>
-          <a:lnRef idx="1">
-            <a:schemeClr val="accent1"/>
-          </a:lnRef>
-          <a:fillRef idx="0">
-            <a:schemeClr val="accent1"/>
-          </a:fillRef>
-          <a:effectRef idx="0">
-            <a:schemeClr val="accent1"/>
-          </a:effectRef>
-          <a:fontRef idx="minor">
-            <a:schemeClr val="tx1"/>
-          </a:fontRef>
-        </p:style>
-      </p:cxnSp>
-      <p:sp>
-        <p:nvSpPr>
-          <p:cNvPr id="137" name="Rounded Rectangle 136"/>
-          <p:cNvSpPr/>
-          <p:nvPr/>
-        </p:nvSpPr>
-        <p:spPr>
-          <a:xfrm>
-            <a:off x="16599766" y="452503"/>
-            <a:ext cx="1389260" cy="361051"/>
-          </a:xfrm>
-          <a:prstGeom prst="roundRect">
-            <a:avLst/>
-          </a:prstGeom>
-          <a:solidFill>
-            <a:schemeClr val="accent6">
-              <a:lumMod val="20000"/>
-              <a:lumOff val="80000"/>
-            </a:schemeClr>
-          </a:solidFill>
-        </p:spPr>
-        <p:style>
-          <a:lnRef idx="2">
-            <a:schemeClr val="accent1">
-              <a:shade val="50000"/>
-            </a:schemeClr>
-          </a:lnRef>
-          <a:fillRef idx="1">
-            <a:schemeClr val="accent1"/>
-          </a:fillRef>
-          <a:effectRef idx="0">
-            <a:schemeClr val="accent1"/>
-          </a:effectRef>
-          <a:fontRef idx="minor">
-            <a:schemeClr val="lt1"/>
-          </a:fontRef>
-        </p:style>
-        <p:txBody>
-          <a:bodyPr rtlCol="0" anchor="ctr"/>
-          <a:lstStyle/>
-          <a:p>
-            <a:pPr algn="ctr"/>
-            <a:r>
-              <a:rPr lang="en-US" sz="1200" dirty="0">
-                <a:solidFill>
-                  <a:schemeClr val="tx1"/>
-                </a:solidFill>
-              </a:rPr>
-              <a:t>Clinical</a:t>
-            </a:r>
-          </a:p>
-        </p:txBody>
-      </p:sp>
-      <p:grpSp>
-        <p:nvGrpSpPr>
-          <p:cNvPr id="155" name="Group 154"/>
-          <p:cNvGrpSpPr/>
-          <p:nvPr/>
-        </p:nvGrpSpPr>
-        <p:grpSpPr>
-          <a:xfrm>
-            <a:off x="13353229" y="4984898"/>
-            <a:ext cx="1371600" cy="914400"/>
-            <a:chOff x="3579652" y="184889"/>
-            <a:chExt cx="1371600" cy="914400"/>
-          </a:xfrm>
-        </p:grpSpPr>
-        <p:sp>
-          <p:nvSpPr>
-            <p:cNvPr id="167" name="Rectangle 166"/>
-            <p:cNvSpPr/>
-            <p:nvPr/>
-          </p:nvSpPr>
-          <p:spPr>
-            <a:xfrm>
-              <a:off x="3579652" y="184889"/>
-              <a:ext cx="1371600" cy="914400"/>
-            </a:xfrm>
-            <a:prstGeom prst="rect">
-              <a:avLst/>
-            </a:prstGeom>
-            <a:solidFill>
-              <a:schemeClr val="bg1">
-                <a:lumMod val="95000"/>
-              </a:schemeClr>
-            </a:solidFill>
-          </p:spPr>
-          <p:style>
-            <a:lnRef idx="2">
-              <a:schemeClr val="accent1">
-                <a:shade val="50000"/>
-              </a:schemeClr>
-            </a:lnRef>
-            <a:fillRef idx="1">
-              <a:schemeClr val="accent1"/>
-            </a:fillRef>
-            <a:effectRef idx="0">
-              <a:schemeClr val="accent1"/>
-            </a:effectRef>
-            <a:fontRef idx="minor">
-              <a:schemeClr val="lt1"/>
-            </a:fontRef>
-          </p:style>
-          <p:txBody>
-            <a:bodyPr rtlCol="0" anchor="ctr"/>
-            <a:lstStyle/>
-            <a:p>
-              <a:pPr algn="ctr"/>
-              <a:endParaRPr lang="en-US" sz="2034"/>
-            </a:p>
-          </p:txBody>
-        </p:sp>
-        <p:sp>
-          <p:nvSpPr>
-            <p:cNvPr id="168" name="Rounded Rectangle 167"/>
-            <p:cNvSpPr/>
-            <p:nvPr/>
-          </p:nvSpPr>
-          <p:spPr>
-            <a:xfrm>
-              <a:off x="3686627" y="311001"/>
-              <a:ext cx="914400" cy="365760"/>
-            </a:xfrm>
-            <a:prstGeom prst="roundRect">
-              <a:avLst/>
-            </a:prstGeom>
-            <a:solidFill>
-              <a:schemeClr val="accent6">
-                <a:lumMod val="20000"/>
-                <a:lumOff val="80000"/>
-              </a:schemeClr>
-            </a:solidFill>
-          </p:spPr>
-          <p:style>
-            <a:lnRef idx="2">
-              <a:schemeClr val="accent1">
-                <a:shade val="50000"/>
-              </a:schemeClr>
-            </a:lnRef>
-            <a:fillRef idx="1">
-              <a:schemeClr val="accent1"/>
-            </a:fillRef>
-            <a:effectRef idx="0">
-              <a:schemeClr val="accent1"/>
-            </a:effectRef>
-            <a:fontRef idx="minor">
-              <a:schemeClr val="lt1"/>
-            </a:fontRef>
-          </p:style>
-          <p:txBody>
-            <a:bodyPr rtlCol="0" anchor="ctr"/>
-            <a:lstStyle/>
-            <a:p>
-              <a:pPr algn="ctr"/>
-              <a:r>
-                <a:rPr lang="en-US" sz="1200" dirty="0" err="1">
-                  <a:solidFill>
-                    <a:schemeClr val="tx1"/>
-                  </a:solidFill>
-                </a:rPr>
-                <a:t>SampleDB</a:t>
-              </a:r>
-              <a:endParaRPr lang="en-US" sz="1200" dirty="0">
-                <a:solidFill>
-                  <a:schemeClr val="tx1"/>
-                </a:solidFill>
-              </a:endParaRPr>
-            </a:p>
-          </p:txBody>
-        </p:sp>
-        <p:sp>
-          <p:nvSpPr>
-            <p:cNvPr id="169" name="Rounded Rectangle 168"/>
-            <p:cNvSpPr/>
-            <p:nvPr/>
-          </p:nvSpPr>
-          <p:spPr>
-            <a:xfrm>
-              <a:off x="3839027" y="463401"/>
-              <a:ext cx="914400" cy="365760"/>
-            </a:xfrm>
-            <a:prstGeom prst="roundRect">
-              <a:avLst/>
-            </a:prstGeom>
-            <a:solidFill>
-              <a:schemeClr val="accent6">
-                <a:lumMod val="20000"/>
-                <a:lumOff val="80000"/>
-              </a:schemeClr>
-            </a:solidFill>
-          </p:spPr>
-          <p:style>
-            <a:lnRef idx="2">
-              <a:schemeClr val="accent1">
-                <a:shade val="50000"/>
-              </a:schemeClr>
-            </a:lnRef>
-            <a:fillRef idx="1">
-              <a:schemeClr val="accent1"/>
-            </a:fillRef>
-            <a:effectRef idx="0">
-              <a:schemeClr val="accent1"/>
-            </a:effectRef>
-            <a:fontRef idx="minor">
-              <a:schemeClr val="lt1"/>
-            </a:fontRef>
-          </p:style>
-          <p:txBody>
-            <a:bodyPr rtlCol="0" anchor="ctr"/>
-            <a:lstStyle/>
-            <a:p>
-              <a:pPr algn="ctr"/>
-              <a:r>
-                <a:rPr lang="en-US" sz="1200" dirty="0" err="1">
-                  <a:solidFill>
-                    <a:schemeClr val="tx1"/>
-                  </a:solidFill>
-                </a:rPr>
-                <a:t>SampleDB</a:t>
-              </a:r>
-              <a:endParaRPr lang="en-US" sz="1200" dirty="0">
-                <a:solidFill>
-                  <a:schemeClr val="tx1"/>
-                </a:solidFill>
-              </a:endParaRPr>
-            </a:p>
-          </p:txBody>
-        </p:sp>
-        <p:sp>
-          <p:nvSpPr>
-            <p:cNvPr id="170" name="Rounded Rectangle 169"/>
-            <p:cNvSpPr/>
-            <p:nvPr/>
-          </p:nvSpPr>
-          <p:spPr>
-            <a:xfrm>
-              <a:off x="3991427" y="615801"/>
-              <a:ext cx="914400" cy="365760"/>
-            </a:xfrm>
-            <a:prstGeom prst="roundRect">
-              <a:avLst/>
-            </a:prstGeom>
-            <a:solidFill>
-              <a:schemeClr val="accent6">
-                <a:lumMod val="20000"/>
-                <a:lumOff val="80000"/>
-              </a:schemeClr>
-            </a:solidFill>
-          </p:spPr>
-          <p:style>
-            <a:lnRef idx="2">
-              <a:schemeClr val="accent1">
-                <a:shade val="50000"/>
-              </a:schemeClr>
-            </a:lnRef>
-            <a:fillRef idx="1">
-              <a:schemeClr val="accent1"/>
-            </a:fillRef>
-            <a:effectRef idx="0">
-              <a:schemeClr val="accent1"/>
-            </a:effectRef>
-            <a:fontRef idx="minor">
-              <a:schemeClr val="lt1"/>
-            </a:fontRef>
-          </p:style>
-          <p:txBody>
-            <a:bodyPr rtlCol="0" anchor="ctr"/>
-            <a:lstStyle/>
-            <a:p>
-              <a:pPr algn="ctr"/>
-              <a:r>
-                <a:rPr lang="en-US" sz="1200" dirty="0" err="1">
-                  <a:solidFill>
-                    <a:schemeClr val="tx1"/>
-                  </a:solidFill>
-                </a:rPr>
-                <a:t>SampleDB</a:t>
-              </a:r>
-              <a:endParaRPr lang="en-US" sz="1200" dirty="0">
-                <a:solidFill>
-                  <a:schemeClr val="tx1"/>
-                </a:solidFill>
-              </a:endParaRPr>
-            </a:p>
-          </p:txBody>
-        </p:sp>
-      </p:grpSp>
-      <p:grpSp>
-        <p:nvGrpSpPr>
-          <p:cNvPr id="156" name="Group 155"/>
-          <p:cNvGrpSpPr/>
-          <p:nvPr/>
-        </p:nvGrpSpPr>
-        <p:grpSpPr>
-          <a:xfrm>
-            <a:off x="14477470" y="252494"/>
-            <a:ext cx="1371600" cy="914400"/>
-            <a:chOff x="5952286" y="-996887"/>
-            <a:chExt cx="1371600" cy="914400"/>
-          </a:xfrm>
-        </p:grpSpPr>
-        <p:grpSp>
-          <p:nvGrpSpPr>
-            <p:cNvPr id="161" name="Group 160"/>
-            <p:cNvGrpSpPr/>
-            <p:nvPr/>
-          </p:nvGrpSpPr>
-          <p:grpSpPr>
-            <a:xfrm>
-              <a:off x="5952286" y="-996887"/>
-              <a:ext cx="1371600" cy="914400"/>
-              <a:chOff x="3202728" y="-668941"/>
-              <a:chExt cx="2286000" cy="1600200"/>
-            </a:xfrm>
-          </p:grpSpPr>
-          <p:sp>
-            <p:nvSpPr>
-              <p:cNvPr id="164" name="Rectangle 163"/>
-              <p:cNvSpPr/>
-              <p:nvPr/>
-            </p:nvSpPr>
-            <p:spPr>
-              <a:xfrm>
-                <a:off x="3202728" y="-668941"/>
-                <a:ext cx="2286000" cy="1600200"/>
-              </a:xfrm>
-              <a:prstGeom prst="rect">
-                <a:avLst/>
-              </a:prstGeom>
-              <a:solidFill>
-                <a:schemeClr val="bg1">
-                  <a:lumMod val="95000"/>
-                </a:schemeClr>
-              </a:solidFill>
-            </p:spPr>
-            <p:style>
-              <a:lnRef idx="2">
-                <a:schemeClr val="accent1">
-                  <a:shade val="50000"/>
-                </a:schemeClr>
-              </a:lnRef>
-              <a:fillRef idx="1">
-                <a:schemeClr val="accent1"/>
-              </a:fillRef>
-              <a:effectRef idx="0">
-                <a:schemeClr val="accent1"/>
-              </a:effectRef>
-              <a:fontRef idx="minor">
-                <a:schemeClr val="lt1"/>
-              </a:fontRef>
-            </p:style>
-            <p:txBody>
-              <a:bodyPr rtlCol="0" anchor="ctr"/>
-              <a:lstStyle/>
-              <a:p>
-                <a:pPr algn="ctr"/>
-                <a:endParaRPr lang="en-US" sz="2034"/>
-              </a:p>
-            </p:txBody>
-          </p:sp>
-          <p:sp>
-            <p:nvSpPr>
-              <p:cNvPr id="165" name="Rounded Rectangle 164"/>
-              <p:cNvSpPr/>
-              <p:nvPr/>
-            </p:nvSpPr>
-            <p:spPr>
-              <a:xfrm>
-                <a:off x="3360993" y="-487424"/>
-                <a:ext cx="1524000" cy="640080"/>
-              </a:xfrm>
-              <a:prstGeom prst="roundRect">
-                <a:avLst/>
-              </a:prstGeom>
-              <a:solidFill>
-                <a:schemeClr val="accent6">
-                  <a:lumMod val="20000"/>
-                  <a:lumOff val="80000"/>
-                </a:schemeClr>
-              </a:solidFill>
-            </p:spPr>
-            <p:style>
-              <a:lnRef idx="2">
-                <a:schemeClr val="accent1">
-                  <a:shade val="50000"/>
-                </a:schemeClr>
-              </a:lnRef>
-              <a:fillRef idx="1">
-                <a:schemeClr val="accent1"/>
-              </a:fillRef>
-              <a:effectRef idx="0">
-                <a:schemeClr val="accent1"/>
-              </a:effectRef>
-              <a:fontRef idx="minor">
-                <a:schemeClr val="lt1"/>
-              </a:fontRef>
-            </p:style>
-            <p:txBody>
-              <a:bodyPr rtlCol="0" anchor="ctr"/>
-              <a:lstStyle/>
-              <a:p>
-                <a:pPr algn="ctr"/>
-                <a:r>
-                  <a:rPr lang="en-US" sz="1200" dirty="0">
-                    <a:solidFill>
-                      <a:schemeClr val="tx1"/>
-                    </a:solidFill>
-                  </a:rPr>
-                  <a:t>Control</a:t>
-                </a:r>
-              </a:p>
-            </p:txBody>
-          </p:sp>
-        </p:grpSp>
-        <p:sp>
-          <p:nvSpPr>
-            <p:cNvPr id="162" name="Rounded Rectangle 161"/>
-            <p:cNvSpPr/>
-            <p:nvPr/>
-          </p:nvSpPr>
-          <p:spPr>
-            <a:xfrm>
-              <a:off x="6199645" y="-740763"/>
-              <a:ext cx="914400" cy="365760"/>
-            </a:xfrm>
-            <a:prstGeom prst="roundRect">
-              <a:avLst/>
-            </a:prstGeom>
-            <a:solidFill>
-              <a:schemeClr val="accent6">
-                <a:lumMod val="20000"/>
-                <a:lumOff val="80000"/>
-              </a:schemeClr>
-            </a:solidFill>
-          </p:spPr>
-          <p:style>
-            <a:lnRef idx="2">
-              <a:schemeClr val="accent1">
-                <a:shade val="50000"/>
-              </a:schemeClr>
-            </a:lnRef>
-            <a:fillRef idx="1">
-              <a:schemeClr val="accent1"/>
-            </a:fillRef>
-            <a:effectRef idx="0">
-              <a:schemeClr val="accent1"/>
-            </a:effectRef>
-            <a:fontRef idx="minor">
-              <a:schemeClr val="lt1"/>
-            </a:fontRef>
-          </p:style>
-          <p:txBody>
-            <a:bodyPr rtlCol="0" anchor="ctr"/>
-            <a:lstStyle/>
-            <a:p>
-              <a:pPr algn="ctr"/>
-              <a:r>
-                <a:rPr lang="en-US" sz="1200" dirty="0">
-                  <a:solidFill>
-                    <a:schemeClr val="tx1"/>
-                  </a:solidFill>
-                </a:rPr>
-                <a:t>Control</a:t>
-              </a:r>
-            </a:p>
-          </p:txBody>
-        </p:sp>
-        <p:sp>
-          <p:nvSpPr>
-            <p:cNvPr id="163" name="Rounded Rectangle 162"/>
-            <p:cNvSpPr/>
-            <p:nvPr/>
-          </p:nvSpPr>
-          <p:spPr>
-            <a:xfrm>
-              <a:off x="6352045" y="-588363"/>
-              <a:ext cx="914400" cy="365760"/>
-            </a:xfrm>
-            <a:prstGeom prst="roundRect">
-              <a:avLst/>
-            </a:prstGeom>
-            <a:solidFill>
-              <a:schemeClr val="accent6">
-                <a:lumMod val="20000"/>
-                <a:lumOff val="80000"/>
-              </a:schemeClr>
-            </a:solidFill>
-          </p:spPr>
-          <p:style>
-            <a:lnRef idx="2">
-              <a:schemeClr val="accent1">
-                <a:shade val="50000"/>
-              </a:schemeClr>
-            </a:lnRef>
-            <a:fillRef idx="1">
-              <a:schemeClr val="accent1"/>
-            </a:fillRef>
-            <a:effectRef idx="0">
-              <a:schemeClr val="accent1"/>
-            </a:effectRef>
-            <a:fontRef idx="minor">
-              <a:schemeClr val="lt1"/>
-            </a:fontRef>
-          </p:style>
-          <p:txBody>
-            <a:bodyPr rtlCol="0" anchor="ctr"/>
-            <a:lstStyle/>
-            <a:p>
-              <a:pPr algn="ctr"/>
-              <a:r>
-                <a:rPr lang="en-US" sz="1200" dirty="0">
-                  <a:solidFill>
-                    <a:schemeClr val="tx1"/>
-                  </a:solidFill>
-                </a:rPr>
-                <a:t>Control</a:t>
-              </a:r>
-            </a:p>
-          </p:txBody>
-        </p:sp>
-      </p:grpSp>
-      <p:sp>
-        <p:nvSpPr>
-          <p:cNvPr id="157" name="Rounded Rectangle 156"/>
-          <p:cNvSpPr/>
-          <p:nvPr/>
-        </p:nvSpPr>
-        <p:spPr>
-          <a:xfrm>
-            <a:off x="16705860" y="6645894"/>
-            <a:ext cx="1389260" cy="361051"/>
-          </a:xfrm>
-          <a:prstGeom prst="roundRect">
-            <a:avLst/>
-          </a:prstGeom>
-          <a:solidFill>
-            <a:schemeClr val="accent6">
-              <a:lumMod val="40000"/>
-              <a:lumOff val="60000"/>
-            </a:schemeClr>
-          </a:solidFill>
-        </p:spPr>
-        <p:style>
-          <a:lnRef idx="2">
-            <a:schemeClr val="accent1">
-              <a:shade val="50000"/>
-            </a:schemeClr>
-          </a:lnRef>
-          <a:fillRef idx="1">
-            <a:schemeClr val="accent1"/>
-          </a:fillRef>
-          <a:effectRef idx="0">
-            <a:schemeClr val="accent1"/>
-          </a:effectRef>
-          <a:fontRef idx="minor">
-            <a:schemeClr val="lt1"/>
-          </a:fontRef>
-        </p:style>
-        <p:txBody>
-          <a:bodyPr rtlCol="0" anchor="ctr"/>
-          <a:lstStyle/>
-          <a:p>
-            <a:pPr algn="ctr"/>
-            <a:r>
-              <a:rPr lang="en-US" sz="1200" dirty="0" err="1">
-                <a:solidFill>
-                  <a:schemeClr val="tx1"/>
-                </a:solidFill>
-              </a:rPr>
-              <a:t>WSIxx</a:t>
-            </a:r>
-            <a:endParaRPr lang="en-US" sz="1200" dirty="0">
-              <a:solidFill>
-                <a:schemeClr val="tx1"/>
-              </a:solidFill>
-            </a:endParaRPr>
-          </a:p>
-        </p:txBody>
-      </p:sp>
-      <p:grpSp>
-        <p:nvGrpSpPr>
-          <p:cNvPr id="1164" name="Group 1163"/>
-          <p:cNvGrpSpPr/>
-          <p:nvPr/>
-        </p:nvGrpSpPr>
-        <p:grpSpPr>
-          <a:xfrm>
-            <a:off x="14724829" y="1653362"/>
-            <a:ext cx="1872909" cy="1104680"/>
-            <a:chOff x="14724829" y="1653362"/>
-            <a:chExt cx="1872909" cy="1104680"/>
-          </a:xfrm>
-        </p:grpSpPr>
-        <p:sp>
-          <p:nvSpPr>
-            <p:cNvPr id="1163" name="Rounded Rectangle 1162"/>
-            <p:cNvSpPr/>
-            <p:nvPr/>
-          </p:nvSpPr>
-          <p:spPr>
-            <a:xfrm>
-              <a:off x="14724829" y="1653362"/>
-              <a:ext cx="1872909" cy="1104680"/>
-            </a:xfrm>
-            <a:prstGeom prst="roundRect">
-              <a:avLst>
-                <a:gd name="adj" fmla="val 5054"/>
-              </a:avLst>
-            </a:prstGeom>
-            <a:solidFill>
-              <a:schemeClr val="bg1">
-                <a:lumMod val="85000"/>
-              </a:schemeClr>
-            </a:solidFill>
-          </p:spPr>
-          <p:style>
-            <a:lnRef idx="2">
-              <a:schemeClr val="accent1">
-                <a:shade val="50000"/>
-              </a:schemeClr>
-            </a:lnRef>
-            <a:fillRef idx="1">
-              <a:schemeClr val="accent1"/>
-            </a:fillRef>
-            <a:effectRef idx="0">
-              <a:schemeClr val="accent1"/>
-            </a:effectRef>
-            <a:fontRef idx="minor">
-              <a:schemeClr val="lt1"/>
-            </a:fontRef>
-          </p:style>
-          <p:txBody>
-            <a:bodyPr rtlCol="0" anchor="ctr"/>
-            <a:lstStyle/>
-            <a:p>
-              <a:pPr algn="ctr"/>
-              <a:endParaRPr lang="en-US"/>
-            </a:p>
-          </p:txBody>
-        </p:sp>
-        <p:sp>
-          <p:nvSpPr>
-            <p:cNvPr id="138" name="Rounded Rectangle 137"/>
-            <p:cNvSpPr/>
-            <p:nvPr/>
-          </p:nvSpPr>
-          <p:spPr>
-            <a:xfrm>
-              <a:off x="14804074" y="1742382"/>
-              <a:ext cx="1389260" cy="363648"/>
-            </a:xfrm>
-            <a:prstGeom prst="roundRect">
-              <a:avLst/>
-            </a:prstGeom>
-            <a:solidFill>
-              <a:schemeClr val="accent1">
-                <a:lumMod val="20000"/>
-                <a:lumOff val="80000"/>
-              </a:schemeClr>
-            </a:solidFill>
-          </p:spPr>
-          <p:style>
-            <a:lnRef idx="2">
-              <a:schemeClr val="accent1">
-                <a:shade val="50000"/>
-              </a:schemeClr>
-            </a:lnRef>
-            <a:fillRef idx="1">
-              <a:schemeClr val="accent1"/>
-            </a:fillRef>
-            <a:effectRef idx="0">
-              <a:schemeClr val="accent1"/>
-            </a:effectRef>
-            <a:fontRef idx="minor">
-              <a:schemeClr val="lt1"/>
-            </a:fontRef>
-          </p:style>
-          <p:txBody>
-            <a:bodyPr rtlCol="0" anchor="ctr"/>
-            <a:lstStyle/>
-            <a:p>
-              <a:pPr algn="ctr"/>
-              <a:r>
-                <a:rPr lang="en-US" sz="1200" dirty="0" err="1">
-                  <a:solidFill>
-                    <a:schemeClr val="tx1"/>
-                  </a:solidFill>
-                </a:rPr>
-                <a:t>runcalibration</a:t>
-              </a:r>
-              <a:endParaRPr lang="en-US" sz="1200" dirty="0">
-                <a:solidFill>
-                  <a:schemeClr val="tx1"/>
-                </a:solidFill>
-              </a:endParaRPr>
-            </a:p>
-          </p:txBody>
-        </p:sp>
-        <p:sp>
-          <p:nvSpPr>
-            <p:cNvPr id="139" name="Rounded Rectangle 138"/>
-            <p:cNvSpPr/>
-            <p:nvPr/>
-          </p:nvSpPr>
-          <p:spPr>
-            <a:xfrm>
-              <a:off x="15123437" y="2325323"/>
-              <a:ext cx="1389260" cy="363648"/>
-            </a:xfrm>
-            <a:prstGeom prst="roundRect">
-              <a:avLst/>
-            </a:prstGeom>
-            <a:solidFill>
-              <a:schemeClr val="accent1">
-                <a:lumMod val="20000"/>
-                <a:lumOff val="80000"/>
-              </a:schemeClr>
-            </a:solidFill>
-          </p:spPr>
-          <p:style>
-            <a:lnRef idx="2">
-              <a:schemeClr val="accent1">
-                <a:shade val="50000"/>
-              </a:schemeClr>
-            </a:lnRef>
-            <a:fillRef idx="1">
-              <a:schemeClr val="accent1"/>
-            </a:fillRef>
-            <a:effectRef idx="0">
-              <a:schemeClr val="accent1"/>
-            </a:effectRef>
-            <a:fontRef idx="minor">
-              <a:schemeClr val="lt1"/>
-            </a:fontRef>
-          </p:style>
-          <p:txBody>
-            <a:bodyPr rtlCol="0" anchor="ctr"/>
-            <a:lstStyle/>
-            <a:p>
-              <a:pPr algn="ctr"/>
-              <a:r>
-                <a:rPr lang="en-US" sz="1200" dirty="0" err="1">
-                  <a:solidFill>
-                    <a:schemeClr val="tx1"/>
-                  </a:solidFill>
-                </a:rPr>
-                <a:t>prepmerge</a:t>
-              </a:r>
-              <a:endParaRPr lang="en-US" sz="1200" dirty="0">
-                <a:solidFill>
-                  <a:schemeClr val="tx1"/>
-                </a:solidFill>
-              </a:endParaRPr>
-            </a:p>
-          </p:txBody>
-        </p:sp>
-        <p:cxnSp>
-          <p:nvCxnSpPr>
-            <p:cNvPr id="145" name="Curved Connector 144"/>
-            <p:cNvCxnSpPr>
-              <a:stCxn id="138" idx="2"/>
-              <a:endCxn id="139" idx="0"/>
-            </p:cNvCxnSpPr>
-            <p:nvPr/>
-          </p:nvCxnSpPr>
-          <p:spPr>
-            <a:xfrm rot="16200000" flipH="1">
-              <a:off x="15548739" y="2055994"/>
-              <a:ext cx="219293" cy="319363"/>
-            </a:xfrm>
-            <a:prstGeom prst="curvedConnector3">
-              <a:avLst/>
-            </a:prstGeom>
-            <a:ln>
-              <a:tailEnd type="triangle"/>
-            </a:ln>
-          </p:spPr>
-          <p:style>
-            <a:lnRef idx="1">
-              <a:schemeClr val="accent1"/>
-            </a:lnRef>
-            <a:fillRef idx="0">
-              <a:schemeClr val="accent1"/>
-            </a:fillRef>
-            <a:effectRef idx="0">
-              <a:schemeClr val="accent1"/>
-            </a:effectRef>
-            <a:fontRef idx="minor">
-              <a:schemeClr val="tx1"/>
-            </a:fontRef>
-          </p:style>
-        </p:cxnSp>
-      </p:grpSp>
-      <p:cxnSp>
-        <p:nvCxnSpPr>
-          <p:cNvPr id="146" name="Curved Connector 145"/>
-          <p:cNvCxnSpPr>
-            <a:stCxn id="139" idx="2"/>
-            <a:endCxn id="140" idx="0"/>
-          </p:cNvCxnSpPr>
-          <p:nvPr/>
-        </p:nvCxnSpPr>
-        <p:spPr>
-          <a:xfrm rot="16200000" flipH="1">
-            <a:off x="15769284" y="2737753"/>
-            <a:ext cx="332204" cy="234639"/>
-          </a:xfrm>
-          <a:prstGeom prst="curvedConnector3">
-            <a:avLst/>
-          </a:prstGeom>
-          <a:ln>
-            <a:tailEnd type="triangle"/>
-          </a:ln>
-        </p:spPr>
-        <p:style>
-          <a:lnRef idx="1">
-            <a:schemeClr val="accent1"/>
-          </a:lnRef>
-          <a:fillRef idx="0">
-            <a:schemeClr val="accent1"/>
-          </a:fillRef>
-          <a:effectRef idx="0">
-            <a:schemeClr val="accent1"/>
-          </a:effectRef>
-          <a:fontRef idx="minor">
-            <a:schemeClr val="tx1"/>
-          </a:fontRef>
-        </p:style>
-      </p:cxnSp>
-      <p:grpSp>
-        <p:nvGrpSpPr>
-          <p:cNvPr id="1162" name="Group 1161"/>
-          <p:cNvGrpSpPr/>
-          <p:nvPr/>
-        </p:nvGrpSpPr>
-        <p:grpSpPr>
-          <a:xfrm>
-            <a:off x="15242090" y="2908263"/>
-            <a:ext cx="2486760" cy="3432728"/>
-            <a:chOff x="15242090" y="2908263"/>
-            <a:chExt cx="2486760" cy="3432728"/>
-          </a:xfrm>
-        </p:grpSpPr>
-        <p:sp>
-          <p:nvSpPr>
-            <p:cNvPr id="995" name="Rounded Rectangle 994"/>
-            <p:cNvSpPr/>
-            <p:nvPr/>
-          </p:nvSpPr>
-          <p:spPr>
-            <a:xfrm>
-              <a:off x="15242090" y="2908263"/>
-              <a:ext cx="2486760" cy="3432728"/>
-            </a:xfrm>
-            <a:prstGeom prst="roundRect">
-              <a:avLst>
-                <a:gd name="adj" fmla="val 4271"/>
-              </a:avLst>
-            </a:prstGeom>
-            <a:solidFill>
-              <a:schemeClr val="bg1">
-                <a:lumMod val="85000"/>
-              </a:schemeClr>
-            </a:solidFill>
-          </p:spPr>
-          <p:style>
-            <a:lnRef idx="2">
-              <a:schemeClr val="accent1">
-                <a:shade val="50000"/>
-              </a:schemeClr>
-            </a:lnRef>
-            <a:fillRef idx="1">
-              <a:schemeClr val="accent1"/>
-            </a:fillRef>
-            <a:effectRef idx="0">
-              <a:schemeClr val="accent1"/>
-            </a:effectRef>
-            <a:fontRef idx="minor">
-              <a:schemeClr val="lt1"/>
-            </a:fontRef>
-          </p:style>
-          <p:txBody>
-            <a:bodyPr rtlCol="0" anchor="ctr"/>
-            <a:lstStyle/>
-            <a:p>
-              <a:pPr algn="ctr"/>
-              <a:endParaRPr lang="en-US"/>
-            </a:p>
-          </p:txBody>
-        </p:sp>
-        <p:sp>
-          <p:nvSpPr>
-            <p:cNvPr id="140" name="Rounded Rectangle 139"/>
-            <p:cNvSpPr/>
-            <p:nvPr/>
-          </p:nvSpPr>
-          <p:spPr>
-            <a:xfrm>
-              <a:off x="15358076" y="3021175"/>
-              <a:ext cx="1389260" cy="363648"/>
-            </a:xfrm>
-            <a:prstGeom prst="roundRect">
-              <a:avLst/>
-            </a:prstGeom>
-            <a:solidFill>
-              <a:srgbClr val="FFFF99"/>
-            </a:solidFill>
-          </p:spPr>
-          <p:style>
-            <a:lnRef idx="2">
-              <a:schemeClr val="accent1">
-                <a:shade val="50000"/>
-              </a:schemeClr>
-            </a:lnRef>
-            <a:fillRef idx="1">
-              <a:schemeClr val="accent1"/>
-            </a:fillRef>
-            <a:effectRef idx="0">
-              <a:schemeClr val="accent1"/>
-            </a:effectRef>
-            <a:fontRef idx="minor">
-              <a:schemeClr val="lt1"/>
-            </a:fontRef>
-          </p:style>
-          <p:txBody>
-            <a:bodyPr rtlCol="0" anchor="ctr"/>
-            <a:lstStyle/>
-            <a:p>
-              <a:pPr algn="ctr"/>
-              <a:r>
-                <a:rPr lang="en-US" sz="1200" dirty="0" err="1">
-                  <a:solidFill>
-                    <a:schemeClr val="tx1"/>
-                  </a:solidFill>
-                </a:rPr>
-                <a:t>createmerge</a:t>
-              </a:r>
-              <a:endParaRPr lang="en-US" sz="1200" dirty="0">
-                <a:solidFill>
-                  <a:schemeClr val="tx1"/>
-                </a:solidFill>
-              </a:endParaRPr>
-            </a:p>
-          </p:txBody>
-        </p:sp>
-        <p:sp>
-          <p:nvSpPr>
-            <p:cNvPr id="141" name="Rounded Rectangle 140"/>
-            <p:cNvSpPr/>
-            <p:nvPr/>
-          </p:nvSpPr>
-          <p:spPr>
-            <a:xfrm>
-              <a:off x="15772097" y="3528215"/>
-              <a:ext cx="1389260" cy="363648"/>
-            </a:xfrm>
-            <a:prstGeom prst="roundRect">
-              <a:avLst/>
-            </a:prstGeom>
-            <a:solidFill>
-              <a:srgbClr val="FFFF99"/>
-            </a:solidFill>
-          </p:spPr>
-          <p:style>
-            <a:lnRef idx="2">
-              <a:schemeClr val="accent1">
-                <a:shade val="50000"/>
-              </a:schemeClr>
-            </a:lnRef>
-            <a:fillRef idx="1">
-              <a:schemeClr val="accent1"/>
-            </a:fillRef>
-            <a:effectRef idx="0">
-              <a:schemeClr val="accent1"/>
-            </a:effectRef>
-            <a:fontRef idx="minor">
-              <a:schemeClr val="lt1"/>
-            </a:fontRef>
-          </p:style>
-          <p:txBody>
-            <a:bodyPr rtlCol="0" anchor="ctr"/>
-            <a:lstStyle/>
-            <a:p>
-              <a:pPr algn="ctr"/>
-              <a:r>
-                <a:rPr lang="en-US" sz="1200" dirty="0" err="1">
-                  <a:solidFill>
-                    <a:schemeClr val="tx1"/>
-                  </a:solidFill>
-                </a:rPr>
-                <a:t>loadmergedb</a:t>
-              </a:r>
-              <a:endParaRPr lang="en-US" sz="1200" dirty="0">
-                <a:solidFill>
-                  <a:schemeClr val="tx1"/>
-                </a:solidFill>
-              </a:endParaRPr>
-            </a:p>
-          </p:txBody>
-        </p:sp>
-        <p:cxnSp>
-          <p:nvCxnSpPr>
-            <p:cNvPr id="147" name="Curved Connector 146"/>
-            <p:cNvCxnSpPr>
-              <a:stCxn id="140" idx="2"/>
-              <a:endCxn id="141" idx="0"/>
-            </p:cNvCxnSpPr>
-            <p:nvPr/>
-          </p:nvCxnSpPr>
-          <p:spPr>
-            <a:xfrm rot="16200000" flipH="1">
-              <a:off x="16188020" y="3249508"/>
-              <a:ext cx="143392" cy="414021"/>
-            </a:xfrm>
-            <a:prstGeom prst="curvedConnector3">
-              <a:avLst>
-                <a:gd name="adj1" fmla="val 50000"/>
-              </a:avLst>
-            </a:prstGeom>
-            <a:ln>
-              <a:tailEnd type="triangle"/>
-            </a:ln>
-          </p:spPr>
-          <p:style>
-            <a:lnRef idx="1">
-              <a:schemeClr val="accent1"/>
-            </a:lnRef>
-            <a:fillRef idx="0">
-              <a:schemeClr val="accent1"/>
-            </a:fillRef>
-            <a:effectRef idx="0">
-              <a:schemeClr val="accent1"/>
-            </a:effectRef>
-            <a:fontRef idx="minor">
-              <a:schemeClr val="tx1"/>
-            </a:fontRef>
-          </p:style>
-        </p:cxnSp>
-        <p:sp>
-          <p:nvSpPr>
-            <p:cNvPr id="151" name="Rounded Rectangle 150"/>
-            <p:cNvSpPr/>
-            <p:nvPr/>
-          </p:nvSpPr>
-          <p:spPr>
-            <a:xfrm>
-              <a:off x="15903108" y="4862720"/>
-              <a:ext cx="1389260" cy="363648"/>
-            </a:xfrm>
-            <a:prstGeom prst="roundRect">
-              <a:avLst/>
-            </a:prstGeom>
-            <a:solidFill>
-              <a:srgbClr val="FFFF99"/>
-            </a:solidFill>
-          </p:spPr>
-          <p:style>
-            <a:lnRef idx="2">
-              <a:schemeClr val="accent1">
-                <a:shade val="50000"/>
-              </a:schemeClr>
-            </a:lnRef>
-            <a:fillRef idx="1">
-              <a:schemeClr val="accent1"/>
-            </a:fillRef>
-            <a:effectRef idx="0">
-              <a:schemeClr val="accent1"/>
-            </a:effectRef>
-            <a:fontRef idx="minor">
-              <a:schemeClr val="lt1"/>
-            </a:fontRef>
-          </p:style>
-          <p:txBody>
-            <a:bodyPr rtlCol="0" anchor="ctr"/>
-            <a:lstStyle/>
-            <a:p>
-              <a:pPr algn="ctr"/>
-              <a:r>
-                <a:rPr lang="en-US" sz="1200" dirty="0" err="1">
-                  <a:solidFill>
-                    <a:schemeClr val="tx1"/>
-                  </a:solidFill>
-                </a:rPr>
-                <a:t>zindex</a:t>
-              </a:r>
-              <a:endParaRPr lang="en-US" sz="1200" dirty="0">
-                <a:solidFill>
-                  <a:schemeClr val="tx1"/>
-                </a:solidFill>
-              </a:endParaRPr>
-            </a:p>
-          </p:txBody>
-        </p:sp>
-        <p:sp>
-          <p:nvSpPr>
-            <p:cNvPr id="152" name="Rounded Rectangle 151"/>
-            <p:cNvSpPr/>
-            <p:nvPr/>
-          </p:nvSpPr>
-          <p:spPr>
-            <a:xfrm>
-              <a:off x="16250364" y="4136287"/>
-              <a:ext cx="1389260" cy="363648"/>
-            </a:xfrm>
-            <a:prstGeom prst="roundRect">
-              <a:avLst/>
-            </a:prstGeom>
-            <a:solidFill>
-              <a:srgbClr val="FFFF99"/>
-            </a:solidFill>
-          </p:spPr>
-          <p:style>
-            <a:lnRef idx="2">
-              <a:schemeClr val="accent1">
-                <a:shade val="50000"/>
-              </a:schemeClr>
-            </a:lnRef>
-            <a:fillRef idx="1">
-              <a:schemeClr val="accent1"/>
-            </a:fillRef>
-            <a:effectRef idx="0">
-              <a:schemeClr val="accent1"/>
-            </a:effectRef>
-            <a:fontRef idx="minor">
-              <a:schemeClr val="lt1"/>
-            </a:fontRef>
-          </p:style>
-          <p:txBody>
-            <a:bodyPr rtlCol="0" anchor="ctr"/>
-            <a:lstStyle/>
-            <a:p>
-              <a:pPr algn="ctr"/>
-              <a:r>
-                <a:rPr lang="en-US" sz="1200" dirty="0" err="1">
-                  <a:solidFill>
-                    <a:schemeClr val="tx1"/>
-                  </a:solidFill>
-                </a:rPr>
-                <a:t>celltag</a:t>
-              </a:r>
-              <a:endParaRPr lang="en-US" sz="1200" dirty="0">
-                <a:solidFill>
-                  <a:schemeClr val="tx1"/>
-                </a:solidFill>
-              </a:endParaRPr>
-            </a:p>
-          </p:txBody>
-        </p:sp>
-        <p:cxnSp>
-          <p:nvCxnSpPr>
-            <p:cNvPr id="153" name="Curved Connector 152"/>
-            <p:cNvCxnSpPr>
-              <a:stCxn id="141" idx="2"/>
-              <a:endCxn id="152" idx="0"/>
-            </p:cNvCxnSpPr>
-            <p:nvPr/>
-          </p:nvCxnSpPr>
-          <p:spPr>
-            <a:xfrm rot="16200000" flipH="1">
-              <a:off x="16583648" y="3774941"/>
-              <a:ext cx="244424" cy="478267"/>
-            </a:xfrm>
-            <a:prstGeom prst="curvedConnector3">
-              <a:avLst/>
-            </a:prstGeom>
-            <a:ln>
-              <a:tailEnd type="triangle"/>
-            </a:ln>
-          </p:spPr>
-          <p:style>
-            <a:lnRef idx="1">
-              <a:schemeClr val="accent1"/>
-            </a:lnRef>
-            <a:fillRef idx="0">
-              <a:schemeClr val="accent1"/>
-            </a:fillRef>
-            <a:effectRef idx="0">
-              <a:schemeClr val="accent1"/>
-            </a:effectRef>
-            <a:fontRef idx="minor">
-              <a:schemeClr val="tx1"/>
-            </a:fontRef>
-          </p:style>
-        </p:cxnSp>
-        <p:cxnSp>
-          <p:nvCxnSpPr>
-            <p:cNvPr id="154" name="Curved Connector 153"/>
-            <p:cNvCxnSpPr>
-              <a:stCxn id="152" idx="2"/>
-              <a:endCxn id="151" idx="0"/>
-            </p:cNvCxnSpPr>
-            <p:nvPr/>
-          </p:nvCxnSpPr>
-          <p:spPr>
-            <a:xfrm rot="5400000">
-              <a:off x="16589974" y="4507699"/>
-              <a:ext cx="362785" cy="347256"/>
-            </a:xfrm>
-            <a:prstGeom prst="curvedConnector3">
-              <a:avLst/>
-            </a:prstGeom>
-            <a:ln>
-              <a:tailEnd type="triangle"/>
-            </a:ln>
-          </p:spPr>
-          <p:style>
-            <a:lnRef idx="1">
-              <a:schemeClr val="accent1"/>
-            </a:lnRef>
-            <a:fillRef idx="0">
-              <a:schemeClr val="accent1"/>
-            </a:fillRef>
-            <a:effectRef idx="0">
-              <a:schemeClr val="accent1"/>
-            </a:effectRef>
-            <a:fontRef idx="minor">
-              <a:schemeClr val="tx1"/>
-            </a:fontRef>
-          </p:style>
-        </p:cxnSp>
-        <p:sp>
-          <p:nvSpPr>
-            <p:cNvPr id="158" name="Rounded Rectangle 157"/>
-            <p:cNvSpPr/>
-            <p:nvPr/>
-          </p:nvSpPr>
-          <p:spPr>
-            <a:xfrm>
-              <a:off x="16245877" y="5409304"/>
-              <a:ext cx="1389260" cy="363648"/>
-            </a:xfrm>
-            <a:prstGeom prst="roundRect">
-              <a:avLst/>
-            </a:prstGeom>
-            <a:solidFill>
-              <a:srgbClr val="FFFF99"/>
-            </a:solidFill>
-          </p:spPr>
-          <p:style>
-            <a:lnRef idx="2">
-              <a:schemeClr val="accent1">
-                <a:shade val="50000"/>
-              </a:schemeClr>
-            </a:lnRef>
-            <a:fillRef idx="1">
-              <a:schemeClr val="accent1"/>
-            </a:fillRef>
-            <a:effectRef idx="0">
-              <a:schemeClr val="accent1"/>
-            </a:effectRef>
-            <a:fontRef idx="minor">
-              <a:schemeClr val="lt1"/>
-            </a:fontRef>
-          </p:style>
-          <p:txBody>
-            <a:bodyPr rtlCol="0" anchor="ctr"/>
-            <a:lstStyle/>
-            <a:p>
-              <a:pPr algn="ctr"/>
-              <a:r>
-                <a:rPr lang="en-US" sz="1200" dirty="0">
-                  <a:solidFill>
-                    <a:schemeClr val="tx1"/>
-                  </a:solidFill>
-                </a:rPr>
-                <a:t>matches</a:t>
-              </a:r>
-            </a:p>
-          </p:txBody>
-        </p:sp>
-        <p:cxnSp>
-          <p:nvCxnSpPr>
-            <p:cNvPr id="159" name="Curved Connector 158"/>
-            <p:cNvCxnSpPr>
-              <a:stCxn id="151" idx="2"/>
-              <a:endCxn id="158" idx="0"/>
-            </p:cNvCxnSpPr>
-            <p:nvPr/>
-          </p:nvCxnSpPr>
-          <p:spPr>
-            <a:xfrm rot="16200000" flipH="1">
-              <a:off x="16677654" y="5146451"/>
-              <a:ext cx="182936" cy="342769"/>
-            </a:xfrm>
-            <a:prstGeom prst="curvedConnector3">
-              <a:avLst>
-                <a:gd name="adj1" fmla="val 50000"/>
-              </a:avLst>
-            </a:prstGeom>
-            <a:ln>
-              <a:tailEnd type="triangle"/>
-            </a:ln>
-          </p:spPr>
-          <p:style>
-            <a:lnRef idx="1">
-              <a:schemeClr val="accent1"/>
-            </a:lnRef>
-            <a:fillRef idx="0">
-              <a:schemeClr val="accent1"/>
-            </a:fillRef>
-            <a:effectRef idx="0">
-              <a:schemeClr val="accent1"/>
-            </a:effectRef>
-            <a:fontRef idx="minor">
-              <a:schemeClr val="tx1"/>
-            </a:fontRef>
-          </p:style>
-        </p:cxnSp>
-        <p:sp>
-          <p:nvSpPr>
-            <p:cNvPr id="70" name="Rounded Rectangle 69"/>
-            <p:cNvSpPr/>
-            <p:nvPr/>
-          </p:nvSpPr>
-          <p:spPr>
-            <a:xfrm>
-              <a:off x="15358076" y="5848524"/>
-              <a:ext cx="1389260" cy="361051"/>
-            </a:xfrm>
-            <a:prstGeom prst="roundRect">
-              <a:avLst/>
-            </a:prstGeom>
-            <a:solidFill>
-              <a:srgbClr val="FFFF99"/>
-            </a:solidFill>
-          </p:spPr>
-          <p:style>
-            <a:lnRef idx="2">
-              <a:schemeClr val="accent1">
-                <a:shade val="50000"/>
-              </a:schemeClr>
-            </a:lnRef>
-            <a:fillRef idx="1">
-              <a:schemeClr val="accent1"/>
-            </a:fillRef>
-            <a:effectRef idx="0">
-              <a:schemeClr val="accent1"/>
-            </a:effectRef>
-            <a:fontRef idx="minor">
-              <a:schemeClr val="lt1"/>
-            </a:fontRef>
-          </p:style>
-          <p:txBody>
-            <a:bodyPr rtlCol="0" anchor="ctr"/>
-            <a:lstStyle/>
-            <a:p>
-              <a:pPr algn="ctr"/>
-              <a:r>
-                <a:rPr lang="en-US" sz="1200" dirty="0" err="1">
-                  <a:solidFill>
-                    <a:schemeClr val="tx1"/>
-                  </a:solidFill>
-                </a:rPr>
-                <a:t>mergezoom</a:t>
-              </a:r>
-              <a:endParaRPr lang="en-US" sz="1200" dirty="0">
-                <a:solidFill>
-                  <a:schemeClr val="tx1"/>
-                </a:solidFill>
-              </a:endParaRPr>
-            </a:p>
-          </p:txBody>
-        </p:sp>
-      </p:grpSp>
-      <p:sp>
-        <p:nvSpPr>
-          <p:cNvPr id="225" name="Rounded Rectangle 224"/>
-          <p:cNvSpPr/>
-          <p:nvPr/>
-        </p:nvSpPr>
-        <p:spPr>
-          <a:xfrm>
-            <a:off x="14804074" y="6649790"/>
-            <a:ext cx="1389260" cy="361051"/>
-          </a:xfrm>
-          <a:prstGeom prst="roundRect">
-            <a:avLst/>
-          </a:prstGeom>
-          <a:solidFill>
-            <a:schemeClr val="accent6">
-              <a:lumMod val="40000"/>
-              <a:lumOff val="60000"/>
-            </a:schemeClr>
-          </a:solidFill>
-        </p:spPr>
-        <p:style>
-          <a:lnRef idx="2">
-            <a:schemeClr val="accent1">
-              <a:shade val="50000"/>
-            </a:schemeClr>
-          </a:lnRef>
-          <a:fillRef idx="1">
-            <a:schemeClr val="accent1"/>
-          </a:fillRef>
-          <a:effectRef idx="0">
-            <a:schemeClr val="accent1"/>
-          </a:effectRef>
-          <a:fontRef idx="minor">
-            <a:schemeClr val="lt1"/>
-          </a:fontRef>
-        </p:style>
-        <p:txBody>
-          <a:bodyPr rtlCol="0" anchor="ctr"/>
-          <a:lstStyle/>
-          <a:p>
-            <a:pPr algn="ctr"/>
-            <a:r>
-              <a:rPr lang="en-US" sz="1200" dirty="0" err="1">
-                <a:solidFill>
-                  <a:schemeClr val="tx1"/>
-                </a:solidFill>
-              </a:rPr>
-              <a:t>Zoomxx</a:t>
-            </a:r>
-            <a:endParaRPr lang="en-US" sz="1200" dirty="0">
-              <a:solidFill>
-                <a:schemeClr val="tx1"/>
-              </a:solidFill>
-            </a:endParaRPr>
-          </a:p>
-        </p:txBody>
-      </p:sp>
-      <p:cxnSp>
-        <p:nvCxnSpPr>
-          <p:cNvPr id="227" name="Curved Connector 226"/>
-          <p:cNvCxnSpPr>
-            <a:stCxn id="70" idx="2"/>
-            <a:endCxn id="225" idx="0"/>
-          </p:cNvCxnSpPr>
-          <p:nvPr/>
-        </p:nvCxnSpPr>
-        <p:spPr>
-          <a:xfrm rot="5400000">
-            <a:off x="15555598" y="6152681"/>
-            <a:ext cx="440215" cy="554002"/>
-          </a:xfrm>
-          <a:prstGeom prst="curvedConnector3">
-            <a:avLst>
-              <a:gd name="adj1" fmla="val 50000"/>
-            </a:avLst>
-          </a:prstGeom>
-          <a:ln>
-            <a:tailEnd type="triangle"/>
-          </a:ln>
-        </p:spPr>
-        <p:style>
-          <a:lnRef idx="1">
-            <a:schemeClr val="accent1"/>
-          </a:lnRef>
-          <a:fillRef idx="0">
-            <a:schemeClr val="accent1"/>
-          </a:fillRef>
-          <a:effectRef idx="0">
-            <a:schemeClr val="accent1"/>
-          </a:effectRef>
-          <a:fontRef idx="minor">
-            <a:schemeClr val="tx1"/>
-          </a:fontRef>
-        </p:style>
-      </p:cxnSp>
-      <p:cxnSp>
-        <p:nvCxnSpPr>
-          <p:cNvPr id="235" name="Curved Connector 234"/>
-          <p:cNvCxnSpPr>
-            <a:stCxn id="167" idx="3"/>
-            <a:endCxn id="70" idx="0"/>
-          </p:cNvCxnSpPr>
-          <p:nvPr/>
-        </p:nvCxnSpPr>
-        <p:spPr>
-          <a:xfrm>
-            <a:off x="14724829" y="5442098"/>
-            <a:ext cx="1327877" cy="406426"/>
-          </a:xfrm>
-          <a:prstGeom prst="curvedConnector2">
-            <a:avLst/>
-          </a:prstGeom>
-          <a:ln>
-            <a:tailEnd type="triangle"/>
-          </a:ln>
-        </p:spPr>
-        <p:style>
-          <a:lnRef idx="1">
-            <a:schemeClr val="accent1"/>
-          </a:lnRef>
-          <a:fillRef idx="0">
-            <a:schemeClr val="accent1"/>
-          </a:fillRef>
-          <a:effectRef idx="0">
-            <a:schemeClr val="accent1"/>
-          </a:effectRef>
-          <a:fontRef idx="minor">
-            <a:schemeClr val="tx1"/>
-          </a:fontRef>
-        </p:style>
-      </p:cxnSp>
-      <p:sp>
-        <p:nvSpPr>
-          <p:cNvPr id="171" name="Rounded Rectangle 170"/>
-          <p:cNvSpPr/>
-          <p:nvPr/>
-        </p:nvSpPr>
-        <p:spPr>
-          <a:xfrm>
-            <a:off x="2421847" y="1252523"/>
-            <a:ext cx="1529299" cy="361051"/>
-          </a:xfrm>
-          <a:prstGeom prst="roundRect">
-            <a:avLst/>
-          </a:prstGeom>
-          <a:solidFill>
-            <a:schemeClr val="accent2">
-              <a:lumMod val="20000"/>
-              <a:lumOff val="80000"/>
-            </a:schemeClr>
-          </a:solidFill>
-        </p:spPr>
-        <p:style>
-          <a:lnRef idx="2">
-            <a:schemeClr val="accent1">
-              <a:shade val="50000"/>
-            </a:schemeClr>
-          </a:lnRef>
-          <a:fillRef idx="1">
-            <a:schemeClr val="accent1"/>
-          </a:fillRef>
-          <a:effectRef idx="0">
-            <a:schemeClr val="accent1"/>
-          </a:effectRef>
-          <a:fontRef idx="minor">
-            <a:schemeClr val="lt1"/>
-          </a:fontRef>
-        </p:style>
-        <p:txBody>
-          <a:bodyPr rtlCol="0" anchor="ctr"/>
-          <a:lstStyle/>
-          <a:p>
-            <a:pPr algn="ctr"/>
-            <a:r>
-              <a:rPr lang="en-US" sz="1200" dirty="0" err="1">
-                <a:solidFill>
-                  <a:schemeClr val="tx1"/>
-                </a:solidFill>
-              </a:rPr>
-              <a:t>shredXML</a:t>
-            </a:r>
-            <a:endParaRPr lang="en-US" sz="1200" dirty="0">
-              <a:solidFill>
-                <a:schemeClr val="tx1"/>
-              </a:solidFill>
-            </a:endParaRPr>
-          </a:p>
-          <a:p>
-            <a:pPr algn="ctr"/>
-            <a:r>
-              <a:rPr lang="en-US" sz="1200" dirty="0">
-                <a:solidFill>
-                  <a:schemeClr val="tx1"/>
-                </a:solidFill>
-              </a:rPr>
-              <a:t>image binary</a:t>
-            </a:r>
-          </a:p>
-        </p:txBody>
-      </p:sp>
-      <p:sp>
-        <p:nvSpPr>
-          <p:cNvPr id="172" name="Rounded Rectangle 171"/>
-          <p:cNvSpPr/>
-          <p:nvPr/>
-        </p:nvSpPr>
-        <p:spPr>
-          <a:xfrm>
-            <a:off x="5325288" y="1126381"/>
-            <a:ext cx="1529299" cy="361051"/>
-          </a:xfrm>
-          <a:prstGeom prst="roundRect">
-            <a:avLst/>
-          </a:prstGeom>
-          <a:solidFill>
-            <a:schemeClr val="accent2">
-              <a:lumMod val="20000"/>
-              <a:lumOff val="80000"/>
-            </a:schemeClr>
-          </a:solidFill>
-        </p:spPr>
-        <p:style>
-          <a:lnRef idx="2">
-            <a:schemeClr val="accent1">
-              <a:shade val="50000"/>
-            </a:schemeClr>
-          </a:lnRef>
-          <a:fillRef idx="1">
-            <a:schemeClr val="accent1"/>
-          </a:fillRef>
-          <a:effectRef idx="0">
-            <a:schemeClr val="accent1"/>
-          </a:effectRef>
-          <a:fontRef idx="minor">
-            <a:schemeClr val="lt1"/>
-          </a:fontRef>
-        </p:style>
-        <p:txBody>
-          <a:bodyPr rtlCol="0" anchor="ctr"/>
-          <a:lstStyle/>
-          <a:p>
-            <a:pPr algn="ctr"/>
-            <a:r>
-              <a:rPr lang="en-US" sz="1200" dirty="0" err="1">
-                <a:solidFill>
-                  <a:schemeClr val="tx1"/>
-                </a:solidFill>
-              </a:rPr>
-              <a:t>shredXML</a:t>
-            </a:r>
-            <a:r>
-              <a:rPr lang="en-US" sz="1200" dirty="0">
-                <a:solidFill>
-                  <a:schemeClr val="tx1"/>
-                </a:solidFill>
-              </a:rPr>
-              <a:t> </a:t>
-            </a:r>
-          </a:p>
-          <a:p>
-            <a:pPr algn="ctr"/>
-            <a:r>
-              <a:rPr lang="en-US" sz="1200" dirty="0">
-                <a:solidFill>
-                  <a:schemeClr val="tx1"/>
-                </a:solidFill>
-              </a:rPr>
-              <a:t>exposures, </a:t>
-            </a:r>
-            <a:r>
-              <a:rPr lang="en-US" sz="1200" dirty="0" err="1">
-                <a:solidFill>
-                  <a:schemeClr val="tx1"/>
-                </a:solidFill>
-              </a:rPr>
-              <a:t>params</a:t>
-            </a:r>
-            <a:endParaRPr lang="en-US" sz="1200" dirty="0">
-              <a:solidFill>
-                <a:schemeClr val="tx1"/>
-              </a:solidFill>
-            </a:endParaRPr>
-          </a:p>
-        </p:txBody>
-      </p:sp>
-      <p:cxnSp>
-        <p:nvCxnSpPr>
-          <p:cNvPr id="41" name="Curved Connector 40"/>
-          <p:cNvCxnSpPr>
-            <a:stCxn id="50" idx="2"/>
-            <a:endCxn id="171" idx="0"/>
-          </p:cNvCxnSpPr>
-          <p:nvPr/>
-        </p:nvCxnSpPr>
-        <p:spPr>
-          <a:xfrm rot="5400000">
-            <a:off x="3916310" y="27250"/>
-            <a:ext cx="495461" cy="1955085"/>
-          </a:xfrm>
-          <a:prstGeom prst="curvedConnector3">
-            <a:avLst/>
-          </a:prstGeom>
-          <a:ln>
-            <a:tailEnd type="triangle"/>
-          </a:ln>
-        </p:spPr>
-        <p:style>
-          <a:lnRef idx="1">
-            <a:schemeClr val="accent1"/>
-          </a:lnRef>
-          <a:fillRef idx="0">
-            <a:schemeClr val="accent1"/>
-          </a:fillRef>
-          <a:effectRef idx="0">
-            <a:schemeClr val="accent1"/>
-          </a:effectRef>
-          <a:fontRef idx="minor">
-            <a:schemeClr val="tx1"/>
-          </a:fontRef>
-        </p:style>
-      </p:cxnSp>
-      <p:cxnSp>
-        <p:nvCxnSpPr>
-          <p:cNvPr id="44" name="Curved Connector 43"/>
-          <p:cNvCxnSpPr>
-            <a:stCxn id="50" idx="2"/>
-            <a:endCxn id="172" idx="0"/>
-          </p:cNvCxnSpPr>
-          <p:nvPr/>
-        </p:nvCxnSpPr>
-        <p:spPr>
-          <a:xfrm rot="16200000" flipH="1">
-            <a:off x="5431101" y="467543"/>
-            <a:ext cx="369319" cy="948356"/>
-          </a:xfrm>
-          <a:prstGeom prst="curvedConnector3">
-            <a:avLst>
-              <a:gd name="adj1" fmla="val 50000"/>
-            </a:avLst>
-          </a:prstGeom>
-          <a:ln>
-            <a:tailEnd type="triangle"/>
-          </a:ln>
-        </p:spPr>
-        <p:style>
-          <a:lnRef idx="1">
-            <a:schemeClr val="accent1"/>
-          </a:lnRef>
-          <a:fillRef idx="0">
-            <a:schemeClr val="accent1"/>
-          </a:fillRef>
-          <a:effectRef idx="0">
-            <a:schemeClr val="accent1"/>
-          </a:effectRef>
-          <a:fontRef idx="minor">
-            <a:schemeClr val="tx1"/>
-          </a:fontRef>
-        </p:style>
-      </p:cxnSp>
-      <p:sp>
-        <p:nvSpPr>
-          <p:cNvPr id="173" name="Rounded Rectangle 172"/>
-          <p:cNvSpPr/>
-          <p:nvPr/>
-        </p:nvSpPr>
-        <p:spPr>
-          <a:xfrm>
-            <a:off x="5760627" y="3469437"/>
-            <a:ext cx="1389260" cy="361051"/>
-          </a:xfrm>
-          <a:prstGeom prst="roundRect">
-            <a:avLst/>
-          </a:prstGeom>
-          <a:solidFill>
-            <a:schemeClr val="accent6">
-              <a:lumMod val="20000"/>
-              <a:lumOff val="80000"/>
-            </a:schemeClr>
-          </a:solidFill>
-          <a:ln>
-            <a:solidFill>
-              <a:schemeClr val="accent6">
-                <a:lumMod val="50000"/>
-              </a:schemeClr>
-            </a:solidFill>
-          </a:ln>
-        </p:spPr>
-        <p:style>
-          <a:lnRef idx="2">
-            <a:schemeClr val="accent1">
-              <a:shade val="50000"/>
-            </a:schemeClr>
-          </a:lnRef>
-          <a:fillRef idx="1">
-            <a:schemeClr val="accent1"/>
-          </a:fillRef>
-          <a:effectRef idx="0">
-            <a:schemeClr val="accent1"/>
-          </a:effectRef>
-          <a:fontRef idx="minor">
-            <a:schemeClr val="lt1"/>
-          </a:fontRef>
-        </p:style>
-        <p:txBody>
-          <a:bodyPr rtlCol="0" anchor="ctr"/>
-          <a:lstStyle/>
-          <a:p>
-            <a:pPr algn="ctr"/>
-            <a:r>
-              <a:rPr lang="en-US" sz="1200" dirty="0" err="1">
-                <a:solidFill>
-                  <a:schemeClr val="tx1"/>
-                </a:solidFill>
-              </a:rPr>
-              <a:t>flatw</a:t>
-            </a:r>
-            <a:r>
-              <a:rPr lang="en-US" sz="1200" dirty="0">
-                <a:solidFill>
-                  <a:schemeClr val="tx1"/>
-                </a:solidFill>
-              </a:rPr>
-              <a:t> images</a:t>
-            </a:r>
-          </a:p>
-        </p:txBody>
-      </p:sp>
-      <p:sp>
-        <p:nvSpPr>
-          <p:cNvPr id="174" name="Rounded Rectangle 173"/>
-          <p:cNvSpPr/>
-          <p:nvPr/>
-        </p:nvSpPr>
-        <p:spPr>
-          <a:xfrm>
-            <a:off x="5848539" y="1882393"/>
-            <a:ext cx="1389260" cy="361051"/>
-          </a:xfrm>
-          <a:prstGeom prst="roundRect">
-            <a:avLst/>
-          </a:prstGeom>
-          <a:solidFill>
-            <a:schemeClr val="accent6">
-              <a:lumMod val="20000"/>
-              <a:lumOff val="80000"/>
-            </a:schemeClr>
-          </a:solidFill>
-          <a:ln>
-            <a:solidFill>
-              <a:schemeClr val="accent6">
-                <a:lumMod val="50000"/>
-              </a:schemeClr>
-            </a:solidFill>
-          </a:ln>
-        </p:spPr>
-        <p:style>
-          <a:lnRef idx="2">
-            <a:schemeClr val="accent1">
-              <a:shade val="50000"/>
-            </a:schemeClr>
-          </a:lnRef>
-          <a:fillRef idx="1">
-            <a:schemeClr val="accent1"/>
-          </a:fillRef>
-          <a:effectRef idx="0">
-            <a:schemeClr val="accent1"/>
-          </a:effectRef>
-          <a:fontRef idx="minor">
-            <a:schemeClr val="lt1"/>
-          </a:fontRef>
-        </p:style>
-        <p:txBody>
-          <a:bodyPr rtlCol="0" anchor="ctr"/>
-          <a:lstStyle/>
-          <a:p>
-            <a:pPr algn="ctr"/>
-            <a:r>
-              <a:rPr lang="en-US" sz="1200" dirty="0">
-                <a:solidFill>
-                  <a:schemeClr val="tx1"/>
-                </a:solidFill>
-              </a:rPr>
-              <a:t>*.xml</a:t>
-            </a:r>
-          </a:p>
-        </p:txBody>
-      </p:sp>
-      <p:cxnSp>
-        <p:nvCxnSpPr>
-          <p:cNvPr id="448" name="Curved Connector 447"/>
-          <p:cNvCxnSpPr>
-            <a:stCxn id="172" idx="2"/>
-            <a:endCxn id="174" idx="1"/>
-          </p:cNvCxnSpPr>
-          <p:nvPr/>
-        </p:nvCxnSpPr>
-        <p:spPr>
-          <a:xfrm rot="5400000">
-            <a:off x="5681496" y="1654476"/>
-            <a:ext cx="575487" cy="241399"/>
-          </a:xfrm>
-          <a:prstGeom prst="curvedConnector4">
-            <a:avLst>
-              <a:gd name="adj1" fmla="val 34315"/>
-              <a:gd name="adj2" fmla="val 194698"/>
-            </a:avLst>
-          </a:prstGeom>
-          <a:ln>
-            <a:tailEnd type="triangle"/>
-          </a:ln>
-        </p:spPr>
-        <p:style>
-          <a:lnRef idx="1">
-            <a:schemeClr val="accent1"/>
-          </a:lnRef>
-          <a:fillRef idx="0">
-            <a:schemeClr val="accent1"/>
-          </a:fillRef>
-          <a:effectRef idx="0">
-            <a:schemeClr val="accent1"/>
-          </a:effectRef>
-          <a:fontRef idx="minor">
-            <a:schemeClr val="tx1"/>
-          </a:fontRef>
-        </p:style>
-      </p:cxnSp>
-      <p:cxnSp>
-        <p:nvCxnSpPr>
-          <p:cNvPr id="61" name="Curved Connector 60"/>
-          <p:cNvCxnSpPr>
-            <a:stCxn id="116" idx="2"/>
-            <a:endCxn id="230" idx="0"/>
-          </p:cNvCxnSpPr>
-          <p:nvPr/>
-        </p:nvCxnSpPr>
-        <p:spPr>
-          <a:xfrm rot="5400000">
-            <a:off x="2953503" y="3296518"/>
-            <a:ext cx="276773" cy="189219"/>
-          </a:xfrm>
-          <a:prstGeom prst="curvedConnector3">
-            <a:avLst>
-              <a:gd name="adj1" fmla="val 50000"/>
-            </a:avLst>
-          </a:prstGeom>
-          <a:ln>
-            <a:tailEnd type="triangle"/>
-          </a:ln>
-        </p:spPr>
-        <p:style>
-          <a:lnRef idx="1">
-            <a:schemeClr val="accent1"/>
-          </a:lnRef>
-          <a:fillRef idx="0">
-            <a:schemeClr val="accent1"/>
-          </a:fillRef>
-          <a:effectRef idx="0">
-            <a:schemeClr val="accent1"/>
-          </a:effectRef>
-          <a:fontRef idx="minor">
-            <a:schemeClr val="tx1"/>
-          </a:fontRef>
-        </p:style>
-      </p:cxnSp>
-      <p:grpSp>
-        <p:nvGrpSpPr>
-          <p:cNvPr id="214" name="Group 213"/>
-          <p:cNvGrpSpPr/>
-          <p:nvPr/>
-        </p:nvGrpSpPr>
-        <p:grpSpPr>
-          <a:xfrm>
-            <a:off x="2402826" y="2338341"/>
-            <a:ext cx="1567343" cy="914400"/>
-            <a:chOff x="3260635" y="746892"/>
-            <a:chExt cx="1567343" cy="914400"/>
-          </a:xfrm>
-        </p:grpSpPr>
-        <p:sp>
-          <p:nvSpPr>
-            <p:cNvPr id="116" name="Rectangle 115"/>
-            <p:cNvSpPr/>
-            <p:nvPr/>
-          </p:nvSpPr>
-          <p:spPr>
-            <a:xfrm>
-              <a:off x="3260635" y="746892"/>
-              <a:ext cx="1567343" cy="914400"/>
-            </a:xfrm>
-            <a:prstGeom prst="rect">
-              <a:avLst/>
-            </a:prstGeom>
-            <a:solidFill>
-              <a:schemeClr val="bg1">
-                <a:lumMod val="95000"/>
-              </a:schemeClr>
-            </a:solidFill>
-          </p:spPr>
-          <p:style>
-            <a:lnRef idx="2">
-              <a:schemeClr val="accent1">
-                <a:shade val="50000"/>
-              </a:schemeClr>
-            </a:lnRef>
-            <a:fillRef idx="1">
-              <a:schemeClr val="accent1"/>
-            </a:fillRef>
-            <a:effectRef idx="0">
-              <a:schemeClr val="accent1"/>
-            </a:effectRef>
-            <a:fontRef idx="minor">
-              <a:schemeClr val="lt1"/>
-            </a:fontRef>
-          </p:style>
-          <p:txBody>
-            <a:bodyPr rtlCol="0" anchor="ctr"/>
-            <a:lstStyle/>
-            <a:p>
-              <a:pPr algn="ctr"/>
-              <a:endParaRPr lang="en-US" sz="2034"/>
-            </a:p>
-          </p:txBody>
-        </p:sp>
-        <p:sp>
-          <p:nvSpPr>
-            <p:cNvPr id="122" name="Rounded Rectangle 121"/>
-            <p:cNvSpPr/>
-            <p:nvPr/>
-          </p:nvSpPr>
-          <p:spPr>
-            <a:xfrm>
-              <a:off x="3339647" y="861793"/>
-              <a:ext cx="1123033" cy="365760"/>
-            </a:xfrm>
-            <a:prstGeom prst="roundRect">
-              <a:avLst/>
-            </a:prstGeom>
-            <a:solidFill>
-              <a:schemeClr val="accent2">
-                <a:lumMod val="20000"/>
-                <a:lumOff val="80000"/>
-              </a:schemeClr>
-            </a:solidFill>
-            <a:ln>
-              <a:solidFill>
-                <a:schemeClr val="accent1">
-                  <a:lumMod val="75000"/>
-                </a:schemeClr>
-              </a:solidFill>
-            </a:ln>
-          </p:spPr>
-          <p:style>
-            <a:lnRef idx="2">
-              <a:schemeClr val="accent1">
-                <a:shade val="50000"/>
-              </a:schemeClr>
-            </a:lnRef>
-            <a:fillRef idx="1">
-              <a:schemeClr val="accent1"/>
-            </a:fillRef>
-            <a:effectRef idx="0">
-              <a:schemeClr val="accent1"/>
-            </a:effectRef>
-            <a:fontRef idx="minor">
-              <a:schemeClr val="lt1"/>
-            </a:fontRef>
-          </p:style>
-          <p:txBody>
-            <a:bodyPr rtlCol="0" anchor="ctr"/>
-            <a:lstStyle/>
-            <a:p>
-              <a:pPr algn="ctr"/>
-              <a:r>
-                <a:rPr lang="en-US" sz="1200" dirty="0">
-                  <a:solidFill>
-                    <a:schemeClr val="tx1"/>
-                  </a:solidFill>
-                </a:rPr>
-                <a:t>3.meanimage</a:t>
-              </a:r>
-            </a:p>
-          </p:txBody>
-        </p:sp>
-        <p:sp>
-          <p:nvSpPr>
-            <p:cNvPr id="129" name="Rounded Rectangle 128"/>
-            <p:cNvSpPr/>
-            <p:nvPr/>
-          </p:nvSpPr>
-          <p:spPr>
-            <a:xfrm>
-              <a:off x="3492047" y="1014193"/>
-              <a:ext cx="1123033" cy="365760"/>
-            </a:xfrm>
-            <a:prstGeom prst="roundRect">
-              <a:avLst/>
-            </a:prstGeom>
-            <a:solidFill>
-              <a:schemeClr val="accent2">
-                <a:lumMod val="20000"/>
-                <a:lumOff val="80000"/>
-              </a:schemeClr>
-            </a:solidFill>
-            <a:ln>
-              <a:solidFill>
-                <a:schemeClr val="accent1">
-                  <a:lumMod val="75000"/>
-                </a:schemeClr>
-              </a:solidFill>
-            </a:ln>
-          </p:spPr>
-          <p:style>
-            <a:lnRef idx="2">
-              <a:schemeClr val="accent1">
-                <a:shade val="50000"/>
-              </a:schemeClr>
-            </a:lnRef>
-            <a:fillRef idx="1">
-              <a:schemeClr val="accent1"/>
-            </a:fillRef>
-            <a:effectRef idx="0">
-              <a:schemeClr val="accent1"/>
-            </a:effectRef>
-            <a:fontRef idx="minor">
-              <a:schemeClr val="lt1"/>
-            </a:fontRef>
-          </p:style>
-          <p:txBody>
-            <a:bodyPr rtlCol="0" anchor="ctr"/>
-            <a:lstStyle/>
-            <a:p>
-              <a:pPr algn="ctr"/>
-              <a:r>
-                <a:rPr lang="en-US" sz="1200" dirty="0">
-                  <a:solidFill>
-                    <a:schemeClr val="tx1"/>
-                  </a:solidFill>
-                </a:rPr>
-                <a:t>3.meanimage</a:t>
-              </a:r>
-            </a:p>
-          </p:txBody>
-        </p:sp>
-        <p:sp>
-          <p:nvSpPr>
-            <p:cNvPr id="130" name="Rounded Rectangle 129"/>
-            <p:cNvSpPr/>
-            <p:nvPr/>
-          </p:nvSpPr>
-          <p:spPr>
-            <a:xfrm>
-              <a:off x="3644447" y="1166593"/>
-              <a:ext cx="1123033" cy="365760"/>
-            </a:xfrm>
-            <a:prstGeom prst="roundRect">
-              <a:avLst/>
-            </a:prstGeom>
-            <a:solidFill>
-              <a:schemeClr val="accent2">
-                <a:lumMod val="20000"/>
-                <a:lumOff val="80000"/>
-              </a:schemeClr>
-            </a:solidFill>
-            <a:ln>
-              <a:solidFill>
-                <a:schemeClr val="accent1">
-                  <a:lumMod val="75000"/>
-                </a:schemeClr>
-              </a:solidFill>
-            </a:ln>
-          </p:spPr>
-          <p:style>
-            <a:lnRef idx="2">
-              <a:schemeClr val="accent1">
-                <a:shade val="50000"/>
-              </a:schemeClr>
-            </a:lnRef>
-            <a:fillRef idx="1">
-              <a:schemeClr val="accent1"/>
-            </a:fillRef>
-            <a:effectRef idx="0">
-              <a:schemeClr val="accent1"/>
-            </a:effectRef>
-            <a:fontRef idx="minor">
-              <a:schemeClr val="lt1"/>
-            </a:fontRef>
-          </p:style>
-          <p:txBody>
-            <a:bodyPr rtlCol="0" anchor="ctr"/>
-            <a:lstStyle/>
-            <a:p>
-              <a:pPr algn="ctr"/>
-              <a:r>
-                <a:rPr lang="en-US" sz="1200" dirty="0" err="1">
-                  <a:solidFill>
-                    <a:schemeClr val="tx1"/>
-                  </a:solidFill>
-                </a:rPr>
-                <a:t>meanimage</a:t>
-              </a:r>
-              <a:endParaRPr lang="en-US" sz="1200" dirty="0">
-                <a:solidFill>
-                  <a:schemeClr val="tx1"/>
-                </a:solidFill>
-              </a:endParaRPr>
-            </a:p>
-          </p:txBody>
-        </p:sp>
-      </p:grpSp>
-      <p:sp>
-        <p:nvSpPr>
-          <p:cNvPr id="230" name="Rounded Rectangle 229"/>
-          <p:cNvSpPr/>
-          <p:nvPr/>
-        </p:nvSpPr>
-        <p:spPr>
-          <a:xfrm>
-            <a:off x="2136553" y="3529514"/>
-            <a:ext cx="1721452" cy="361051"/>
-          </a:xfrm>
-          <a:prstGeom prst="roundRect">
-            <a:avLst/>
-          </a:prstGeom>
-          <a:solidFill>
-            <a:schemeClr val="accent2">
-              <a:lumMod val="20000"/>
-              <a:lumOff val="80000"/>
-            </a:schemeClr>
-          </a:solidFill>
-        </p:spPr>
-        <p:style>
-          <a:lnRef idx="2">
-            <a:schemeClr val="accent1">
-              <a:shade val="50000"/>
-            </a:schemeClr>
-          </a:lnRef>
-          <a:fillRef idx="1">
-            <a:schemeClr val="accent1"/>
-          </a:fillRef>
-          <a:effectRef idx="0">
-            <a:schemeClr val="accent1"/>
-          </a:effectRef>
-          <a:fontRef idx="minor">
-            <a:schemeClr val="lt1"/>
-          </a:fontRef>
-        </p:style>
-        <p:txBody>
-          <a:bodyPr rtlCol="0" anchor="ctr"/>
-          <a:lstStyle/>
-          <a:p>
-            <a:pPr algn="ctr"/>
-            <a:r>
-              <a:rPr lang="en-US" sz="1200" dirty="0">
-                <a:solidFill>
-                  <a:schemeClr val="tx1"/>
-                </a:solidFill>
-              </a:rPr>
-              <a:t>Batch flatfield model</a:t>
-            </a:r>
-          </a:p>
-        </p:txBody>
-      </p:sp>
-      <p:sp>
-        <p:nvSpPr>
-          <p:cNvPr id="72" name="Rounded Rectangle 71"/>
-          <p:cNvSpPr/>
-          <p:nvPr/>
-        </p:nvSpPr>
-        <p:spPr>
-          <a:xfrm>
-            <a:off x="277728" y="2858433"/>
-            <a:ext cx="1850422" cy="404119"/>
-          </a:xfrm>
-          <a:prstGeom prst="roundRect">
-            <a:avLst/>
-          </a:prstGeom>
-          <a:solidFill>
-            <a:schemeClr val="accent4">
-              <a:lumMod val="20000"/>
-              <a:lumOff val="80000"/>
-            </a:schemeClr>
-          </a:solidFill>
-          <a:ln>
-            <a:solidFill>
-              <a:schemeClr val="accent6">
-                <a:lumMod val="50000"/>
-              </a:schemeClr>
-            </a:solidFill>
-          </a:ln>
-        </p:spPr>
-        <p:style>
-          <a:lnRef idx="2">
-            <a:schemeClr val="accent1">
-              <a:shade val="50000"/>
-            </a:schemeClr>
-          </a:lnRef>
-          <a:fillRef idx="1">
-            <a:schemeClr val="accent1"/>
-          </a:fillRef>
-          <a:effectRef idx="0">
-            <a:schemeClr val="accent1"/>
-          </a:effectRef>
-          <a:fontRef idx="minor">
-            <a:schemeClr val="lt1"/>
-          </a:fontRef>
-        </p:style>
-        <p:txBody>
-          <a:bodyPr rtlCol="0" anchor="ctr"/>
-          <a:lstStyle/>
-          <a:p>
-            <a:pPr algn="ctr"/>
-            <a:r>
-              <a:rPr lang="en-US" sz="1200" dirty="0" err="1">
-                <a:solidFill>
-                  <a:schemeClr val="tx1"/>
-                </a:solidFill>
-              </a:rPr>
-              <a:t>ExposureTime</a:t>
-            </a:r>
-            <a:endParaRPr lang="en-US" sz="1200" dirty="0">
-              <a:solidFill>
-                <a:schemeClr val="tx1"/>
-              </a:solidFill>
-            </a:endParaRPr>
-          </a:p>
-          <a:p>
-            <a:pPr algn="ctr"/>
-            <a:r>
-              <a:rPr lang="en-US" sz="1200" dirty="0">
-                <a:solidFill>
-                  <a:schemeClr val="tx1"/>
-                </a:solidFill>
-              </a:rPr>
-              <a:t>Dark offsets</a:t>
-            </a:r>
-          </a:p>
-        </p:txBody>
-      </p:sp>
-      <p:sp>
-        <p:nvSpPr>
-          <p:cNvPr id="74" name="Rounded Rectangle 73"/>
-          <p:cNvSpPr/>
-          <p:nvPr/>
-        </p:nvSpPr>
-        <p:spPr>
-          <a:xfrm>
-            <a:off x="258016" y="2278321"/>
-            <a:ext cx="1889843" cy="404119"/>
-          </a:xfrm>
-          <a:prstGeom prst="roundRect">
-            <a:avLst/>
-          </a:prstGeom>
-          <a:solidFill>
-            <a:schemeClr val="accent4">
-              <a:lumMod val="20000"/>
-              <a:lumOff val="80000"/>
-            </a:schemeClr>
-          </a:solidFill>
-          <a:ln>
-            <a:solidFill>
-              <a:schemeClr val="accent6">
-                <a:lumMod val="50000"/>
-              </a:schemeClr>
-            </a:solidFill>
-          </a:ln>
-        </p:spPr>
-        <p:style>
-          <a:lnRef idx="2">
-            <a:schemeClr val="accent1">
-              <a:shade val="50000"/>
-            </a:schemeClr>
-          </a:lnRef>
-          <a:fillRef idx="1">
-            <a:schemeClr val="accent1"/>
-          </a:fillRef>
-          <a:effectRef idx="0">
-            <a:schemeClr val="accent1"/>
-          </a:effectRef>
-          <a:fontRef idx="minor">
-            <a:schemeClr val="lt1"/>
-          </a:fontRef>
-        </p:style>
-        <p:txBody>
-          <a:bodyPr rtlCol="0" anchor="ctr"/>
-          <a:lstStyle/>
-          <a:p>
-            <a:pPr algn="ctr"/>
-            <a:r>
-              <a:rPr lang="en-US" sz="1200" dirty="0">
-                <a:solidFill>
-                  <a:schemeClr val="tx1"/>
-                </a:solidFill>
-              </a:rPr>
-              <a:t>Preliminary flatfield model across a few slides</a:t>
-            </a:r>
-          </a:p>
-        </p:txBody>
-      </p:sp>
-      <p:cxnSp>
-        <p:nvCxnSpPr>
-          <p:cNvPr id="75" name="Curved Connector 74"/>
-          <p:cNvCxnSpPr>
-            <a:stCxn id="74" idx="2"/>
-            <a:endCxn id="72" idx="0"/>
-          </p:cNvCxnSpPr>
-          <p:nvPr/>
-        </p:nvCxnSpPr>
-        <p:spPr>
-          <a:xfrm rot="16200000" flipH="1">
-            <a:off x="1114942" y="2770435"/>
-            <a:ext cx="175993" cy="1"/>
-          </a:xfrm>
-          <a:prstGeom prst="curvedConnector3">
-            <a:avLst/>
-          </a:prstGeom>
-          <a:ln>
-            <a:tailEnd type="triangle"/>
-          </a:ln>
-        </p:spPr>
-        <p:style>
-          <a:lnRef idx="1">
-            <a:schemeClr val="accent1"/>
-          </a:lnRef>
-          <a:fillRef idx="0">
-            <a:schemeClr val="accent1"/>
-          </a:fillRef>
-          <a:effectRef idx="0">
-            <a:schemeClr val="accent1"/>
-          </a:effectRef>
-          <a:fontRef idx="minor">
-            <a:schemeClr val="tx1"/>
-          </a:fontRef>
-        </p:style>
-      </p:cxnSp>
-      <p:cxnSp>
-        <p:nvCxnSpPr>
-          <p:cNvPr id="10" name="Curved Connector 9"/>
-          <p:cNvCxnSpPr>
-            <a:stCxn id="72" idx="3"/>
-            <a:endCxn id="116" idx="1"/>
-          </p:cNvCxnSpPr>
-          <p:nvPr/>
-        </p:nvCxnSpPr>
-        <p:spPr>
-          <a:xfrm flipV="1">
-            <a:off x="2128150" y="2795541"/>
-            <a:ext cx="274676" cy="264952"/>
-          </a:xfrm>
-          <a:prstGeom prst="curvedConnector3">
-            <a:avLst/>
-          </a:prstGeom>
-          <a:ln>
-            <a:tailEnd type="triangle"/>
-          </a:ln>
-        </p:spPr>
-        <p:style>
-          <a:lnRef idx="1">
-            <a:schemeClr val="accent1"/>
-          </a:lnRef>
-          <a:fillRef idx="0">
-            <a:schemeClr val="accent1"/>
-          </a:fillRef>
-          <a:effectRef idx="0">
-            <a:schemeClr val="accent1"/>
-          </a:effectRef>
-          <a:fontRef idx="minor">
-            <a:schemeClr val="tx1"/>
-          </a:fontRef>
-        </p:style>
-      </p:cxnSp>
-      <p:sp>
-        <p:nvSpPr>
-          <p:cNvPr id="84" name="Rounded Rectangle 83"/>
-          <p:cNvSpPr/>
-          <p:nvPr/>
-        </p:nvSpPr>
-        <p:spPr>
-          <a:xfrm>
-            <a:off x="585018" y="3503492"/>
-            <a:ext cx="1241126" cy="371654"/>
-          </a:xfrm>
-          <a:prstGeom prst="roundRect">
-            <a:avLst/>
-          </a:prstGeom>
-          <a:solidFill>
-            <a:schemeClr val="accent4">
-              <a:lumMod val="20000"/>
-              <a:lumOff val="80000"/>
-            </a:schemeClr>
-          </a:solidFill>
-          <a:ln>
-            <a:solidFill>
-              <a:schemeClr val="accent6">
-                <a:lumMod val="50000"/>
-              </a:schemeClr>
-            </a:solidFill>
-          </a:ln>
-        </p:spPr>
-        <p:style>
-          <a:lnRef idx="2">
-            <a:schemeClr val="accent1">
-              <a:shade val="50000"/>
-            </a:schemeClr>
-          </a:lnRef>
-          <a:fillRef idx="1">
-            <a:schemeClr val="accent1"/>
-          </a:fillRef>
-          <a:effectRef idx="0">
-            <a:schemeClr val="accent1"/>
-          </a:effectRef>
-          <a:fontRef idx="minor">
-            <a:schemeClr val="lt1"/>
-          </a:fontRef>
-        </p:style>
-        <p:txBody>
-          <a:bodyPr rtlCol="0" anchor="ctr"/>
-          <a:lstStyle/>
-          <a:p>
-            <a:pPr algn="ctr"/>
-            <a:r>
-              <a:rPr lang="en-US" sz="1200" dirty="0">
-                <a:solidFill>
-                  <a:schemeClr val="tx1"/>
-                </a:solidFill>
-              </a:rPr>
-              <a:t>Measure warping</a:t>
-            </a:r>
-          </a:p>
-        </p:txBody>
-      </p:sp>
-      <p:cxnSp>
-        <p:nvCxnSpPr>
-          <p:cNvPr id="12" name="Curved Connector 11"/>
-          <p:cNvCxnSpPr>
-            <a:stCxn id="72" idx="2"/>
-            <a:endCxn id="84" idx="0"/>
-          </p:cNvCxnSpPr>
-          <p:nvPr/>
-        </p:nvCxnSpPr>
-        <p:spPr>
-          <a:xfrm rot="16200000" flipH="1">
-            <a:off x="1083790" y="3381701"/>
-            <a:ext cx="240940" cy="2642"/>
-          </a:xfrm>
-          <a:prstGeom prst="curvedConnector3">
-            <a:avLst/>
-          </a:prstGeom>
-          <a:ln>
-            <a:tailEnd type="triangle"/>
-          </a:ln>
-        </p:spPr>
-        <p:style>
-          <a:lnRef idx="1">
-            <a:schemeClr val="accent1"/>
-          </a:lnRef>
-          <a:fillRef idx="0">
-            <a:schemeClr val="accent1"/>
-          </a:fillRef>
-          <a:effectRef idx="0">
-            <a:schemeClr val="accent1"/>
-          </a:effectRef>
-          <a:fontRef idx="minor">
-            <a:schemeClr val="tx1"/>
-          </a:fontRef>
-        </p:style>
-      </p:cxnSp>
-      <p:sp>
-        <p:nvSpPr>
-          <p:cNvPr id="88" name="Rounded Rectangle 87"/>
-          <p:cNvSpPr/>
-          <p:nvPr/>
-        </p:nvSpPr>
-        <p:spPr>
-          <a:xfrm>
-            <a:off x="1501193" y="4134401"/>
-            <a:ext cx="1231067" cy="351986"/>
-          </a:xfrm>
-          <a:prstGeom prst="roundRect">
-            <a:avLst/>
-          </a:prstGeom>
-          <a:solidFill>
-            <a:schemeClr val="accent4">
-              <a:lumMod val="20000"/>
-              <a:lumOff val="80000"/>
-            </a:schemeClr>
-          </a:solidFill>
-          <a:ln>
-            <a:solidFill>
-              <a:schemeClr val="accent6">
-                <a:lumMod val="50000"/>
-              </a:schemeClr>
-            </a:solidFill>
-          </a:ln>
-        </p:spPr>
-        <p:style>
-          <a:lnRef idx="2">
-            <a:schemeClr val="accent1">
-              <a:shade val="50000"/>
-            </a:schemeClr>
-          </a:lnRef>
-          <a:fillRef idx="1">
-            <a:schemeClr val="accent1"/>
-          </a:fillRef>
-          <a:effectRef idx="0">
-            <a:schemeClr val="accent1"/>
-          </a:effectRef>
-          <a:fontRef idx="minor">
-            <a:schemeClr val="lt1"/>
-          </a:fontRef>
-        </p:style>
-        <p:txBody>
-          <a:bodyPr rtlCol="0" anchor="ctr"/>
-          <a:lstStyle/>
-          <a:p>
-            <a:pPr algn="ctr"/>
-            <a:r>
-              <a:rPr lang="en-US" sz="1200" dirty="0">
-                <a:solidFill>
-                  <a:schemeClr val="tx1"/>
-                </a:solidFill>
-              </a:rPr>
-              <a:t>Test warping model</a:t>
-            </a:r>
-          </a:p>
-        </p:txBody>
-      </p:sp>
-      <p:cxnSp>
-        <p:nvCxnSpPr>
-          <p:cNvPr id="42" name="Curved Connector 41"/>
-          <p:cNvCxnSpPr>
-            <a:stCxn id="230" idx="2"/>
-            <a:endCxn id="88" idx="3"/>
-          </p:cNvCxnSpPr>
-          <p:nvPr/>
-        </p:nvCxnSpPr>
-        <p:spPr>
-          <a:xfrm rot="5400000">
-            <a:off x="2654856" y="3967970"/>
-            <a:ext cx="419829" cy="265019"/>
-          </a:xfrm>
-          <a:prstGeom prst="curvedConnector2">
-            <a:avLst/>
-          </a:prstGeom>
-          <a:ln>
-            <a:tailEnd type="triangle"/>
-          </a:ln>
-        </p:spPr>
-        <p:style>
-          <a:lnRef idx="1">
-            <a:schemeClr val="accent1"/>
-          </a:lnRef>
-          <a:fillRef idx="0">
-            <a:schemeClr val="accent1"/>
-          </a:fillRef>
-          <a:effectRef idx="0">
-            <a:schemeClr val="accent1"/>
-          </a:effectRef>
-          <a:fontRef idx="minor">
-            <a:schemeClr val="tx1"/>
-          </a:fontRef>
-        </p:style>
-      </p:cxnSp>
-      <p:cxnSp>
-        <p:nvCxnSpPr>
-          <p:cNvPr id="486" name="Curved Connector 485"/>
-          <p:cNvCxnSpPr>
-            <a:stCxn id="84" idx="2"/>
-            <a:endCxn id="88" idx="1"/>
-          </p:cNvCxnSpPr>
-          <p:nvPr/>
-        </p:nvCxnSpPr>
-        <p:spPr>
-          <a:xfrm rot="16200000" flipH="1">
-            <a:off x="1135763" y="3944964"/>
-            <a:ext cx="435248" cy="295612"/>
-          </a:xfrm>
-          <a:prstGeom prst="curvedConnector2">
-            <a:avLst/>
-          </a:prstGeom>
-          <a:ln>
-            <a:headEnd type="triangle"/>
-            <a:tailEnd type="triangle"/>
-          </a:ln>
-        </p:spPr>
-        <p:style>
-          <a:lnRef idx="1">
-            <a:schemeClr val="accent1"/>
-          </a:lnRef>
-          <a:fillRef idx="0">
-            <a:schemeClr val="accent1"/>
-          </a:fillRef>
-          <a:effectRef idx="0">
-            <a:schemeClr val="accent1"/>
-          </a:effectRef>
-          <a:fontRef idx="minor">
-            <a:schemeClr val="tx1"/>
-          </a:fontRef>
-        </p:style>
-      </p:cxnSp>
-      <p:sp>
-        <p:nvSpPr>
-          <p:cNvPr id="279" name="Rounded Rectangle 278"/>
-          <p:cNvSpPr/>
-          <p:nvPr/>
-        </p:nvSpPr>
-        <p:spPr>
-          <a:xfrm>
-            <a:off x="2485325" y="1802453"/>
-            <a:ext cx="1389260" cy="361051"/>
-          </a:xfrm>
-          <a:prstGeom prst="roundRect">
-            <a:avLst/>
-          </a:prstGeom>
-          <a:solidFill>
-            <a:schemeClr val="accent6">
-              <a:lumMod val="20000"/>
-              <a:lumOff val="80000"/>
-            </a:schemeClr>
-          </a:solidFill>
-          <a:ln>
-            <a:solidFill>
-              <a:schemeClr val="accent6">
-                <a:lumMod val="50000"/>
-              </a:schemeClr>
-            </a:solidFill>
-          </a:ln>
-        </p:spPr>
-        <p:style>
-          <a:lnRef idx="2">
-            <a:schemeClr val="accent1">
-              <a:shade val="50000"/>
-            </a:schemeClr>
-          </a:lnRef>
-          <a:fillRef idx="1">
-            <a:schemeClr val="accent1"/>
-          </a:fillRef>
-          <a:effectRef idx="0">
-            <a:schemeClr val="accent1"/>
-          </a:effectRef>
-          <a:fontRef idx="minor">
-            <a:schemeClr val="lt1"/>
-          </a:fontRef>
-        </p:style>
-        <p:txBody>
-          <a:bodyPr rtlCol="0" anchor="ctr"/>
-          <a:lstStyle/>
-          <a:p>
-            <a:pPr algn="ctr"/>
-            <a:r>
-              <a:rPr lang="en-US" sz="1200" dirty="0">
-                <a:solidFill>
-                  <a:schemeClr val="tx1"/>
-                </a:solidFill>
-              </a:rPr>
-              <a:t>*bin</a:t>
-            </a:r>
-          </a:p>
-        </p:txBody>
-      </p:sp>
-      <p:cxnSp>
-        <p:nvCxnSpPr>
-          <p:cNvPr id="534" name="Curved Connector 533"/>
-          <p:cNvCxnSpPr>
-            <a:stCxn id="171" idx="2"/>
-            <a:endCxn id="279" idx="0"/>
-          </p:cNvCxnSpPr>
-          <p:nvPr/>
-        </p:nvCxnSpPr>
-        <p:spPr>
-          <a:xfrm rot="5400000">
-            <a:off x="3088787" y="1704742"/>
-            <a:ext cx="188879" cy="6542"/>
-          </a:xfrm>
-          <a:prstGeom prst="curvedConnector3">
-            <a:avLst/>
-          </a:prstGeom>
-          <a:ln>
-            <a:tailEnd type="triangle"/>
-          </a:ln>
-        </p:spPr>
-        <p:style>
-          <a:lnRef idx="1">
-            <a:schemeClr val="accent1"/>
-          </a:lnRef>
-          <a:fillRef idx="0">
-            <a:schemeClr val="accent1"/>
-          </a:fillRef>
-          <a:effectRef idx="0">
-            <a:schemeClr val="accent1"/>
-          </a:effectRef>
-          <a:fontRef idx="minor">
-            <a:schemeClr val="tx1"/>
-          </a:fontRef>
-        </p:style>
-      </p:cxnSp>
-      <p:cxnSp>
-        <p:nvCxnSpPr>
-          <p:cNvPr id="536" name="Curved Connector 535"/>
-          <p:cNvCxnSpPr>
-            <a:stCxn id="279" idx="2"/>
-            <a:endCxn id="116" idx="0"/>
-          </p:cNvCxnSpPr>
-          <p:nvPr/>
-        </p:nvCxnSpPr>
-        <p:spPr>
-          <a:xfrm rot="16200000" flipH="1">
-            <a:off x="3095808" y="2247650"/>
-            <a:ext cx="174837" cy="6543"/>
-          </a:xfrm>
-          <a:prstGeom prst="curvedConnector3">
-            <a:avLst/>
-          </a:prstGeom>
-          <a:ln>
-            <a:tailEnd type="triangle"/>
-          </a:ln>
-        </p:spPr>
-        <p:style>
-          <a:lnRef idx="1">
-            <a:schemeClr val="accent1"/>
-          </a:lnRef>
-          <a:fillRef idx="0">
-            <a:schemeClr val="accent1"/>
-          </a:fillRef>
-          <a:effectRef idx="0">
-            <a:schemeClr val="accent1"/>
-          </a:effectRef>
-          <a:fontRef idx="minor">
-            <a:schemeClr val="tx1"/>
-          </a:fontRef>
-        </p:style>
-      </p:cxnSp>
-      <p:grpSp>
-        <p:nvGrpSpPr>
-          <p:cNvPr id="1143" name="Group 1142"/>
-          <p:cNvGrpSpPr/>
-          <p:nvPr/>
-        </p:nvGrpSpPr>
-        <p:grpSpPr>
-          <a:xfrm>
-            <a:off x="2565010" y="4860600"/>
-            <a:ext cx="1768786" cy="1081408"/>
-            <a:chOff x="2261098" y="4771314"/>
-            <a:chExt cx="1768786" cy="1081408"/>
-          </a:xfrm>
-        </p:grpSpPr>
-        <p:sp>
-          <p:nvSpPr>
-            <p:cNvPr id="1142" name="Rounded Rectangle 1141"/>
-            <p:cNvSpPr/>
-            <p:nvPr/>
-          </p:nvSpPr>
-          <p:spPr>
-            <a:xfrm>
-              <a:off x="2261098" y="4771314"/>
-              <a:ext cx="1768786" cy="1081408"/>
-            </a:xfrm>
-            <a:prstGeom prst="roundRect">
-              <a:avLst>
-                <a:gd name="adj" fmla="val 5054"/>
-              </a:avLst>
-            </a:prstGeom>
-            <a:solidFill>
-              <a:schemeClr val="bg2"/>
-            </a:solidFill>
-          </p:spPr>
-          <p:style>
-            <a:lnRef idx="2">
-              <a:schemeClr val="accent1">
-                <a:shade val="50000"/>
-              </a:schemeClr>
-            </a:lnRef>
-            <a:fillRef idx="1">
-              <a:schemeClr val="accent1"/>
-            </a:fillRef>
-            <a:effectRef idx="0">
-              <a:schemeClr val="accent1"/>
-            </a:effectRef>
-            <a:fontRef idx="minor">
-              <a:schemeClr val="lt1"/>
-            </a:fontRef>
-          </p:style>
-          <p:txBody>
-            <a:bodyPr rtlCol="0" anchor="ctr"/>
-            <a:lstStyle/>
-            <a:p>
-              <a:pPr algn="ctr"/>
-              <a:endParaRPr lang="en-US"/>
-            </a:p>
-          </p:txBody>
-        </p:sp>
-        <p:sp>
-          <p:nvSpPr>
-            <p:cNvPr id="238" name="Rounded Rectangle 237"/>
-            <p:cNvSpPr/>
-            <p:nvPr/>
-          </p:nvSpPr>
-          <p:spPr>
-            <a:xfrm>
-              <a:off x="2328706" y="5395423"/>
-              <a:ext cx="1529299" cy="361051"/>
-            </a:xfrm>
-            <a:prstGeom prst="roundRect">
-              <a:avLst/>
-            </a:prstGeom>
-            <a:solidFill>
-              <a:schemeClr val="accent2">
-                <a:lumMod val="20000"/>
-                <a:lumOff val="80000"/>
-              </a:schemeClr>
-            </a:solidFill>
-          </p:spPr>
-          <p:style>
-            <a:lnRef idx="2">
-              <a:schemeClr val="accent1">
-                <a:shade val="50000"/>
-              </a:schemeClr>
-            </a:lnRef>
-            <a:fillRef idx="1">
-              <a:schemeClr val="accent1"/>
-            </a:fillRef>
-            <a:effectRef idx="0">
-              <a:schemeClr val="accent1"/>
-            </a:effectRef>
-            <a:fontRef idx="minor">
-              <a:schemeClr val="lt1"/>
-            </a:fontRef>
-          </p:style>
-          <p:txBody>
-            <a:bodyPr rtlCol="0" anchor="ctr"/>
-            <a:lstStyle/>
-            <a:p>
-              <a:pPr algn="ctr"/>
-              <a:r>
-                <a:rPr lang="en-US" sz="1200" dirty="0">
-                  <a:solidFill>
-                    <a:schemeClr val="tx1"/>
-                  </a:solidFill>
-                </a:rPr>
-                <a:t>InjectIM3.exe</a:t>
-              </a:r>
-            </a:p>
-          </p:txBody>
-        </p:sp>
-        <p:sp>
-          <p:nvSpPr>
-            <p:cNvPr id="277" name="Rounded Rectangle 276"/>
-            <p:cNvSpPr/>
-            <p:nvPr/>
-          </p:nvSpPr>
-          <p:spPr>
-            <a:xfrm>
-              <a:off x="2471870" y="4891037"/>
-              <a:ext cx="1231067" cy="351986"/>
-            </a:xfrm>
-            <a:prstGeom prst="roundRect">
-              <a:avLst/>
-            </a:prstGeom>
-            <a:solidFill>
-              <a:schemeClr val="accent4">
-                <a:lumMod val="20000"/>
-                <a:lumOff val="80000"/>
-              </a:schemeClr>
-            </a:solidFill>
-            <a:ln>
-              <a:solidFill>
-                <a:schemeClr val="accent6">
-                  <a:lumMod val="50000"/>
-                </a:schemeClr>
-              </a:solidFill>
-            </a:ln>
-          </p:spPr>
-          <p:style>
-            <a:lnRef idx="2">
-              <a:schemeClr val="accent1">
-                <a:shade val="50000"/>
-              </a:schemeClr>
-            </a:lnRef>
-            <a:fillRef idx="1">
-              <a:schemeClr val="accent1"/>
-            </a:fillRef>
-            <a:effectRef idx="0">
-              <a:schemeClr val="accent1"/>
-            </a:effectRef>
-            <a:fontRef idx="minor">
-              <a:schemeClr val="lt1"/>
-            </a:fontRef>
-          </p:style>
-          <p:txBody>
-            <a:bodyPr rtlCol="0" anchor="ctr"/>
-            <a:lstStyle/>
-            <a:p>
-              <a:pPr algn="ctr"/>
-              <a:r>
-                <a:rPr lang="en-US" sz="1200" dirty="0">
-                  <a:solidFill>
-                    <a:schemeClr val="tx1"/>
-                  </a:solidFill>
-                </a:rPr>
-                <a:t>Apply </a:t>
-              </a:r>
-              <a:r>
-                <a:rPr lang="en-US" sz="1200" dirty="0" err="1">
-                  <a:solidFill>
-                    <a:schemeClr val="tx1"/>
-                  </a:solidFill>
-                </a:rPr>
-                <a:t>flatw</a:t>
-              </a:r>
-              <a:endParaRPr lang="en-US" sz="1200" dirty="0">
-                <a:solidFill>
-                  <a:schemeClr val="tx1"/>
-                </a:solidFill>
-              </a:endParaRPr>
-            </a:p>
-          </p:txBody>
-        </p:sp>
-        <p:cxnSp>
-          <p:nvCxnSpPr>
-            <p:cNvPr id="558" name="Curved Connector 557"/>
-            <p:cNvCxnSpPr>
-              <a:stCxn id="277" idx="2"/>
-              <a:endCxn id="238" idx="0"/>
-            </p:cNvCxnSpPr>
-            <p:nvPr/>
-          </p:nvCxnSpPr>
-          <p:spPr>
-            <a:xfrm rot="16200000" flipH="1">
-              <a:off x="3014180" y="5316247"/>
-              <a:ext cx="152400" cy="5952"/>
-            </a:xfrm>
-            <a:prstGeom prst="curvedConnector3">
-              <a:avLst/>
-            </a:prstGeom>
-            <a:ln>
-              <a:tailEnd type="triangle"/>
-            </a:ln>
-          </p:spPr>
-          <p:style>
-            <a:lnRef idx="1">
-              <a:schemeClr val="accent1"/>
-            </a:lnRef>
-            <a:fillRef idx="0">
-              <a:schemeClr val="accent1"/>
-            </a:fillRef>
-            <a:effectRef idx="0">
-              <a:schemeClr val="accent1"/>
-            </a:effectRef>
-            <a:fontRef idx="minor">
-              <a:schemeClr val="tx1"/>
-            </a:fontRef>
-          </p:style>
-        </p:cxnSp>
-      </p:grpSp>
-      <p:grpSp>
-        <p:nvGrpSpPr>
-          <p:cNvPr id="1134" name="Group 1133"/>
-          <p:cNvGrpSpPr/>
-          <p:nvPr/>
-        </p:nvGrpSpPr>
-        <p:grpSpPr>
-          <a:xfrm>
-            <a:off x="700052" y="6177271"/>
-            <a:ext cx="3775059" cy="2329797"/>
-            <a:chOff x="687601" y="6303980"/>
-            <a:chExt cx="3775059" cy="2329797"/>
-          </a:xfrm>
-        </p:grpSpPr>
-        <p:sp>
-          <p:nvSpPr>
-            <p:cNvPr id="680" name="Rounded Rectangle 679"/>
-            <p:cNvSpPr/>
-            <p:nvPr/>
-          </p:nvSpPr>
-          <p:spPr>
-            <a:xfrm>
-              <a:off x="687601" y="6303980"/>
-              <a:ext cx="3775059" cy="2329797"/>
-            </a:xfrm>
-            <a:prstGeom prst="roundRect">
-              <a:avLst>
-                <a:gd name="adj" fmla="val 3975"/>
-              </a:avLst>
-            </a:prstGeom>
-            <a:solidFill>
-              <a:schemeClr val="bg1">
-                <a:lumMod val="85000"/>
-              </a:schemeClr>
-            </a:solidFill>
-          </p:spPr>
-          <p:style>
-            <a:lnRef idx="2">
-              <a:schemeClr val="accent1">
-                <a:shade val="50000"/>
-              </a:schemeClr>
-            </a:lnRef>
-            <a:fillRef idx="1">
-              <a:schemeClr val="accent1"/>
-            </a:fillRef>
-            <a:effectRef idx="0">
-              <a:schemeClr val="accent1"/>
-            </a:effectRef>
-            <a:fontRef idx="minor">
-              <a:schemeClr val="lt1"/>
-            </a:fontRef>
-          </p:style>
-          <p:txBody>
-            <a:bodyPr rtlCol="0" anchor="ctr"/>
-            <a:lstStyle/>
-            <a:p>
-              <a:pPr algn="ctr"/>
-              <a:endParaRPr lang="en-US"/>
-            </a:p>
-          </p:txBody>
-        </p:sp>
-        <p:sp>
-          <p:nvSpPr>
-            <p:cNvPr id="278" name="Rounded Rectangle 277"/>
-            <p:cNvSpPr/>
-            <p:nvPr/>
-          </p:nvSpPr>
-          <p:spPr>
-            <a:xfrm>
-              <a:off x="2793023" y="7498122"/>
-              <a:ext cx="1389260" cy="361051"/>
-            </a:xfrm>
-            <a:prstGeom prst="roundRect">
-              <a:avLst/>
-            </a:prstGeom>
-            <a:solidFill>
-              <a:schemeClr val="accent1">
-                <a:lumMod val="20000"/>
-                <a:lumOff val="80000"/>
-              </a:schemeClr>
-            </a:solidFill>
-          </p:spPr>
-          <p:style>
-            <a:lnRef idx="2">
-              <a:schemeClr val="accent1">
-                <a:shade val="50000"/>
-              </a:schemeClr>
-            </a:lnRef>
-            <a:fillRef idx="1">
-              <a:schemeClr val="accent1"/>
-            </a:fillRef>
-            <a:effectRef idx="0">
-              <a:schemeClr val="accent1"/>
-            </a:effectRef>
-            <a:fontRef idx="minor">
-              <a:schemeClr val="lt1"/>
-            </a:fontRef>
-          </p:style>
-          <p:txBody>
-            <a:bodyPr rtlCol="0" anchor="ctr"/>
-            <a:lstStyle/>
-            <a:p>
-              <a:pPr algn="ctr"/>
-              <a:r>
-                <a:rPr lang="en-US" sz="1200" dirty="0">
-                  <a:solidFill>
-                    <a:schemeClr val="tx1"/>
-                  </a:solidFill>
-                </a:rPr>
-                <a:t>Visual QC</a:t>
-              </a:r>
-            </a:p>
-          </p:txBody>
-        </p:sp>
-        <p:cxnSp>
-          <p:nvCxnSpPr>
-            <p:cNvPr id="281" name="Curved Connector 280"/>
-            <p:cNvCxnSpPr>
-              <a:stCxn id="358" idx="3"/>
-              <a:endCxn id="278" idx="2"/>
-            </p:cNvCxnSpPr>
-            <p:nvPr/>
-          </p:nvCxnSpPr>
-          <p:spPr>
-            <a:xfrm flipV="1">
-              <a:off x="2588767" y="7859173"/>
-              <a:ext cx="898886" cy="203274"/>
-            </a:xfrm>
-            <a:prstGeom prst="curvedConnector2">
-              <a:avLst/>
-            </a:prstGeom>
-            <a:ln>
-              <a:tailEnd type="triangle"/>
-            </a:ln>
-          </p:spPr>
-          <p:style>
-            <a:lnRef idx="1">
-              <a:schemeClr val="accent1"/>
-            </a:lnRef>
-            <a:fillRef idx="0">
-              <a:schemeClr val="accent1"/>
-            </a:fillRef>
-            <a:effectRef idx="0">
-              <a:schemeClr val="accent1"/>
-            </a:effectRef>
-            <a:fontRef idx="minor">
-              <a:schemeClr val="tx1"/>
-            </a:fontRef>
-          </p:style>
-        </p:cxnSp>
-        <p:cxnSp>
-          <p:nvCxnSpPr>
-            <p:cNvPr id="283" name="Curved Connector 282"/>
-            <p:cNvCxnSpPr>
-              <a:stCxn id="278" idx="0"/>
-              <a:endCxn id="510" idx="3"/>
-            </p:cNvCxnSpPr>
-            <p:nvPr/>
-          </p:nvCxnSpPr>
-          <p:spPr>
-            <a:xfrm rot="5400000" flipH="1" flipV="1">
-              <a:off x="3252385" y="7105702"/>
-              <a:ext cx="627688" cy="157152"/>
-            </a:xfrm>
-            <a:prstGeom prst="curvedConnector4">
-              <a:avLst>
-                <a:gd name="adj1" fmla="val 12948"/>
-                <a:gd name="adj2" fmla="val 245464"/>
-              </a:avLst>
-            </a:prstGeom>
-            <a:ln>
-              <a:tailEnd type="triangle"/>
-            </a:ln>
-          </p:spPr>
-          <p:style>
-            <a:lnRef idx="1">
-              <a:schemeClr val="accent1"/>
-            </a:lnRef>
-            <a:fillRef idx="0">
-              <a:schemeClr val="accent1"/>
-            </a:fillRef>
-            <a:effectRef idx="0">
-              <a:schemeClr val="accent1"/>
-            </a:effectRef>
-            <a:fontRef idx="minor">
-              <a:schemeClr val="tx1"/>
-            </a:fontRef>
-          </p:style>
-        </p:cxnSp>
-        <p:cxnSp>
-          <p:nvCxnSpPr>
-            <p:cNvPr id="319" name="Curved Connector 318"/>
-            <p:cNvCxnSpPr>
-              <a:stCxn id="510" idx="1"/>
-              <a:endCxn id="358" idx="0"/>
-            </p:cNvCxnSpPr>
-            <p:nvPr/>
-          </p:nvCxnSpPr>
-          <p:spPr>
-            <a:xfrm rot="10800000" flipV="1">
-              <a:off x="1689883" y="6870433"/>
-              <a:ext cx="157153" cy="734813"/>
-            </a:xfrm>
-            <a:prstGeom prst="curvedConnector2">
-              <a:avLst/>
-            </a:prstGeom>
-            <a:ln>
-              <a:tailEnd type="triangle"/>
-            </a:ln>
-          </p:spPr>
-          <p:style>
-            <a:lnRef idx="1">
-              <a:schemeClr val="accent1"/>
-            </a:lnRef>
-            <a:fillRef idx="0">
-              <a:schemeClr val="accent1"/>
-            </a:fillRef>
-            <a:effectRef idx="0">
-              <a:schemeClr val="accent1"/>
-            </a:effectRef>
-            <a:fontRef idx="minor">
-              <a:schemeClr val="tx1"/>
-            </a:fontRef>
-          </p:style>
-        </p:cxnSp>
-        <p:grpSp>
-          <p:nvGrpSpPr>
-            <p:cNvPr id="362" name="Group 361"/>
-            <p:cNvGrpSpPr/>
-            <p:nvPr/>
-          </p:nvGrpSpPr>
-          <p:grpSpPr>
-            <a:xfrm>
-              <a:off x="790997" y="7605247"/>
-              <a:ext cx="1797770" cy="914400"/>
-              <a:chOff x="-653694" y="6425810"/>
-              <a:chExt cx="1797770" cy="914400"/>
-            </a:xfrm>
-          </p:grpSpPr>
-          <p:sp>
-            <p:nvSpPr>
-              <p:cNvPr id="358" name="Rectangle 357"/>
-              <p:cNvSpPr/>
-              <p:nvPr/>
-            </p:nvSpPr>
-            <p:spPr>
-              <a:xfrm>
-                <a:off x="-653694" y="6425810"/>
-                <a:ext cx="1797770" cy="914400"/>
-              </a:xfrm>
-              <a:prstGeom prst="rect">
-                <a:avLst/>
-              </a:prstGeom>
-              <a:solidFill>
-                <a:schemeClr val="bg1">
-                  <a:lumMod val="95000"/>
-                </a:schemeClr>
-              </a:solidFill>
-            </p:spPr>
-            <p:style>
-              <a:lnRef idx="2">
-                <a:schemeClr val="accent1">
-                  <a:shade val="50000"/>
-                </a:schemeClr>
-              </a:lnRef>
-              <a:fillRef idx="1">
-                <a:schemeClr val="accent1"/>
-              </a:fillRef>
-              <a:effectRef idx="0">
-                <a:schemeClr val="accent1"/>
-              </a:effectRef>
-              <a:fontRef idx="minor">
-                <a:schemeClr val="lt1"/>
-              </a:fontRef>
-            </p:style>
-            <p:txBody>
-              <a:bodyPr rtlCol="0" anchor="ctr"/>
-              <a:lstStyle/>
-              <a:p>
-                <a:pPr algn="ctr"/>
-                <a:endParaRPr lang="en-US" sz="2034"/>
-              </a:p>
-            </p:txBody>
-          </p:sp>
-          <p:sp>
-            <p:nvSpPr>
-              <p:cNvPr id="359" name="Rounded Rectangle 358"/>
-              <p:cNvSpPr/>
-              <p:nvPr/>
-            </p:nvSpPr>
-            <p:spPr>
-              <a:xfrm>
-                <a:off x="-490457" y="6534287"/>
-                <a:ext cx="1204508" cy="365760"/>
-              </a:xfrm>
-              <a:prstGeom prst="roundRect">
-                <a:avLst/>
-              </a:prstGeom>
-              <a:solidFill>
-                <a:schemeClr val="accent1">
-                  <a:lumMod val="20000"/>
-                  <a:lumOff val="80000"/>
-                </a:schemeClr>
-              </a:solidFill>
-              <a:ln>
-                <a:solidFill>
-                  <a:schemeClr val="accent1">
-                    <a:lumMod val="75000"/>
-                  </a:schemeClr>
-                </a:solidFill>
-              </a:ln>
-            </p:spPr>
-            <p:style>
-              <a:lnRef idx="2">
-                <a:schemeClr val="accent1">
-                  <a:shade val="50000"/>
-                </a:schemeClr>
-              </a:lnRef>
-              <a:fillRef idx="1">
-                <a:schemeClr val="accent1"/>
-              </a:fillRef>
-              <a:effectRef idx="0">
-                <a:schemeClr val="accent1"/>
-              </a:effectRef>
-              <a:fontRef idx="minor">
-                <a:schemeClr val="lt1"/>
-              </a:fontRef>
-            </p:style>
-            <p:txBody>
-              <a:bodyPr rtlCol="0" anchor="ctr"/>
-              <a:lstStyle/>
-              <a:p>
-                <a:pPr algn="ctr"/>
-                <a:r>
-                  <a:rPr lang="en-US" sz="1200" dirty="0" err="1">
-                    <a:solidFill>
-                      <a:schemeClr val="tx1"/>
-                    </a:solidFill>
-                  </a:rPr>
-                  <a:t>mergeTables</a:t>
-                </a:r>
-                <a:endParaRPr lang="en-US" sz="1200" dirty="0">
-                  <a:solidFill>
-                    <a:schemeClr val="tx1"/>
-                  </a:solidFill>
-                </a:endParaRPr>
-              </a:p>
-            </p:txBody>
-          </p:sp>
-          <p:sp>
-            <p:nvSpPr>
-              <p:cNvPr id="360" name="Rounded Rectangle 359"/>
-              <p:cNvSpPr/>
-              <p:nvPr/>
-            </p:nvSpPr>
-            <p:spPr>
-              <a:xfrm>
-                <a:off x="-317331" y="6673215"/>
-                <a:ext cx="1204507" cy="365760"/>
-              </a:xfrm>
-              <a:prstGeom prst="roundRect">
-                <a:avLst/>
-              </a:prstGeom>
-              <a:solidFill>
-                <a:schemeClr val="accent1">
-                  <a:lumMod val="20000"/>
-                  <a:lumOff val="80000"/>
-                </a:schemeClr>
-              </a:solidFill>
-              <a:ln>
-                <a:solidFill>
-                  <a:schemeClr val="accent1">
-                    <a:lumMod val="75000"/>
-                  </a:schemeClr>
-                </a:solidFill>
-              </a:ln>
-            </p:spPr>
-            <p:style>
-              <a:lnRef idx="2">
-                <a:schemeClr val="accent1">
-                  <a:shade val="50000"/>
-                </a:schemeClr>
-              </a:lnRef>
-              <a:fillRef idx="1">
-                <a:schemeClr val="accent1"/>
-              </a:fillRef>
-              <a:effectRef idx="0">
-                <a:schemeClr val="accent1"/>
-              </a:effectRef>
-              <a:fontRef idx="minor">
-                <a:schemeClr val="lt1"/>
-              </a:fontRef>
-            </p:style>
-            <p:txBody>
-              <a:bodyPr rtlCol="0" anchor="ctr"/>
-              <a:lstStyle/>
-              <a:p>
-                <a:pPr algn="ctr"/>
-                <a:r>
-                  <a:rPr lang="en-US" sz="1200" dirty="0" err="1">
-                    <a:solidFill>
-                      <a:schemeClr val="tx1"/>
-                    </a:solidFill>
-                  </a:rPr>
-                  <a:t>mergeTables</a:t>
-                </a:r>
-                <a:endParaRPr lang="en-US" sz="1200" dirty="0">
-                  <a:solidFill>
-                    <a:schemeClr val="tx1"/>
-                  </a:solidFill>
-                </a:endParaRPr>
-              </a:p>
-            </p:txBody>
-          </p:sp>
-          <p:sp>
-            <p:nvSpPr>
-              <p:cNvPr id="361" name="Rounded Rectangle 360"/>
-              <p:cNvSpPr/>
-              <p:nvPr/>
-            </p:nvSpPr>
-            <p:spPr>
-              <a:xfrm>
-                <a:off x="-136101" y="6858881"/>
-                <a:ext cx="1198334" cy="365760"/>
-              </a:xfrm>
-              <a:prstGeom prst="roundRect">
-                <a:avLst/>
-              </a:prstGeom>
-              <a:solidFill>
-                <a:schemeClr val="accent1">
-                  <a:lumMod val="20000"/>
-                  <a:lumOff val="80000"/>
-                </a:schemeClr>
-              </a:solidFill>
-              <a:ln>
-                <a:solidFill>
-                  <a:schemeClr val="accent1">
-                    <a:lumMod val="75000"/>
-                  </a:schemeClr>
-                </a:solidFill>
-              </a:ln>
-            </p:spPr>
-            <p:style>
-              <a:lnRef idx="2">
-                <a:schemeClr val="accent1">
-                  <a:shade val="50000"/>
-                </a:schemeClr>
-              </a:lnRef>
-              <a:fillRef idx="1">
-                <a:schemeClr val="accent1"/>
-              </a:fillRef>
-              <a:effectRef idx="0">
-                <a:schemeClr val="accent1"/>
-              </a:effectRef>
-              <a:fontRef idx="minor">
-                <a:schemeClr val="lt1"/>
-              </a:fontRef>
-            </p:style>
-            <p:txBody>
-              <a:bodyPr rtlCol="0" anchor="ctr"/>
-              <a:lstStyle/>
-              <a:p>
-                <a:pPr algn="ctr"/>
-                <a:r>
-                  <a:rPr lang="en-US" sz="1200" dirty="0" err="1">
-                    <a:solidFill>
-                      <a:schemeClr val="tx1"/>
-                    </a:solidFill>
-                  </a:rPr>
-                  <a:t>mergeTables</a:t>
-                </a:r>
-                <a:endParaRPr lang="en-US" sz="1200" dirty="0">
-                  <a:solidFill>
-                    <a:schemeClr val="tx1"/>
-                  </a:solidFill>
-                </a:endParaRPr>
-              </a:p>
-            </p:txBody>
-          </p:sp>
-        </p:grpSp>
-        <p:grpSp>
-          <p:nvGrpSpPr>
-            <p:cNvPr id="509" name="Group 508"/>
-            <p:cNvGrpSpPr/>
-            <p:nvPr/>
-          </p:nvGrpSpPr>
-          <p:grpSpPr>
-            <a:xfrm>
-              <a:off x="1847035" y="6405286"/>
-              <a:ext cx="1797770" cy="930295"/>
-              <a:chOff x="3648429" y="3998793"/>
-              <a:chExt cx="1797770" cy="930295"/>
-            </a:xfrm>
-          </p:grpSpPr>
-          <p:sp>
-            <p:nvSpPr>
-              <p:cNvPr id="510" name="Rectangle 509"/>
-              <p:cNvSpPr/>
-              <p:nvPr/>
-            </p:nvSpPr>
-            <p:spPr>
-              <a:xfrm>
-                <a:off x="3648429" y="3998793"/>
-                <a:ext cx="1797770" cy="930295"/>
-              </a:xfrm>
-              <a:prstGeom prst="rect">
-                <a:avLst/>
-              </a:prstGeom>
-              <a:solidFill>
-                <a:schemeClr val="bg1">
-                  <a:lumMod val="95000"/>
-                </a:schemeClr>
-              </a:solidFill>
-            </p:spPr>
-            <p:style>
-              <a:lnRef idx="2">
-                <a:schemeClr val="accent1">
-                  <a:shade val="50000"/>
-                </a:schemeClr>
-              </a:lnRef>
-              <a:fillRef idx="1">
-                <a:schemeClr val="accent1"/>
-              </a:fillRef>
-              <a:effectRef idx="0">
-                <a:schemeClr val="accent1"/>
-              </a:effectRef>
-              <a:fontRef idx="minor">
-                <a:schemeClr val="lt1"/>
-              </a:fontRef>
-            </p:style>
-            <p:txBody>
-              <a:bodyPr rtlCol="0" anchor="ctr"/>
-              <a:lstStyle/>
-              <a:p>
-                <a:pPr algn="ctr"/>
-                <a:r>
-                  <a:rPr lang="en-US" sz="2034" dirty="0"/>
-                  <a:t>A</a:t>
-                </a:r>
-              </a:p>
-            </p:txBody>
-          </p:sp>
-          <p:sp>
-            <p:nvSpPr>
-              <p:cNvPr id="511" name="Rounded Rectangle 510"/>
-              <p:cNvSpPr/>
-              <p:nvPr/>
-            </p:nvSpPr>
-            <p:spPr>
-              <a:xfrm>
-                <a:off x="3845865" y="4129590"/>
-                <a:ext cx="1123033" cy="365760"/>
-              </a:xfrm>
-              <a:prstGeom prst="roundRect">
-                <a:avLst/>
-              </a:prstGeom>
-              <a:solidFill>
-                <a:schemeClr val="accent3">
-                  <a:lumMod val="40000"/>
-                  <a:lumOff val="60000"/>
-                </a:schemeClr>
-              </a:solidFill>
-              <a:ln>
-                <a:solidFill>
-                  <a:schemeClr val="accent1">
-                    <a:lumMod val="75000"/>
-                  </a:schemeClr>
-                </a:solidFill>
-              </a:ln>
-            </p:spPr>
-            <p:style>
-              <a:lnRef idx="2">
-                <a:schemeClr val="accent1">
-                  <a:shade val="50000"/>
-                </a:schemeClr>
-              </a:lnRef>
-              <a:fillRef idx="1">
-                <a:schemeClr val="accent1"/>
-              </a:fillRef>
-              <a:effectRef idx="0">
-                <a:schemeClr val="accent1"/>
-              </a:effectRef>
-              <a:fontRef idx="minor">
-                <a:schemeClr val="lt1"/>
-              </a:fontRef>
-            </p:style>
-            <p:txBody>
-              <a:bodyPr rtlCol="0" anchor="ctr"/>
-              <a:lstStyle/>
-              <a:p>
-                <a:pPr algn="ctr"/>
-                <a:r>
-                  <a:rPr lang="en-US" sz="1200" dirty="0">
-                    <a:solidFill>
-                      <a:schemeClr val="tx1"/>
-                    </a:solidFill>
-                  </a:rPr>
-                  <a:t>6.InForm</a:t>
-                </a:r>
-              </a:p>
-            </p:txBody>
-          </p:sp>
-          <p:sp>
-            <p:nvSpPr>
-              <p:cNvPr id="512" name="Rounded Rectangle 511"/>
-              <p:cNvSpPr/>
-              <p:nvPr/>
-            </p:nvSpPr>
-            <p:spPr>
-              <a:xfrm>
-                <a:off x="3998265" y="4281990"/>
-                <a:ext cx="1123033" cy="365760"/>
-              </a:xfrm>
-              <a:prstGeom prst="roundRect">
-                <a:avLst/>
-              </a:prstGeom>
-              <a:solidFill>
-                <a:schemeClr val="accent3">
-                  <a:lumMod val="40000"/>
-                  <a:lumOff val="60000"/>
-                </a:schemeClr>
-              </a:solidFill>
-              <a:ln>
-                <a:solidFill>
-                  <a:schemeClr val="accent1">
-                    <a:lumMod val="75000"/>
-                  </a:schemeClr>
-                </a:solidFill>
-              </a:ln>
-            </p:spPr>
-            <p:style>
-              <a:lnRef idx="2">
-                <a:schemeClr val="accent1">
-                  <a:shade val="50000"/>
-                </a:schemeClr>
-              </a:lnRef>
-              <a:fillRef idx="1">
-                <a:schemeClr val="accent1"/>
-              </a:fillRef>
-              <a:effectRef idx="0">
-                <a:schemeClr val="accent1"/>
-              </a:effectRef>
-              <a:fontRef idx="minor">
-                <a:schemeClr val="lt1"/>
-              </a:fontRef>
-            </p:style>
-            <p:txBody>
-              <a:bodyPr rtlCol="0" anchor="ctr"/>
-              <a:lstStyle/>
-              <a:p>
-                <a:pPr algn="ctr"/>
-                <a:r>
-                  <a:rPr lang="en-US" sz="1200" dirty="0">
-                    <a:solidFill>
-                      <a:schemeClr val="tx1"/>
-                    </a:solidFill>
-                  </a:rPr>
-                  <a:t>6.InForm</a:t>
-                </a:r>
-              </a:p>
-            </p:txBody>
-          </p:sp>
-          <p:sp>
-            <p:nvSpPr>
-              <p:cNvPr id="513" name="Rounded Rectangle 512"/>
-              <p:cNvSpPr/>
-              <p:nvPr/>
-            </p:nvSpPr>
-            <p:spPr>
-              <a:xfrm>
-                <a:off x="4150665" y="4434390"/>
-                <a:ext cx="1123033" cy="365760"/>
-              </a:xfrm>
-              <a:prstGeom prst="roundRect">
-                <a:avLst/>
-              </a:prstGeom>
-              <a:solidFill>
-                <a:schemeClr val="accent3">
-                  <a:lumMod val="40000"/>
-                  <a:lumOff val="60000"/>
-                </a:schemeClr>
-              </a:solidFill>
-              <a:ln>
-                <a:solidFill>
-                  <a:schemeClr val="accent1">
-                    <a:lumMod val="75000"/>
-                  </a:schemeClr>
-                </a:solidFill>
-              </a:ln>
-            </p:spPr>
-            <p:style>
-              <a:lnRef idx="2">
-                <a:schemeClr val="accent1">
-                  <a:shade val="50000"/>
-                </a:schemeClr>
-              </a:lnRef>
-              <a:fillRef idx="1">
-                <a:schemeClr val="accent1"/>
-              </a:fillRef>
-              <a:effectRef idx="0">
-                <a:schemeClr val="accent1"/>
-              </a:effectRef>
-              <a:fontRef idx="minor">
-                <a:schemeClr val="lt1"/>
-              </a:fontRef>
-            </p:style>
-            <p:txBody>
-              <a:bodyPr rtlCol="0" anchor="ctr"/>
-              <a:lstStyle/>
-              <a:p>
-                <a:pPr algn="ctr"/>
-                <a:r>
-                  <a:rPr lang="en-US" sz="1200" dirty="0" err="1">
-                    <a:solidFill>
-                      <a:schemeClr val="tx1"/>
-                    </a:solidFill>
-                  </a:rPr>
-                  <a:t>InForm</a:t>
-                </a:r>
-                <a:endParaRPr lang="en-US" sz="1200" dirty="0">
-                  <a:solidFill>
-                    <a:schemeClr val="tx1"/>
-                  </a:solidFill>
-                </a:endParaRPr>
-              </a:p>
-            </p:txBody>
-          </p:sp>
-        </p:grpSp>
-      </p:grpSp>
-      <p:cxnSp>
-        <p:nvCxnSpPr>
-          <p:cNvPr id="561" name="Curved Connector 560"/>
-          <p:cNvCxnSpPr>
-            <a:stCxn id="238" idx="2"/>
-            <a:endCxn id="510" idx="0"/>
-          </p:cNvCxnSpPr>
-          <p:nvPr/>
-        </p:nvCxnSpPr>
-        <p:spPr>
-          <a:xfrm rot="5400000">
-            <a:off x="2861412" y="5742720"/>
-            <a:ext cx="432817" cy="638897"/>
-          </a:xfrm>
-          <a:prstGeom prst="curvedConnector3">
-            <a:avLst/>
-          </a:prstGeom>
-          <a:ln>
-            <a:tailEnd type="triangle"/>
-          </a:ln>
-        </p:spPr>
-        <p:style>
-          <a:lnRef idx="1">
-            <a:schemeClr val="accent1"/>
-          </a:lnRef>
-          <a:fillRef idx="0">
-            <a:schemeClr val="accent1"/>
-          </a:fillRef>
-          <a:effectRef idx="0">
-            <a:schemeClr val="accent1"/>
-          </a:effectRef>
-          <a:fontRef idx="minor">
-            <a:schemeClr val="tx1"/>
-          </a:fontRef>
-        </p:style>
-      </p:cxnSp>
-      <p:cxnSp>
-        <p:nvCxnSpPr>
-          <p:cNvPr id="566" name="Curved Connector 565"/>
-          <p:cNvCxnSpPr>
-            <a:stCxn id="173" idx="3"/>
-            <a:endCxn id="54" idx="1"/>
-          </p:cNvCxnSpPr>
-          <p:nvPr/>
-        </p:nvCxnSpPr>
-        <p:spPr>
-          <a:xfrm flipV="1">
             <a:off x="7149887" y="2772013"/>
             <a:ext cx="1936443" cy="877950"/>
           </a:xfrm>
